--- a/FineVsCourseMemory.pptx
+++ b/FineVsCourseMemory.pptx
@@ -11,19 +11,20 @@
     <p:sldId id="271" r:id="rId5"/>
     <p:sldId id="270" r:id="rId6"/>
     <p:sldId id="263" r:id="rId7"/>
-    <p:sldId id="259" r:id="rId8"/>
+    <p:sldId id="275" r:id="rId8"/>
     <p:sldId id="260" r:id="rId9"/>
-    <p:sldId id="261" r:id="rId10"/>
-    <p:sldId id="274" r:id="rId11"/>
+    <p:sldId id="274" r:id="rId10"/>
+    <p:sldId id="261" r:id="rId11"/>
     <p:sldId id="267" r:id="rId12"/>
     <p:sldId id="269" r:id="rId13"/>
     <p:sldId id="272" r:id="rId14"/>
     <p:sldId id="273" r:id="rId15"/>
     <p:sldId id="268" r:id="rId16"/>
-    <p:sldId id="264" r:id="rId17"/>
-    <p:sldId id="262" r:id="rId18"/>
+    <p:sldId id="266" r:id="rId17"/>
+    <p:sldId id="264" r:id="rId18"/>
     <p:sldId id="265" r:id="rId19"/>
-    <p:sldId id="266" r:id="rId20"/>
+    <p:sldId id="262" r:id="rId20"/>
+    <p:sldId id="276" r:id="rId21"/>
   </p:sldIdLst>
   <p:sldSz cx="12192000" cy="6858000"/>
   <p:notesSz cx="6858000" cy="9144000"/>
@@ -122,13 +123,18 @@
       </a:defRPr>
     </a:lvl9pPr>
   </p:defaultTextStyle>
+  <p:extLst>
+    <p:ext uri="{EFAFB233-063F-42B5-8137-9DF3F51BA10A}">
+      <p15:sldGuideLst xmlns:p15="http://schemas.microsoft.com/office/powerpoint/2012/main"/>
+    </p:ext>
+  </p:extLst>
 </p:presentation>
 </file>
 
 <file path=ppt/revisionInfo.xml><?xml version="1.0" encoding="utf-8"?>
 <p1510:revInfo xmlns:a="http://schemas.openxmlformats.org/drawingml/2006/main" xmlns:r="http://schemas.openxmlformats.org/officeDocument/2006/relationships" xmlns:p1510="http://schemas.microsoft.com/office/powerpoint/2015/10/main">
   <p1510:revLst>
-    <p1510:client id="{C30C9E34-33CB-4587-884B-E3B20707A5E5}" v="13" dt="2024-04-12T03:57:51.582"/>
+    <p1510:client id="{C30C9E34-33CB-4587-884B-E3B20707A5E5}" v="47" dt="2024-04-12T16:08:58.892"/>
   </p1510:revLst>
 </p1510:revInfo>
 </file>
@@ -137,8 +143,8 @@
 <pc:chgInfo xmlns:a="http://schemas.openxmlformats.org/drawingml/2006/main" xmlns:r="http://schemas.openxmlformats.org/officeDocument/2006/relationships" xmlns:ac="http://schemas.microsoft.com/office/drawing/2013/main/command" xmlns:pc="http://schemas.microsoft.com/office/powerpoint/2013/main/command">
   <pc:docChgLst>
     <pc:chgData name="Roychowdhury, Saurabh" userId="877354e9-836c-4ca0-85de-389391b2a01e" providerId="ADAL" clId="{C30C9E34-33CB-4587-884B-E3B20707A5E5}"/>
-    <pc:docChg chg="undo redo custSel addSld modSld sldOrd">
-      <pc:chgData name="Roychowdhury, Saurabh" userId="877354e9-836c-4ca0-85de-389391b2a01e" providerId="ADAL" clId="{C30C9E34-33CB-4587-884B-E3B20707A5E5}" dt="2024-04-12T04:23:48.346" v="1517" actId="113"/>
+    <pc:docChg chg="undo redo custSel addSld delSld modSld sldOrd">
+      <pc:chgData name="Roychowdhury, Saurabh" userId="877354e9-836c-4ca0-85de-389391b2a01e" providerId="ADAL" clId="{C30C9E34-33CB-4587-884B-E3B20707A5E5}" dt="2024-04-12T16:10:46.565" v="1781"/>
       <pc:docMkLst>
         <pc:docMk/>
       </pc:docMkLst>
@@ -211,8 +217,8 @@
           </ac:spMkLst>
         </pc:spChg>
       </pc:sldChg>
-      <pc:sldChg chg="addSp modSp new mod">
-        <pc:chgData name="Roychowdhury, Saurabh" userId="877354e9-836c-4ca0-85de-389391b2a01e" providerId="ADAL" clId="{C30C9E34-33CB-4587-884B-E3B20707A5E5}" dt="2024-04-12T03:58:01.859" v="1387" actId="1076"/>
+      <pc:sldChg chg="addSp modSp new del mod">
+        <pc:chgData name="Roychowdhury, Saurabh" userId="877354e9-836c-4ca0-85de-389391b2a01e" providerId="ADAL" clId="{C30C9E34-33CB-4587-884B-E3B20707A5E5}" dt="2024-04-12T15:06:21.016" v="1530" actId="47"/>
         <pc:sldMkLst>
           <pc:docMk/>
           <pc:sldMk cId="4057365035" sldId="259"/>
@@ -241,8 +247,8 @@
             <ac:spMk id="5" creationId="{A95152CA-78EA-DD1C-3691-33F62BC5F707}"/>
           </ac:spMkLst>
         </pc:spChg>
-        <pc:graphicFrameChg chg="add mod">
-          <ac:chgData name="Roychowdhury, Saurabh" userId="877354e9-836c-4ca0-85de-389391b2a01e" providerId="ADAL" clId="{C30C9E34-33CB-4587-884B-E3B20707A5E5}" dt="2024-04-12T03:58:01.859" v="1387" actId="1076"/>
+        <pc:graphicFrameChg chg="add mod modGraphic">
+          <ac:chgData name="Roychowdhury, Saurabh" userId="877354e9-836c-4ca0-85de-389391b2a01e" providerId="ADAL" clId="{C30C9E34-33CB-4587-884B-E3B20707A5E5}" dt="2024-04-12T15:04:08.937" v="1519" actId="14100"/>
           <ac:graphicFrameMkLst>
             <pc:docMk/>
             <pc:sldMk cId="4057365035" sldId="259"/>
@@ -297,7 +303,7 @@
         </pc:spChg>
       </pc:sldChg>
       <pc:sldChg chg="addSp delSp modSp new mod">
-        <pc:chgData name="Roychowdhury, Saurabh" userId="877354e9-836c-4ca0-85de-389391b2a01e" providerId="ADAL" clId="{C30C9E34-33CB-4587-884B-E3B20707A5E5}" dt="2024-04-12T04:23:36.400" v="1516" actId="113"/>
+        <pc:chgData name="Roychowdhury, Saurabh" userId="877354e9-836c-4ca0-85de-389391b2a01e" providerId="ADAL" clId="{C30C9E34-33CB-4587-884B-E3B20707A5E5}" dt="2024-04-12T15:59:21.040" v="1693" actId="113"/>
         <pc:sldMkLst>
           <pc:docMk/>
           <pc:sldMk cId="2454318046" sldId="262"/>
@@ -311,7 +317,7 @@
           </ac:spMkLst>
         </pc:spChg>
         <pc:spChg chg="add del mod">
-          <ac:chgData name="Roychowdhury, Saurabh" userId="877354e9-836c-4ca0-85de-389391b2a01e" providerId="ADAL" clId="{C30C9E34-33CB-4587-884B-E3B20707A5E5}" dt="2024-04-12T03:23:24.232" v="1001" actId="20577"/>
+          <ac:chgData name="Roychowdhury, Saurabh" userId="877354e9-836c-4ca0-85de-389391b2a01e" providerId="ADAL" clId="{C30C9E34-33CB-4587-884B-E3B20707A5E5}" dt="2024-04-12T15:59:21.040" v="1693" actId="113"/>
           <ac:spMkLst>
             <pc:docMk/>
             <pc:sldMk cId="2454318046" sldId="262"/>
@@ -373,8 +379,8 @@
           </ac:spMkLst>
         </pc:spChg>
       </pc:sldChg>
-      <pc:sldChg chg="modSp new mod">
-        <pc:chgData name="Roychowdhury, Saurabh" userId="877354e9-836c-4ca0-85de-389391b2a01e" providerId="ADAL" clId="{C30C9E34-33CB-4587-884B-E3B20707A5E5}" dt="2024-04-12T04:09:44.192" v="1498" actId="113"/>
+      <pc:sldChg chg="modSp new mod ord">
+        <pc:chgData name="Roychowdhury, Saurabh" userId="877354e9-836c-4ca0-85de-389391b2a01e" providerId="ADAL" clId="{C30C9E34-33CB-4587-884B-E3B20707A5E5}" dt="2024-04-12T16:09:41.292" v="1778"/>
         <pc:sldMkLst>
           <pc:docMk/>
           <pc:sldMk cId="3637145069" sldId="265"/>
@@ -388,7 +394,7 @@
           </ac:spMkLst>
         </pc:spChg>
         <pc:spChg chg="mod">
-          <ac:chgData name="Roychowdhury, Saurabh" userId="877354e9-836c-4ca0-85de-389391b2a01e" providerId="ADAL" clId="{C30C9E34-33CB-4587-884B-E3B20707A5E5}" dt="2024-04-12T04:09:44.192" v="1498" actId="113"/>
+          <ac:chgData name="Roychowdhury, Saurabh" userId="877354e9-836c-4ca0-85de-389391b2a01e" providerId="ADAL" clId="{C30C9E34-33CB-4587-884B-E3B20707A5E5}" dt="2024-04-12T15:58:05.918" v="1690" actId="113"/>
           <ac:spMkLst>
             <pc:docMk/>
             <pc:sldMk cId="3637145069" sldId="265"/>
@@ -396,8 +402,8 @@
           </ac:spMkLst>
         </pc:spChg>
       </pc:sldChg>
-      <pc:sldChg chg="modSp new mod">
-        <pc:chgData name="Roychowdhury, Saurabh" userId="877354e9-836c-4ca0-85de-389391b2a01e" providerId="ADAL" clId="{C30C9E34-33CB-4587-884B-E3B20707A5E5}" dt="2024-04-12T00:07:10.961" v="703" actId="27636"/>
+      <pc:sldChg chg="modSp new mod ord">
+        <pc:chgData name="Roychowdhury, Saurabh" userId="877354e9-836c-4ca0-85de-389391b2a01e" providerId="ADAL" clId="{C30C9E34-33CB-4587-884B-E3B20707A5E5}" dt="2024-04-12T16:10:46.565" v="1781"/>
         <pc:sldMkLst>
           <pc:docMk/>
           <pc:sldMk cId="3198879697" sldId="266"/>
@@ -411,7 +417,7 @@
           </ac:spMkLst>
         </pc:spChg>
         <pc:spChg chg="mod">
-          <ac:chgData name="Roychowdhury, Saurabh" userId="877354e9-836c-4ca0-85de-389391b2a01e" providerId="ADAL" clId="{C30C9E34-33CB-4587-884B-E3B20707A5E5}" dt="2024-04-12T00:07:10.961" v="703" actId="27636"/>
+          <ac:chgData name="Roychowdhury, Saurabh" userId="877354e9-836c-4ca0-85de-389391b2a01e" providerId="ADAL" clId="{C30C9E34-33CB-4587-884B-E3B20707A5E5}" dt="2024-04-12T16:10:31.546" v="1779" actId="113"/>
           <ac:spMkLst>
             <pc:docMk/>
             <pc:sldMk cId="3198879697" sldId="266"/>
@@ -443,7 +449,7 @@
         </pc:spChg>
       </pc:sldChg>
       <pc:sldChg chg="modSp new mod">
-        <pc:chgData name="Roychowdhury, Saurabh" userId="877354e9-836c-4ca0-85de-389391b2a01e" providerId="ADAL" clId="{C30C9E34-33CB-4587-884B-E3B20707A5E5}" dt="2024-04-12T04:23:48.346" v="1517" actId="113"/>
+        <pc:chgData name="Roychowdhury, Saurabh" userId="877354e9-836c-4ca0-85de-389391b2a01e" providerId="ADAL" clId="{C30C9E34-33CB-4587-884B-E3B20707A5E5}" dt="2024-04-12T15:50:03.878" v="1607" actId="20577"/>
         <pc:sldMkLst>
           <pc:docMk/>
           <pc:sldMk cId="1304090250" sldId="268"/>
@@ -457,7 +463,7 @@
           </ac:spMkLst>
         </pc:spChg>
         <pc:spChg chg="mod">
-          <ac:chgData name="Roychowdhury, Saurabh" userId="877354e9-836c-4ca0-85de-389391b2a01e" providerId="ADAL" clId="{C30C9E34-33CB-4587-884B-E3B20707A5E5}" dt="2024-04-12T03:23:06.642" v="999" actId="20577"/>
+          <ac:chgData name="Roychowdhury, Saurabh" userId="877354e9-836c-4ca0-85de-389391b2a01e" providerId="ADAL" clId="{C30C9E34-33CB-4587-884B-E3B20707A5E5}" dt="2024-04-12T15:50:03.878" v="1607" actId="20577"/>
           <ac:spMkLst>
             <pc:docMk/>
             <pc:sldMk cId="1304090250" sldId="268"/>
@@ -466,7 +472,7 @@
         </pc:spChg>
       </pc:sldChg>
       <pc:sldChg chg="modSp new mod">
-        <pc:chgData name="Roychowdhury, Saurabh" userId="877354e9-836c-4ca0-85de-389391b2a01e" providerId="ADAL" clId="{C30C9E34-33CB-4587-884B-E3B20707A5E5}" dt="2024-04-12T04:08:08.115" v="1496" actId="113"/>
+        <pc:chgData name="Roychowdhury, Saurabh" userId="877354e9-836c-4ca0-85de-389391b2a01e" providerId="ADAL" clId="{C30C9E34-33CB-4587-884B-E3B20707A5E5}" dt="2024-04-12T15:39:20.376" v="1571" actId="113"/>
         <pc:sldMkLst>
           <pc:docMk/>
           <pc:sldMk cId="3691778760" sldId="269"/>
@@ -480,7 +486,7 @@
           </ac:spMkLst>
         </pc:spChg>
         <pc:spChg chg="mod">
-          <ac:chgData name="Roychowdhury, Saurabh" userId="877354e9-836c-4ca0-85de-389391b2a01e" providerId="ADAL" clId="{C30C9E34-33CB-4587-884B-E3B20707A5E5}" dt="2024-04-12T04:08:08.115" v="1496" actId="113"/>
+          <ac:chgData name="Roychowdhury, Saurabh" userId="877354e9-836c-4ca0-85de-389391b2a01e" providerId="ADAL" clId="{C30C9E34-33CB-4587-884B-E3B20707A5E5}" dt="2024-04-12T15:39:20.376" v="1571" actId="113"/>
           <ac:spMkLst>
             <pc:docMk/>
             <pc:sldMk cId="3691778760" sldId="269"/>
@@ -535,7 +541,7 @@
         </pc:spChg>
       </pc:sldChg>
       <pc:sldChg chg="modSp new mod">
-        <pc:chgData name="Roychowdhury, Saurabh" userId="877354e9-836c-4ca0-85de-389391b2a01e" providerId="ADAL" clId="{C30C9E34-33CB-4587-884B-E3B20707A5E5}" dt="2024-04-12T03:20:02.434" v="932" actId="20577"/>
+        <pc:chgData name="Roychowdhury, Saurabh" userId="877354e9-836c-4ca0-85de-389391b2a01e" providerId="ADAL" clId="{C30C9E34-33CB-4587-884B-E3B20707A5E5}" dt="2024-04-12T15:51:04.386" v="1685" actId="20577"/>
         <pc:sldMkLst>
           <pc:docMk/>
           <pc:sldMk cId="1299760536" sldId="272"/>
@@ -549,7 +555,7 @@
           </ac:spMkLst>
         </pc:spChg>
         <pc:spChg chg="mod">
-          <ac:chgData name="Roychowdhury, Saurabh" userId="877354e9-836c-4ca0-85de-389391b2a01e" providerId="ADAL" clId="{C30C9E34-33CB-4587-884B-E3B20707A5E5}" dt="2024-04-12T03:20:02.434" v="932" actId="20577"/>
+          <ac:chgData name="Roychowdhury, Saurabh" userId="877354e9-836c-4ca0-85de-389391b2a01e" providerId="ADAL" clId="{C30C9E34-33CB-4587-884B-E3B20707A5E5}" dt="2024-04-12T15:51:04.386" v="1685" actId="20577"/>
           <ac:spMkLst>
             <pc:docMk/>
             <pc:sldMk cId="1299760536" sldId="272"/>
@@ -581,7 +587,7 @@
         </pc:spChg>
       </pc:sldChg>
       <pc:sldChg chg="modSp new mod ord">
-        <pc:chgData name="Roychowdhury, Saurabh" userId="877354e9-836c-4ca0-85de-389391b2a01e" providerId="ADAL" clId="{C30C9E34-33CB-4587-884B-E3B20707A5E5}" dt="2024-04-12T04:07:08.483" v="1490"/>
+        <pc:chgData name="Roychowdhury, Saurabh" userId="877354e9-836c-4ca0-85de-389391b2a01e" providerId="ADAL" clId="{C30C9E34-33CB-4587-884B-E3B20707A5E5}" dt="2024-04-12T15:32:29.960" v="1570"/>
         <pc:sldMkLst>
           <pc:docMk/>
           <pc:sldMk cId="2931524514" sldId="274"/>
@@ -602,6 +608,156 @@
             <ac:spMk id="3" creationId="{5DCA2331-8FF6-8AA9-1270-FEFCEF21BAAC}"/>
           </ac:spMkLst>
         </pc:spChg>
+      </pc:sldChg>
+      <pc:sldChg chg="addSp delSp modSp add mod setBg">
+        <pc:chgData name="Roychowdhury, Saurabh" userId="877354e9-836c-4ca0-85de-389391b2a01e" providerId="ADAL" clId="{C30C9E34-33CB-4587-884B-E3B20707A5E5}" dt="2024-04-12T15:31:26.923" v="1568" actId="404"/>
+        <pc:sldMkLst>
+          <pc:docMk/>
+          <pc:sldMk cId="3471849684" sldId="275"/>
+        </pc:sldMkLst>
+        <pc:spChg chg="mod">
+          <ac:chgData name="Roychowdhury, Saurabh" userId="877354e9-836c-4ca0-85de-389391b2a01e" providerId="ADAL" clId="{C30C9E34-33CB-4587-884B-E3B20707A5E5}" dt="2024-04-12T15:05:23.394" v="1524" actId="26606"/>
+          <ac:spMkLst>
+            <pc:docMk/>
+            <pc:sldMk cId="3471849684" sldId="275"/>
+            <ac:spMk id="2" creationId="{1AA72738-0F00-ABB0-B91D-C0CEE882DB8A}"/>
+          </ac:spMkLst>
+        </pc:spChg>
+        <pc:spChg chg="mod">
+          <ac:chgData name="Roychowdhury, Saurabh" userId="877354e9-836c-4ca0-85de-389391b2a01e" providerId="ADAL" clId="{C30C9E34-33CB-4587-884B-E3B20707A5E5}" dt="2024-04-12T15:05:23.394" v="1524" actId="26606"/>
+          <ac:spMkLst>
+            <pc:docMk/>
+            <pc:sldMk cId="3471849684" sldId="275"/>
+            <ac:spMk id="3" creationId="{CA675FAB-7AF8-BB4B-C9D7-648E2F8BC02D}"/>
+          </ac:spMkLst>
+        </pc:spChg>
+        <pc:spChg chg="del">
+          <ac:chgData name="Roychowdhury, Saurabh" userId="877354e9-836c-4ca0-85de-389391b2a01e" providerId="ADAL" clId="{C30C9E34-33CB-4587-884B-E3B20707A5E5}" dt="2024-04-12T15:04:58.317" v="1521" actId="478"/>
+          <ac:spMkLst>
+            <pc:docMk/>
+            <pc:sldMk cId="3471849684" sldId="275"/>
+            <ac:spMk id="5" creationId="{C4036F35-C413-4AAD-42A4-EBF5EA8CF613}"/>
+          </ac:spMkLst>
+        </pc:spChg>
+        <pc:spChg chg="add mod">
+          <ac:chgData name="Roychowdhury, Saurabh" userId="877354e9-836c-4ca0-85de-389391b2a01e" providerId="ADAL" clId="{C30C9E34-33CB-4587-884B-E3B20707A5E5}" dt="2024-04-12T15:31:26.923" v="1568" actId="404"/>
+          <ac:spMkLst>
+            <pc:docMk/>
+            <pc:sldMk cId="3471849684" sldId="275"/>
+            <ac:spMk id="7" creationId="{776EDCCA-39E1-B1D8-4A2E-6EB67E9C3A70}"/>
+          </ac:spMkLst>
+        </pc:spChg>
+        <pc:spChg chg="add">
+          <ac:chgData name="Roychowdhury, Saurabh" userId="877354e9-836c-4ca0-85de-389391b2a01e" providerId="ADAL" clId="{C30C9E34-33CB-4587-884B-E3B20707A5E5}" dt="2024-04-12T15:05:23.394" v="1524" actId="26606"/>
+          <ac:spMkLst>
+            <pc:docMk/>
+            <pc:sldMk cId="3471849684" sldId="275"/>
+            <ac:spMk id="11" creationId="{2550BE34-C2B8-49B8-8519-67A8CAD51AE9}"/>
+          </ac:spMkLst>
+        </pc:spChg>
+        <pc:spChg chg="add">
+          <ac:chgData name="Roychowdhury, Saurabh" userId="877354e9-836c-4ca0-85de-389391b2a01e" providerId="ADAL" clId="{C30C9E34-33CB-4587-884B-E3B20707A5E5}" dt="2024-04-12T15:05:23.394" v="1524" actId="26606"/>
+          <ac:spMkLst>
+            <pc:docMk/>
+            <pc:sldMk cId="3471849684" sldId="275"/>
+            <ac:spMk id="13" creationId="{A7457DD9-5A45-400A-AB4B-4B4EDECA25F1}"/>
+          </ac:spMkLst>
+        </pc:spChg>
+        <pc:spChg chg="add">
+          <ac:chgData name="Roychowdhury, Saurabh" userId="877354e9-836c-4ca0-85de-389391b2a01e" providerId="ADAL" clId="{C30C9E34-33CB-4587-884B-E3B20707A5E5}" dt="2024-04-12T15:05:23.394" v="1524" actId="26606"/>
+          <ac:spMkLst>
+            <pc:docMk/>
+            <pc:sldMk cId="3471849684" sldId="275"/>
+            <ac:spMk id="15" creationId="{441CF7D6-A660-431A-B0BB-140A0D5556B6}"/>
+          </ac:spMkLst>
+        </pc:spChg>
+        <pc:spChg chg="add">
+          <ac:chgData name="Roychowdhury, Saurabh" userId="877354e9-836c-4ca0-85de-389391b2a01e" providerId="ADAL" clId="{C30C9E34-33CB-4587-884B-E3B20707A5E5}" dt="2024-04-12T15:05:23.394" v="1524" actId="26606"/>
+          <ac:spMkLst>
+            <pc:docMk/>
+            <pc:sldMk cId="3471849684" sldId="275"/>
+            <ac:spMk id="17" creationId="{0570A85B-3810-4F95-97B0-CBF4CCDB381C}"/>
+          </ac:spMkLst>
+        </pc:spChg>
+        <pc:graphicFrameChg chg="del">
+          <ac:chgData name="Roychowdhury, Saurabh" userId="877354e9-836c-4ca0-85de-389391b2a01e" providerId="ADAL" clId="{C30C9E34-33CB-4587-884B-E3B20707A5E5}" dt="2024-04-12T15:05:02.317" v="1522" actId="478"/>
+          <ac:graphicFrameMkLst>
+            <pc:docMk/>
+            <pc:sldMk cId="3471849684" sldId="275"/>
+            <ac:graphicFrameMk id="4" creationId="{39A365D6-44CD-69F1-915A-D95EB54E4C8C}"/>
+          </ac:graphicFrameMkLst>
+        </pc:graphicFrameChg>
+        <pc:graphicFrameChg chg="add mod modGraphic">
+          <ac:chgData name="Roychowdhury, Saurabh" userId="877354e9-836c-4ca0-85de-389391b2a01e" providerId="ADAL" clId="{C30C9E34-33CB-4587-884B-E3B20707A5E5}" dt="2024-04-12T15:31:08.428" v="1560" actId="113"/>
+          <ac:graphicFrameMkLst>
+            <pc:docMk/>
+            <pc:sldMk cId="3471849684" sldId="275"/>
+            <ac:graphicFrameMk id="6" creationId="{4C684932-0052-6255-5815-F2DFD6AD2B14}"/>
+          </ac:graphicFrameMkLst>
+        </pc:graphicFrameChg>
+      </pc:sldChg>
+      <pc:sldChg chg="addSp delSp modSp new mod setBg">
+        <pc:chgData name="Roychowdhury, Saurabh" userId="877354e9-836c-4ca0-85de-389391b2a01e" providerId="ADAL" clId="{C30C9E34-33CB-4587-884B-E3B20707A5E5}" dt="2024-04-12T16:09:26.713" v="1776" actId="1076"/>
+        <pc:sldMkLst>
+          <pc:docMk/>
+          <pc:sldMk cId="2240055538" sldId="276"/>
+        </pc:sldMkLst>
+        <pc:spChg chg="del mod">
+          <ac:chgData name="Roychowdhury, Saurabh" userId="877354e9-836c-4ca0-85de-389391b2a01e" providerId="ADAL" clId="{C30C9E34-33CB-4587-884B-E3B20707A5E5}" dt="2024-04-12T16:05:37.629" v="1757" actId="478"/>
+          <ac:spMkLst>
+            <pc:docMk/>
+            <pc:sldMk cId="2240055538" sldId="276"/>
+            <ac:spMk id="2" creationId="{56805E3B-2FF3-5082-D612-68366856BA83}"/>
+          </ac:spMkLst>
+        </pc:spChg>
+        <pc:spChg chg="del">
+          <ac:chgData name="Roychowdhury, Saurabh" userId="877354e9-836c-4ca0-85de-389391b2a01e" providerId="ADAL" clId="{C30C9E34-33CB-4587-884B-E3B20707A5E5}" dt="2024-04-12T16:04:05.746" v="1699" actId="478"/>
+          <ac:spMkLst>
+            <pc:docMk/>
+            <pc:sldMk cId="2240055538" sldId="276"/>
+            <ac:spMk id="3" creationId="{A9BD8097-639E-2A18-D2ED-E3121B38AD3C}"/>
+          </ac:spMkLst>
+        </pc:spChg>
+        <pc:spChg chg="add mod">
+          <ac:chgData name="Roychowdhury, Saurabh" userId="877354e9-836c-4ca0-85de-389391b2a01e" providerId="ADAL" clId="{C30C9E34-33CB-4587-884B-E3B20707A5E5}" dt="2024-04-12T16:09:26.713" v="1776" actId="1076"/>
+          <ac:spMkLst>
+            <pc:docMk/>
+            <pc:sldMk cId="2240055538" sldId="276"/>
+            <ac:spMk id="6" creationId="{AEE41E31-93E3-EEDD-1973-C1FE8423C2A6}"/>
+          </ac:spMkLst>
+        </pc:spChg>
+        <pc:spChg chg="add del mod">
+          <ac:chgData name="Roychowdhury, Saurabh" userId="877354e9-836c-4ca0-85de-389391b2a01e" providerId="ADAL" clId="{C30C9E34-33CB-4587-884B-E3B20707A5E5}" dt="2024-04-12T16:05:45.313" v="1759" actId="478"/>
+          <ac:spMkLst>
+            <pc:docMk/>
+            <pc:sldMk cId="2240055538" sldId="276"/>
+            <ac:spMk id="8" creationId="{7E5A3F82-E0EC-A9CE-0EE0-61DBB2763D0F}"/>
+          </ac:spMkLst>
+        </pc:spChg>
+        <pc:spChg chg="add">
+          <ac:chgData name="Roychowdhury, Saurabh" userId="877354e9-836c-4ca0-85de-389391b2a01e" providerId="ADAL" clId="{C30C9E34-33CB-4587-884B-E3B20707A5E5}" dt="2024-04-12T16:04:32.388" v="1703" actId="26606"/>
+          <ac:spMkLst>
+            <pc:docMk/>
+            <pc:sldMk cId="2240055538" sldId="276"/>
+            <ac:spMk id="10" creationId="{53F29798-D584-4792-9B62-3F5F5C36D619}"/>
+          </ac:spMkLst>
+        </pc:spChg>
+        <pc:picChg chg="add del mod">
+          <ac:chgData name="Roychowdhury, Saurabh" userId="877354e9-836c-4ca0-85de-389391b2a01e" providerId="ADAL" clId="{C30C9E34-33CB-4587-884B-E3B20707A5E5}" dt="2024-04-12T16:07:36.151" v="1769" actId="478"/>
+          <ac:picMkLst>
+            <pc:docMk/>
+            <pc:sldMk cId="2240055538" sldId="276"/>
+            <ac:picMk id="5" creationId="{2BE89C26-6633-43EF-8537-DAFD7507DBAD}"/>
+          </ac:picMkLst>
+        </pc:picChg>
+        <pc:picChg chg="add mod">
+          <ac:chgData name="Roychowdhury, Saurabh" userId="877354e9-836c-4ca0-85de-389391b2a01e" providerId="ADAL" clId="{C30C9E34-33CB-4587-884B-E3B20707A5E5}" dt="2024-04-12T16:09:19.781" v="1775" actId="1076"/>
+          <ac:picMkLst>
+            <pc:docMk/>
+            <pc:sldMk cId="2240055538" sldId="276"/>
+            <ac:picMk id="11" creationId="{30315F9B-ECD1-03CD-6F61-5F187BDF44D7}"/>
+          </ac:picMkLst>
+        </pc:picChg>
       </pc:sldChg>
     </pc:docChg>
   </pc:docChgLst>
@@ -755,7 +911,7 @@
           <a:p>
             <a:fld id="{8FABFBD6-F874-40E6-AB44-02226BF3178F}" type="datetimeFigureOut">
               <a:rPr lang="en-US" smtClean="0"/>
-              <a:t>4/11/2024</a:t>
+              <a:t>4/12/2024</a:t>
             </a:fld>
             <a:endParaRPr lang="en-US"/>
           </a:p>
@@ -953,7 +1109,7 @@
           <a:p>
             <a:fld id="{8FABFBD6-F874-40E6-AB44-02226BF3178F}" type="datetimeFigureOut">
               <a:rPr lang="en-US" smtClean="0"/>
-              <a:t>4/11/2024</a:t>
+              <a:t>4/12/2024</a:t>
             </a:fld>
             <a:endParaRPr lang="en-US"/>
           </a:p>
@@ -1161,7 +1317,7 @@
           <a:p>
             <a:fld id="{8FABFBD6-F874-40E6-AB44-02226BF3178F}" type="datetimeFigureOut">
               <a:rPr lang="en-US" smtClean="0"/>
-              <a:t>4/11/2024</a:t>
+              <a:t>4/12/2024</a:t>
             </a:fld>
             <a:endParaRPr lang="en-US"/>
           </a:p>
@@ -1359,7 +1515,7 @@
           <a:p>
             <a:fld id="{8FABFBD6-F874-40E6-AB44-02226BF3178F}" type="datetimeFigureOut">
               <a:rPr lang="en-US" smtClean="0"/>
-              <a:t>4/11/2024</a:t>
+              <a:t>4/12/2024</a:t>
             </a:fld>
             <a:endParaRPr lang="en-US"/>
           </a:p>
@@ -1634,7 +1790,7 @@
           <a:p>
             <a:fld id="{8FABFBD6-F874-40E6-AB44-02226BF3178F}" type="datetimeFigureOut">
               <a:rPr lang="en-US" smtClean="0"/>
-              <a:t>4/11/2024</a:t>
+              <a:t>4/12/2024</a:t>
             </a:fld>
             <a:endParaRPr lang="en-US"/>
           </a:p>
@@ -1899,7 +2055,7 @@
           <a:p>
             <a:fld id="{8FABFBD6-F874-40E6-AB44-02226BF3178F}" type="datetimeFigureOut">
               <a:rPr lang="en-US" smtClean="0"/>
-              <a:t>4/11/2024</a:t>
+              <a:t>4/12/2024</a:t>
             </a:fld>
             <a:endParaRPr lang="en-US"/>
           </a:p>
@@ -2311,7 +2467,7 @@
           <a:p>
             <a:fld id="{8FABFBD6-F874-40E6-AB44-02226BF3178F}" type="datetimeFigureOut">
               <a:rPr lang="en-US" smtClean="0"/>
-              <a:t>4/11/2024</a:t>
+              <a:t>4/12/2024</a:t>
             </a:fld>
             <a:endParaRPr lang="en-US"/>
           </a:p>
@@ -2452,7 +2608,7 @@
           <a:p>
             <a:fld id="{8FABFBD6-F874-40E6-AB44-02226BF3178F}" type="datetimeFigureOut">
               <a:rPr lang="en-US" smtClean="0"/>
-              <a:t>4/11/2024</a:t>
+              <a:t>4/12/2024</a:t>
             </a:fld>
             <a:endParaRPr lang="en-US"/>
           </a:p>
@@ -2565,7 +2721,7 @@
           <a:p>
             <a:fld id="{8FABFBD6-F874-40E6-AB44-02226BF3178F}" type="datetimeFigureOut">
               <a:rPr lang="en-US" smtClean="0"/>
-              <a:t>4/11/2024</a:t>
+              <a:t>4/12/2024</a:t>
             </a:fld>
             <a:endParaRPr lang="en-US"/>
           </a:p>
@@ -2876,7 +3032,7 @@
           <a:p>
             <a:fld id="{8FABFBD6-F874-40E6-AB44-02226BF3178F}" type="datetimeFigureOut">
               <a:rPr lang="en-US" smtClean="0"/>
-              <a:t>4/11/2024</a:t>
+              <a:t>4/12/2024</a:t>
             </a:fld>
             <a:endParaRPr lang="en-US"/>
           </a:p>
@@ -3164,7 +3320,7 @@
           <a:p>
             <a:fld id="{8FABFBD6-F874-40E6-AB44-02226BF3178F}" type="datetimeFigureOut">
               <a:rPr lang="en-US" smtClean="0"/>
-              <a:t>4/11/2024</a:t>
+              <a:t>4/12/2024</a:t>
             </a:fld>
             <a:endParaRPr lang="en-US"/>
           </a:p>
@@ -3405,7 +3561,7 @@
           <a:p>
             <a:fld id="{8FABFBD6-F874-40E6-AB44-02226BF3178F}" type="datetimeFigureOut">
               <a:rPr lang="en-US" smtClean="0"/>
-              <a:t>4/11/2024</a:t>
+              <a:t>4/12/2024</a:t>
             </a:fld>
             <a:endParaRPr lang="en-US"/>
           </a:p>
@@ -3966,7 +4122,7 @@
           <p:cNvPr id="2" name="Title 1">
             <a:extLst>
               <a:ext uri="{FF2B5EF4-FFF2-40B4-BE49-F238E27FC236}">
-                <a16:creationId xmlns:a16="http://schemas.microsoft.com/office/drawing/2014/main" id="{DB820913-55A2-6D9E-2512-2573A2A7C79C}"/>
+                <a16:creationId xmlns:a16="http://schemas.microsoft.com/office/drawing/2014/main" id="{B467A863-4E87-5C69-11BB-FB222EF95703}"/>
               </a:ext>
             </a:extLst>
           </p:cNvPr>
@@ -3984,7 +4140,7 @@
           <a:p>
             <a:r>
               <a:rPr lang="en-US" dirty="0"/>
-              <a:t>Atomic APIs</a:t>
+              <a:t>Atomics APIs usage example</a:t>
             </a:r>
           </a:p>
         </p:txBody>
@@ -3994,7 +4150,7 @@
           <p:cNvPr id="3" name="Content Placeholder 2">
             <a:extLst>
               <a:ext uri="{FF2B5EF4-FFF2-40B4-BE49-F238E27FC236}">
-                <a16:creationId xmlns:a16="http://schemas.microsoft.com/office/drawing/2014/main" id="{5DCA2331-8FF6-8AA9-1270-FEFCEF21BAAC}"/>
+                <a16:creationId xmlns:a16="http://schemas.microsoft.com/office/drawing/2014/main" id="{C218F075-FB23-C9A6-D693-749EB4DDB591}"/>
               </a:ext>
             </a:extLst>
           </p:cNvPr>
@@ -4007,410 +4163,207 @@
         </p:nvSpPr>
         <p:spPr/>
         <p:txBody>
-          <a:bodyPr>
-            <a:normAutofit fontScale="55000" lnSpcReduction="20000"/>
-          </a:bodyPr>
+          <a:bodyPr/>
           <a:lstStyle/>
           <a:p>
-            <a:pPr algn="l"/>
-            <a:r>
-              <a:rPr lang="en-US" b="0" i="0" dirty="0">
-                <a:solidFill>
-                  <a:srgbClr val="172B4D"/>
-                </a:solidFill>
-                <a:effectLst/>
-                <a:latin typeface="-apple-system"/>
-              </a:rPr>
-              <a:t>Since we are compiling with hip, you can’t use the “ordinary” names for the memory orders and memory scopes.  We must instead use:</a:t>
-            </a:r>
-            <a:br>
-              <a:rPr lang="en-US" b="0" i="0" dirty="0">
-                <a:solidFill>
-                  <a:srgbClr val="172B4D"/>
-                </a:solidFill>
-                <a:effectLst/>
-                <a:latin typeface="-apple-system"/>
-              </a:rPr>
-            </a:br>
-            <a:endParaRPr lang="en-US" b="0" i="0" dirty="0">
-              <a:solidFill>
-                <a:srgbClr val="172B4D"/>
-              </a:solidFill>
+            <a:pPr marL="228600" marR="0">
+              <a:lnSpc>
+                <a:spcPct val="107000"/>
+              </a:lnSpc>
+              <a:spcBef>
+                <a:spcPts val="0"/>
+              </a:spcBef>
+              <a:spcAft>
+                <a:spcPts val="800"/>
+              </a:spcAft>
+            </a:pPr>
+            <a:r>
+              <a:rPr lang="en-US" sz="1800" b="1" kern="100" dirty="0">
+                <a:effectLst/>
+                <a:latin typeface="Calibri" panose="020F0502020204030204" pitchFamily="34" charset="0"/>
+                <a:ea typeface="Calibri" panose="020F0502020204030204" pitchFamily="34" charset="0"/>
+                <a:cs typeface="Times New Roman" panose="02020603050405020304" pitchFamily="18" charset="0"/>
+              </a:rPr>
+              <a:t>GPU1</a:t>
+            </a:r>
+            <a:r>
+              <a:rPr lang="en-US" sz="1800" kern="100" dirty="0">
+                <a:effectLst/>
+                <a:latin typeface="Calibri" panose="020F0502020204030204" pitchFamily="34" charset="0"/>
+                <a:ea typeface="Calibri" panose="020F0502020204030204" pitchFamily="34" charset="0"/>
+                <a:cs typeface="Times New Roman" panose="02020603050405020304" pitchFamily="18" charset="0"/>
+              </a:rPr>
+              <a:t>				</a:t>
+            </a:r>
+            <a:r>
+              <a:rPr lang="en-US" sz="1800" b="1" kern="100" dirty="0">
+                <a:effectLst/>
+                <a:latin typeface="Calibri" panose="020F0502020204030204" pitchFamily="34" charset="0"/>
+                <a:ea typeface="Calibri" panose="020F0502020204030204" pitchFamily="34" charset="0"/>
+                <a:cs typeface="Times New Roman" panose="02020603050405020304" pitchFamily="18" charset="0"/>
+              </a:rPr>
+              <a:t>GPU2</a:t>
+            </a:r>
+            <a:endParaRPr lang="en-US" sz="1800" kern="100" dirty="0">
               <a:effectLst/>
-              <a:latin typeface="-apple-system"/>
+              <a:latin typeface="Calibri" panose="020F0502020204030204" pitchFamily="34" charset="0"/>
+              <a:ea typeface="Calibri" panose="020F0502020204030204" pitchFamily="34" charset="0"/>
+              <a:cs typeface="Times New Roman" panose="02020603050405020304" pitchFamily="18" charset="0"/>
             </a:endParaRPr>
           </a:p>
           <a:p>
-            <a:pPr algn="l"/>
-            <a:r>
-              <a:rPr lang="en-US" b="0" i="0" dirty="0">
-                <a:solidFill>
-                  <a:srgbClr val="172B4D"/>
-                </a:solidFill>
-                <a:effectLst/>
-                <a:latin typeface="-apple-system"/>
-              </a:rPr>
-              <a:t>  </a:t>
-            </a:r>
-            <a:r>
-              <a:rPr lang="en-US" b="0" i="0" dirty="0" err="1">
-                <a:solidFill>
-                  <a:srgbClr val="172B4D"/>
-                </a:solidFill>
-                <a:effectLst/>
-                <a:latin typeface="-apple-system"/>
-              </a:rPr>
-              <a:t>memory_order_relaxed</a:t>
-            </a:r>
-            <a:r>
-              <a:rPr lang="en-US" b="0" i="0" dirty="0">
-                <a:solidFill>
-                  <a:srgbClr val="172B4D"/>
-                </a:solidFill>
-                <a:effectLst/>
-                <a:latin typeface="-apple-system"/>
-              </a:rPr>
-              <a:t> -&gt; __ATOMIC_RELAXED</a:t>
-            </a:r>
-          </a:p>
-          <a:p>
-            <a:pPr algn="l"/>
-            <a:r>
-              <a:rPr lang="en-US" b="0" i="0" dirty="0">
-                <a:solidFill>
-                  <a:srgbClr val="172B4D"/>
-                </a:solidFill>
-                <a:effectLst/>
-                <a:latin typeface="-apple-system"/>
-              </a:rPr>
-              <a:t>  </a:t>
-            </a:r>
-            <a:r>
-              <a:rPr lang="en-US" b="0" i="0" dirty="0" err="1">
-                <a:solidFill>
-                  <a:srgbClr val="172B4D"/>
-                </a:solidFill>
-                <a:effectLst/>
-                <a:latin typeface="-apple-system"/>
-              </a:rPr>
-              <a:t>memory_order_acquire</a:t>
-            </a:r>
-            <a:r>
-              <a:rPr lang="en-US" b="0" i="0" dirty="0">
-                <a:solidFill>
-                  <a:srgbClr val="172B4D"/>
-                </a:solidFill>
-                <a:effectLst/>
-                <a:latin typeface="-apple-system"/>
-              </a:rPr>
-              <a:t> -&gt; __ATOMIC_ACQUIRE</a:t>
-            </a:r>
-          </a:p>
-          <a:p>
-            <a:pPr algn="l"/>
-            <a:r>
-              <a:rPr lang="en-US" b="0" i="0" dirty="0">
-                <a:solidFill>
-                  <a:srgbClr val="172B4D"/>
-                </a:solidFill>
-                <a:effectLst/>
-                <a:latin typeface="-apple-system"/>
-              </a:rPr>
-              <a:t>  </a:t>
-            </a:r>
-            <a:r>
-              <a:rPr lang="en-US" b="0" i="0" dirty="0" err="1">
-                <a:solidFill>
-                  <a:srgbClr val="172B4D"/>
-                </a:solidFill>
-                <a:effectLst/>
-                <a:latin typeface="-apple-system"/>
-              </a:rPr>
-              <a:t>memory_order_release</a:t>
-            </a:r>
-            <a:r>
-              <a:rPr lang="en-US" b="0" i="0" dirty="0">
-                <a:solidFill>
-                  <a:srgbClr val="172B4D"/>
-                </a:solidFill>
-                <a:effectLst/>
-                <a:latin typeface="-apple-system"/>
-              </a:rPr>
-              <a:t> -&gt; __ATOMIC_RELEASE</a:t>
-            </a:r>
-          </a:p>
-          <a:p>
-            <a:pPr algn="l"/>
-            <a:r>
-              <a:rPr lang="en-US" b="0" i="0" dirty="0">
-                <a:solidFill>
-                  <a:srgbClr val="172B4D"/>
-                </a:solidFill>
-                <a:effectLst/>
-                <a:latin typeface="-apple-system"/>
-              </a:rPr>
-              <a:t>  </a:t>
-            </a:r>
-            <a:r>
-              <a:rPr lang="en-US" b="0" i="0" dirty="0" err="1">
-                <a:solidFill>
-                  <a:srgbClr val="172B4D"/>
-                </a:solidFill>
-                <a:effectLst/>
-                <a:latin typeface="-apple-system"/>
-              </a:rPr>
-              <a:t>memory_order_acq_rel</a:t>
-            </a:r>
-            <a:r>
-              <a:rPr lang="en-US" b="0" i="0" dirty="0">
-                <a:solidFill>
-                  <a:srgbClr val="172B4D"/>
-                </a:solidFill>
-                <a:effectLst/>
-                <a:latin typeface="-apple-system"/>
-              </a:rPr>
-              <a:t> -&gt; __ATOMIC_ACQ_REL</a:t>
-            </a:r>
-          </a:p>
-          <a:p>
-            <a:pPr algn="l"/>
-            <a:r>
-              <a:rPr lang="en-US" b="0" i="0" dirty="0">
-                <a:solidFill>
-                  <a:srgbClr val="172B4D"/>
-                </a:solidFill>
-                <a:effectLst/>
-                <a:latin typeface="-apple-system"/>
-              </a:rPr>
-              <a:t>  </a:t>
-            </a:r>
-            <a:r>
-              <a:rPr lang="en-US" b="0" i="0" dirty="0" err="1">
-                <a:solidFill>
-                  <a:srgbClr val="172B4D"/>
-                </a:solidFill>
-                <a:effectLst/>
-                <a:latin typeface="-apple-system"/>
-              </a:rPr>
-              <a:t>memory_order_seq_cst</a:t>
-            </a:r>
-            <a:r>
-              <a:rPr lang="en-US" b="0" i="0" dirty="0">
-                <a:solidFill>
-                  <a:srgbClr val="172B4D"/>
-                </a:solidFill>
-                <a:effectLst/>
-                <a:latin typeface="-apple-system"/>
-              </a:rPr>
-              <a:t> -&gt; __ATOMIC_SEQ_CST</a:t>
-            </a:r>
-          </a:p>
-          <a:p>
-            <a:pPr marL="0" indent="0" algn="l">
-              <a:buNone/>
+            <a:pPr marL="228600" marR="0">
+              <a:lnSpc>
+                <a:spcPct val="107000"/>
+              </a:lnSpc>
+              <a:spcBef>
+                <a:spcPts val="0"/>
+              </a:spcBef>
+              <a:spcAft>
+                <a:spcPts val="800"/>
+              </a:spcAft>
             </a:pPr>
-            <a:endParaRPr lang="en-US" b="0" i="0" dirty="0">
-              <a:solidFill>
-                <a:srgbClr val="172B4D"/>
-              </a:solidFill>
-              <a:effectLst/>
-              <a:latin typeface="-apple-system"/>
-            </a:endParaRPr>
-          </a:p>
-          <a:p>
-            <a:pPr marL="0" indent="0" algn="l">
-              <a:buNone/>
+            <a:r>
+              <a:rPr lang="en-US" sz="1800" kern="100" dirty="0">
+                <a:effectLst/>
+                <a:latin typeface="Calibri" panose="020F0502020204030204" pitchFamily="34" charset="0"/>
+                <a:ea typeface="Calibri" panose="020F0502020204030204" pitchFamily="34" charset="0"/>
+                <a:cs typeface="Times New Roman" panose="02020603050405020304" pitchFamily="18" charset="0"/>
+              </a:rPr>
+              <a:t>A = 23;				while (</a:t>
+            </a:r>
+            <a:r>
+              <a:rPr lang="en-US" sz="1800" kern="100" dirty="0" err="1">
+                <a:effectLst/>
+                <a:latin typeface="Calibri" panose="020F0502020204030204" pitchFamily="34" charset="0"/>
+                <a:ea typeface="Calibri" panose="020F0502020204030204" pitchFamily="34" charset="0"/>
+                <a:cs typeface="Times New Roman" panose="02020603050405020304" pitchFamily="18" charset="0"/>
+              </a:rPr>
+              <a:t>Atomic_load_</a:t>
+            </a:r>
+            <a:r>
+              <a:rPr lang="en-US" sz="1800" b="1" kern="100" dirty="0" err="1">
+                <a:effectLst/>
+                <a:latin typeface="Calibri" panose="020F0502020204030204" pitchFamily="34" charset="0"/>
+                <a:ea typeface="Calibri" panose="020F0502020204030204" pitchFamily="34" charset="0"/>
+                <a:cs typeface="Times New Roman" panose="02020603050405020304" pitchFamily="18" charset="0"/>
+              </a:rPr>
+              <a:t>acquire</a:t>
+            </a:r>
+            <a:r>
+              <a:rPr lang="en-US" sz="1800" kern="100" dirty="0">
+                <a:effectLst/>
+                <a:latin typeface="Calibri" panose="020F0502020204030204" pitchFamily="34" charset="0"/>
+                <a:ea typeface="Calibri" panose="020F0502020204030204" pitchFamily="34" charset="0"/>
+                <a:cs typeface="Times New Roman" panose="02020603050405020304" pitchFamily="18" charset="0"/>
+              </a:rPr>
+              <a:t> (Flag) != 1)</a:t>
+            </a:r>
+          </a:p>
+          <a:p>
+            <a:pPr marL="228600" marR="0">
+              <a:lnSpc>
+                <a:spcPct val="107000"/>
+              </a:lnSpc>
+              <a:spcBef>
+                <a:spcPts val="0"/>
+              </a:spcBef>
+              <a:spcAft>
+                <a:spcPts val="800"/>
+              </a:spcAft>
             </a:pPr>
             <a:r>
-              <a:rPr lang="en-US" b="0" i="0" dirty="0">
-                <a:solidFill>
-                  <a:srgbClr val="172B4D"/>
-                </a:solidFill>
-                <a:effectLst/>
-                <a:latin typeface="-apple-system"/>
-              </a:rPr>
-              <a:t>and similarly</a:t>
-            </a:r>
-            <a:br>
-              <a:rPr lang="en-US" b="0" i="0" dirty="0">
-                <a:solidFill>
-                  <a:srgbClr val="172B4D"/>
-                </a:solidFill>
-                <a:effectLst/>
-                <a:latin typeface="-apple-system"/>
-              </a:rPr>
-            </a:br>
-            <a:endParaRPr lang="en-US" b="0" i="0" dirty="0">
-              <a:solidFill>
-                <a:srgbClr val="172B4D"/>
-              </a:solidFill>
-              <a:effectLst/>
-              <a:latin typeface="-apple-system"/>
-            </a:endParaRPr>
-          </a:p>
-          <a:p>
-            <a:pPr algn="l"/>
-            <a:r>
-              <a:rPr lang="en-US" b="0" i="0" dirty="0">
-                <a:solidFill>
-                  <a:srgbClr val="172B4D"/>
-                </a:solidFill>
-                <a:effectLst/>
-                <a:latin typeface="-apple-system"/>
-              </a:rPr>
-              <a:t>  </a:t>
-            </a:r>
-            <a:r>
-              <a:rPr lang="en-US" b="0" i="0" dirty="0" err="1">
-                <a:solidFill>
-                  <a:srgbClr val="172B4D"/>
-                </a:solidFill>
-                <a:effectLst/>
-                <a:latin typeface="-apple-system"/>
-              </a:rPr>
-              <a:t>memory_scope_work_item</a:t>
-            </a:r>
-            <a:r>
-              <a:rPr lang="en-US" b="0" i="0" dirty="0">
-                <a:solidFill>
-                  <a:srgbClr val="172B4D"/>
-                </a:solidFill>
-                <a:effectLst/>
-                <a:latin typeface="-apple-system"/>
-              </a:rPr>
-              <a:t> -&gt; __OPENCL_MEMORY_SCOPE_WORK_ITEM</a:t>
-            </a:r>
-          </a:p>
-          <a:p>
-            <a:pPr algn="l"/>
-            <a:r>
-              <a:rPr lang="en-US" b="0" i="0" dirty="0">
-                <a:solidFill>
-                  <a:srgbClr val="172B4D"/>
-                </a:solidFill>
-                <a:effectLst/>
-                <a:latin typeface="-apple-system"/>
-              </a:rPr>
-              <a:t>  </a:t>
-            </a:r>
-            <a:r>
-              <a:rPr lang="en-US" b="0" i="0" dirty="0" err="1">
-                <a:solidFill>
-                  <a:srgbClr val="172B4D"/>
-                </a:solidFill>
-                <a:effectLst/>
-                <a:latin typeface="-apple-system"/>
-              </a:rPr>
-              <a:t>memory_scope_work_group</a:t>
-            </a:r>
-            <a:r>
-              <a:rPr lang="en-US" b="0" i="0" dirty="0">
-                <a:solidFill>
-                  <a:srgbClr val="172B4D"/>
-                </a:solidFill>
-                <a:effectLst/>
-                <a:latin typeface="-apple-system"/>
-              </a:rPr>
-              <a:t> -&gt; __OPENCL_MEMORY_SCOPE_WORK_GROUP</a:t>
-            </a:r>
-          </a:p>
-          <a:p>
-            <a:pPr algn="l"/>
-            <a:r>
-              <a:rPr lang="en-US" b="0" i="0" dirty="0">
-                <a:solidFill>
-                  <a:srgbClr val="172B4D"/>
-                </a:solidFill>
-                <a:effectLst/>
-                <a:latin typeface="-apple-system"/>
-              </a:rPr>
-              <a:t>  </a:t>
-            </a:r>
-            <a:r>
-              <a:rPr lang="en-US" b="0" i="0" dirty="0" err="1">
-                <a:solidFill>
-                  <a:srgbClr val="172B4D"/>
-                </a:solidFill>
-                <a:effectLst/>
-                <a:latin typeface="-apple-system"/>
-              </a:rPr>
-              <a:t>memory_scope_device</a:t>
-            </a:r>
-            <a:r>
-              <a:rPr lang="en-US" b="0" i="0" dirty="0">
-                <a:solidFill>
-                  <a:srgbClr val="172B4D"/>
-                </a:solidFill>
-                <a:effectLst/>
-                <a:latin typeface="-apple-system"/>
-              </a:rPr>
-              <a:t> -&gt; __OPENCL_MEMORY_SCOPE_DEVICE</a:t>
-            </a:r>
-          </a:p>
-          <a:p>
-            <a:pPr algn="l"/>
-            <a:r>
-              <a:rPr lang="en-US" b="0" i="0" dirty="0">
-                <a:solidFill>
-                  <a:srgbClr val="172B4D"/>
-                </a:solidFill>
-                <a:effectLst/>
-                <a:latin typeface="-apple-system"/>
-              </a:rPr>
-              <a:t>  </a:t>
-            </a:r>
-            <a:r>
-              <a:rPr lang="en-US" b="0" i="0" dirty="0" err="1">
-                <a:solidFill>
-                  <a:srgbClr val="172B4D"/>
-                </a:solidFill>
-                <a:effectLst/>
-                <a:latin typeface="-apple-system"/>
-              </a:rPr>
-              <a:t>memory_scope_all_svm_devices</a:t>
-            </a:r>
-            <a:r>
-              <a:rPr lang="en-US" b="0" i="0" dirty="0">
-                <a:solidFill>
-                  <a:srgbClr val="172B4D"/>
-                </a:solidFill>
-                <a:effectLst/>
-                <a:latin typeface="-apple-system"/>
-              </a:rPr>
-              <a:t> -&gt; __OPENCL_MEMORY_SCOPE_ALL_SVM_DEVICES</a:t>
-            </a:r>
-          </a:p>
-          <a:p>
-            <a:pPr algn="l"/>
-            <a:r>
-              <a:rPr lang="en-US" b="0" i="0" dirty="0">
-                <a:solidFill>
-                  <a:srgbClr val="172B4D"/>
-                </a:solidFill>
-                <a:effectLst/>
-                <a:latin typeface="-apple-system"/>
-              </a:rPr>
-              <a:t>  </a:t>
-            </a:r>
-            <a:r>
-              <a:rPr lang="en-US" b="0" i="0" dirty="0" err="1">
-                <a:solidFill>
-                  <a:srgbClr val="172B4D"/>
-                </a:solidFill>
-                <a:effectLst/>
-                <a:latin typeface="-apple-system"/>
-              </a:rPr>
-              <a:t>memory_scope_sub_group</a:t>
-            </a:r>
-            <a:r>
-              <a:rPr lang="en-US" b="0" i="0" dirty="0">
-                <a:solidFill>
-                  <a:srgbClr val="172B4D"/>
-                </a:solidFill>
-                <a:effectLst/>
-                <a:latin typeface="-apple-system"/>
-              </a:rPr>
-              <a:t> -&gt; __OPENCL_MEMORY_SCOPE_SUB_GROUP</a:t>
+              <a:rPr lang="en-US" sz="1800" kern="100" dirty="0">
+                <a:effectLst/>
+                <a:latin typeface="Calibri" panose="020F0502020204030204" pitchFamily="34" charset="0"/>
+                <a:ea typeface="Calibri" panose="020F0502020204030204" pitchFamily="34" charset="0"/>
+                <a:cs typeface="Times New Roman" panose="02020603050405020304" pitchFamily="18" charset="0"/>
+              </a:rPr>
+              <a:t>B = 37;				… = B;</a:t>
+            </a:r>
+          </a:p>
+          <a:p>
+            <a:pPr marL="228600" marR="0">
+              <a:lnSpc>
+                <a:spcPct val="107000"/>
+              </a:lnSpc>
+              <a:spcBef>
+                <a:spcPts val="0"/>
+              </a:spcBef>
+              <a:spcAft>
+                <a:spcPts val="800"/>
+              </a:spcAft>
+            </a:pPr>
+            <a:r>
+              <a:rPr lang="en-US" sz="1800" kern="100" dirty="0" err="1">
+                <a:effectLst/>
+                <a:latin typeface="Calibri" panose="020F0502020204030204" pitchFamily="34" charset="0"/>
+                <a:ea typeface="Calibri" panose="020F0502020204030204" pitchFamily="34" charset="0"/>
+                <a:cs typeface="Times New Roman" panose="02020603050405020304" pitchFamily="18" charset="0"/>
+              </a:rPr>
+              <a:t>Atomic_store_</a:t>
+            </a:r>
+            <a:r>
+              <a:rPr lang="en-US" sz="1800" b="1" kern="100" dirty="0" err="1">
+                <a:effectLst/>
+                <a:latin typeface="Calibri" panose="020F0502020204030204" pitchFamily="34" charset="0"/>
+                <a:ea typeface="Calibri" panose="020F0502020204030204" pitchFamily="34" charset="0"/>
+                <a:cs typeface="Times New Roman" panose="02020603050405020304" pitchFamily="18" charset="0"/>
+              </a:rPr>
+              <a:t>release</a:t>
+            </a:r>
+            <a:r>
+              <a:rPr lang="en-US" sz="1800" kern="100" dirty="0">
+                <a:effectLst/>
+                <a:latin typeface="Calibri" panose="020F0502020204030204" pitchFamily="34" charset="0"/>
+                <a:ea typeface="Calibri" panose="020F0502020204030204" pitchFamily="34" charset="0"/>
+                <a:cs typeface="Times New Roman" panose="02020603050405020304" pitchFamily="18" charset="0"/>
+              </a:rPr>
+              <a:t> (Flag) = 1;	… = A;</a:t>
+            </a:r>
+          </a:p>
+          <a:p>
+            <a:pPr marL="0" marR="0">
+              <a:lnSpc>
+                <a:spcPct val="107000"/>
+              </a:lnSpc>
+              <a:spcBef>
+                <a:spcPts val="0"/>
+              </a:spcBef>
+              <a:spcAft>
+                <a:spcPts val="800"/>
+              </a:spcAft>
+            </a:pPr>
+            <a:r>
+              <a:rPr lang="en-US" sz="1800" kern="100" dirty="0">
+                <a:effectLst/>
+                <a:latin typeface="Calibri" panose="020F0502020204030204" pitchFamily="34" charset="0"/>
+                <a:ea typeface="Calibri" panose="020F0502020204030204" pitchFamily="34" charset="0"/>
+                <a:cs typeface="Times New Roman" panose="02020603050405020304" pitchFamily="18" charset="0"/>
+              </a:rPr>
+              <a:t>The “release” process in the example above is what must be done at completion of work-load execution to guarantee visibility of what was produced, to other consuming GPU/CPUs.</a:t>
+            </a:r>
+          </a:p>
+          <a:p>
+            <a:pPr marL="0" marR="0">
+              <a:lnSpc>
+                <a:spcPct val="107000"/>
+              </a:lnSpc>
+              <a:spcBef>
+                <a:spcPts val="0"/>
+              </a:spcBef>
+              <a:spcAft>
+                <a:spcPts val="800"/>
+              </a:spcAft>
+            </a:pPr>
+            <a:r>
+              <a:rPr lang="en-US" sz="1800" kern="100" dirty="0">
+                <a:effectLst/>
+                <a:latin typeface="Calibri" panose="020F0502020204030204" pitchFamily="34" charset="0"/>
+                <a:ea typeface="Calibri" panose="020F0502020204030204" pitchFamily="34" charset="0"/>
+                <a:cs typeface="Times New Roman" panose="02020603050405020304" pitchFamily="18" charset="0"/>
+              </a:rPr>
+              <a:t>The “acquire” process in the example above is what must be done prior to work-load start to ensure the work-load reads are getting correct data.</a:t>
             </a:r>
           </a:p>
           <a:p>
@@ -4421,7 +4374,7 @@
     </p:spTree>
     <p:extLst>
       <p:ext uri="{BB962C8B-B14F-4D97-AF65-F5344CB8AC3E}">
-        <p14:creationId xmlns:p14="http://schemas.microsoft.com/office/powerpoint/2010/main" val="2931524514"/>
+        <p14:creationId xmlns:p14="http://schemas.microsoft.com/office/powerpoint/2010/main" val="495099538"/>
       </p:ext>
     </p:extLst>
   </p:cSld>
@@ -4720,11 +4673,11 @@
           <a:p>
             <a:r>
               <a:rPr lang="en-US" dirty="0"/>
-              <a:t>If users attempt to do fine-grained (within-kernel) synchronization without properly using software-level synchronization, then their application may not work as desired. For instance, in the C++ memory model, programs that do not </a:t>
+              <a:t>If users attempt to do fine-grained (within-kernel) synchronization without properly using software-level synchronization, then their application may not work as desired. For instance, in the C++ memory model, </a:t>
             </a:r>
             <a:r>
               <a:rPr lang="en-US" b="1" dirty="0"/>
-              <a:t>properly use acquire and release atomics can have data races</a:t>
+              <a:t>programs that do not properly use acquire and release atomics can have data races</a:t>
             </a:r>
             <a:r>
               <a:rPr lang="en-US" dirty="0"/>
@@ -4822,7 +4775,9 @@
           </a:xfrm>
         </p:spPr>
         <p:txBody>
-          <a:bodyPr/>
+          <a:bodyPr>
+            <a:normAutofit fontScale="92500" lnSpcReduction="20000"/>
+          </a:bodyPr>
           <a:lstStyle/>
           <a:p>
             <a:r>
@@ -4935,6 +4890,70 @@
               <a:rPr lang="en-US" b="1" dirty="0" err="1"/>
               <a:t>hipDeviceMallocFinegrained</a:t>
             </a:r>
+            <a:r>
+              <a:rPr lang="en-US" b="1" dirty="0"/>
+              <a:t> </a:t>
+            </a:r>
+            <a:r>
+              <a:rPr lang="en-US" dirty="0"/>
+              <a:t>for </a:t>
+            </a:r>
+            <a:r>
+              <a:rPr lang="en-US" dirty="0" err="1"/>
+              <a:t>atomicAdd</a:t>
+            </a:r>
+            <a:endParaRPr lang="en-US" dirty="0"/>
+          </a:p>
+          <a:p>
+            <a:pPr marL="0" indent="0">
+              <a:buNone/>
+            </a:pPr>
+            <a:endParaRPr lang="en-US" dirty="0"/>
+          </a:p>
+          <a:p>
+            <a:pPr marL="0" indent="0">
+              <a:buNone/>
+            </a:pPr>
+            <a:r>
+              <a:rPr lang="en-US" dirty="0"/>
+              <a:t>Code: </a:t>
+            </a:r>
+            <a:r>
+              <a:rPr lang="en-US" dirty="0" err="1">
+                <a:hlinkClick r:id="rId2"/>
+              </a:rPr>
+              <a:t>saurabhAMD</a:t>
+            </a:r>
+            <a:r>
+              <a:rPr lang="en-US" dirty="0">
+                <a:hlinkClick r:id="rId2"/>
+              </a:rPr>
+              <a:t>/</a:t>
+            </a:r>
+            <a:r>
+              <a:rPr lang="en-US" dirty="0" err="1">
+                <a:hlinkClick r:id="rId2"/>
+              </a:rPr>
+              <a:t>Cache_coherency</a:t>
+            </a:r>
+            <a:r>
+              <a:rPr lang="en-US" dirty="0">
+                <a:hlinkClick r:id="rId2"/>
+              </a:rPr>
+              <a:t>: Fine grained vs course grained memory (github.com)</a:t>
+            </a:r>
+            <a:endParaRPr lang="en-US" dirty="0"/>
+          </a:p>
+          <a:p>
+            <a:pPr marL="0" indent="0">
+              <a:buNone/>
+            </a:pPr>
+            <a:endParaRPr lang="en-US" dirty="0"/>
+          </a:p>
+          <a:p>
+            <a:pPr marL="0" indent="0">
+              <a:buNone/>
+            </a:pPr>
             <a:endParaRPr lang="en-US" dirty="0"/>
           </a:p>
         </p:txBody>
@@ -5407,6 +5426,9 @@
             </a:r>
           </a:p>
           <a:p>
+            <a:pPr marL="0" indent="0">
+              <a:buNone/>
+            </a:pPr>
             <a:endParaRPr lang="en-US" dirty="0"/>
           </a:p>
           <a:p>
@@ -5479,7 +5501,7 @@
           <p:cNvPr id="2" name="Title 1">
             <a:extLst>
               <a:ext uri="{FF2B5EF4-FFF2-40B4-BE49-F238E27FC236}">
-                <a16:creationId xmlns:a16="http://schemas.microsoft.com/office/drawing/2014/main" id="{90FA9BCD-CD5E-ACCC-B91C-41558CB284AC}"/>
+                <a16:creationId xmlns:a16="http://schemas.microsoft.com/office/drawing/2014/main" id="{D09D144C-53F6-5E83-3912-7F2CD08B7273}"/>
               </a:ext>
             </a:extLst>
           </p:cNvPr>
@@ -5497,7 +5519,7 @@
           <a:p>
             <a:r>
               <a:rPr lang="en-US" dirty="0"/>
-              <a:t>GPU specific cache architecture</a:t>
+              <a:t>HDP</a:t>
             </a:r>
           </a:p>
         </p:txBody>
@@ -5507,7 +5529,7 @@
           <p:cNvPr id="3" name="Content Placeholder 2">
             <a:extLst>
               <a:ext uri="{FF2B5EF4-FFF2-40B4-BE49-F238E27FC236}">
-                <a16:creationId xmlns:a16="http://schemas.microsoft.com/office/drawing/2014/main" id="{4DB9B2FD-3180-3E96-1653-F21F075A698D}"/>
+                <a16:creationId xmlns:a16="http://schemas.microsoft.com/office/drawing/2014/main" id="{395EDF85-4E3B-A2D1-BFE8-366EE60188C7}"/>
               </a:ext>
             </a:extLst>
           </p:cNvPr>
@@ -5521,76 +5543,65 @@
         <p:spPr/>
         <p:txBody>
           <a:bodyPr>
-            <a:normAutofit fontScale="85000" lnSpcReduction="10000"/>
+            <a:normAutofit fontScale="92500" lnSpcReduction="10000"/>
           </a:bodyPr>
           <a:lstStyle/>
           <a:p>
             <a:r>
               <a:rPr lang="en-US" dirty="0"/>
-              <a:t>Streaming caches</a:t>
-            </a:r>
-          </a:p>
-          <a:p>
-            <a:pPr lvl="1"/>
-            <a:r>
-              <a:rPr lang="en-US" dirty="0"/>
-              <a:t>TCP - Texture Cache per processor (L1) -&gt; Replicated with each CU to ensure full scalability of the shader system</a:t>
-            </a:r>
-          </a:p>
-          <a:p>
-            <a:pPr lvl="1"/>
-            <a:r>
-              <a:rPr lang="en-US" dirty="0"/>
-              <a:t>SQC/SL1 - Sequencer instruction/data cache(s)-&gt; Shared by all the CUs in a shader array</a:t>
-            </a:r>
-          </a:p>
-          <a:p>
-            <a:pPr lvl="1"/>
-            <a:r>
-              <a:rPr lang="en-US" dirty="0"/>
-              <a:t>Sequencer Cache (SQ1) -&gt; Shared by all the CUs in a shader array</a:t>
-            </a:r>
-          </a:p>
-          <a:p>
-            <a:pPr lvl="1"/>
-            <a:r>
-              <a:rPr lang="en-US" dirty="0"/>
-              <a:t>TCC - Texture Cache per Channel (L2) -&gt; Cache on the memory side; attached to the controllers on each channel. The TCCs see all the TCPs in the CUs; operations in TCC are atomic</a:t>
-            </a:r>
-          </a:p>
-          <a:p>
-            <a:r>
-              <a:rPr lang="en-US" dirty="0"/>
-              <a:t>CP: Command Processor</a:t>
-            </a:r>
-          </a:p>
-          <a:p>
-            <a:r>
-              <a:rPr lang="en-US" dirty="0"/>
-              <a:t>Compute Unit (CU) run multiple warps.</a:t>
-            </a:r>
-          </a:p>
-          <a:p>
-            <a:r>
-              <a:rPr lang="en-US" dirty="0"/>
-              <a:t>Local Data Share (LDS): Very close to the registers (user managed cache)</a:t>
-            </a:r>
-          </a:p>
-          <a:p>
-            <a:r>
-              <a:rPr lang="en-US" dirty="0"/>
-              <a:t>Global Data Share (GDS): Similar to the shared memory (LDS) in functionality but way smaller.</a:t>
-            </a:r>
-          </a:p>
-          <a:p>
-            <a:endParaRPr lang="en-US" dirty="0"/>
+              <a:t>"Host Data Path" is a widget that sits in our GPUs between the PCIe(not </a:t>
+            </a:r>
+            <a:r>
+              <a:rPr lang="en-US" dirty="0" err="1"/>
+              <a:t>xGMI</a:t>
+            </a:r>
+            <a:r>
+              <a:rPr lang="en-US" dirty="0"/>
+              <a:t>) connection and the DRAM. </a:t>
+            </a:r>
+          </a:p>
+          <a:p>
+            <a:r>
+              <a:rPr lang="en-US" dirty="0"/>
+              <a:t>An important thing about HDP, as far as our memory models are concerned, is that it will temporarily buffer reads coming from PCIe-connected peer GPUs, and it will temporarily write-combine writes coming from PCIe-connected peer GPUs.</a:t>
+            </a:r>
+          </a:p>
+          <a:p>
+            <a:r>
+              <a:rPr lang="en-US" dirty="0"/>
+              <a:t>This is harmful to our memory models, because (</a:t>
+            </a:r>
+            <a:r>
+              <a:rPr lang="en-US" b="1" dirty="0"/>
+              <a:t>until MI200) this can't be turned off</a:t>
+            </a:r>
+            <a:r>
+              <a:rPr lang="en-US" dirty="0"/>
+              <a:t>. As such, when </a:t>
+            </a:r>
+            <a:r>
+              <a:rPr lang="en-US" dirty="0" err="1"/>
+              <a:t>GPU_a</a:t>
+            </a:r>
+            <a:r>
+              <a:rPr lang="en-US" dirty="0"/>
+              <a:t> writes or reads directly to </a:t>
+            </a:r>
+            <a:r>
+              <a:rPr lang="en-US" dirty="0" err="1"/>
+              <a:t>GPU_b</a:t>
+            </a:r>
+            <a:r>
+              <a:rPr lang="en-US" dirty="0"/>
+              <a:t>, it does not necessarily know writes will actually go to DRAM, and whether reads are seeing updated data from DRAM or previously buffered data sitting in the HDP. In addition, HDP can cause reads and writes to be silently re-ordered.</a:t>
+            </a:r>
           </a:p>
         </p:txBody>
       </p:sp>
     </p:spTree>
     <p:extLst>
       <p:ext uri="{BB962C8B-B14F-4D97-AF65-F5344CB8AC3E}">
-        <p14:creationId xmlns:p14="http://schemas.microsoft.com/office/powerpoint/2010/main" val="593118695"/>
+        <p14:creationId xmlns:p14="http://schemas.microsoft.com/office/powerpoint/2010/main" val="3198879697"/>
       </p:ext>
     </p:extLst>
   </p:cSld>
@@ -5622,7 +5633,7 @@
           <p:cNvPr id="2" name="Title 1">
             <a:extLst>
               <a:ext uri="{FF2B5EF4-FFF2-40B4-BE49-F238E27FC236}">
-                <a16:creationId xmlns:a16="http://schemas.microsoft.com/office/drawing/2014/main" id="{DA6BF895-5EDE-9E10-B105-657E8960FC15}"/>
+                <a16:creationId xmlns:a16="http://schemas.microsoft.com/office/drawing/2014/main" id="{90FA9BCD-CD5E-ACCC-B91C-41558CB284AC}"/>
               </a:ext>
             </a:extLst>
           </p:cNvPr>
@@ -5639,8 +5650,8 @@
           <a:lstStyle/>
           <a:p>
             <a:r>
-              <a:rPr lang="en-US" b="1" dirty="0"/>
-              <a:t>Directory Based MESI cache coherence</a:t>
+              <a:rPr lang="en-US" dirty="0"/>
+              <a:t>GPU specific cache architecture</a:t>
             </a:r>
           </a:p>
         </p:txBody>
@@ -5650,7 +5661,7 @@
           <p:cNvPr id="3" name="Content Placeholder 2">
             <a:extLst>
               <a:ext uri="{FF2B5EF4-FFF2-40B4-BE49-F238E27FC236}">
-                <a16:creationId xmlns:a16="http://schemas.microsoft.com/office/drawing/2014/main" id="{DA8CFF72-DFBE-07DF-B4C0-E0228B74F3B9}"/>
+                <a16:creationId xmlns:a16="http://schemas.microsoft.com/office/drawing/2014/main" id="{4DB9B2FD-3180-3E96-1653-F21F075A698D}"/>
               </a:ext>
             </a:extLst>
           </p:cNvPr>
@@ -5664,39 +5675,65 @@
         <p:spPr/>
         <p:txBody>
           <a:bodyPr>
-            <a:normAutofit fontScale="92500" lnSpcReduction="20000"/>
+            <a:normAutofit fontScale="85000" lnSpcReduction="10000"/>
           </a:bodyPr>
           <a:lstStyle/>
           <a:p>
             <a:r>
               <a:rPr lang="en-US" dirty="0"/>
-              <a:t>To reduce coherence traffic over XGMI, GPU will add probe filter (PF) as part of the CS to keep track of frame buffer memory cache lines consumed accessed by the CPU</a:t>
-            </a:r>
-          </a:p>
-          <a:p>
-            <a:r>
-              <a:rPr lang="en-US" dirty="0"/>
-              <a:t>Without a probe filter, the CS has no knowledge of where a cache line might be held and must send a multicast probe to all the CPUs in the system.  GPU memory bandwidth will be limited to available link bandwidth and hence a directory is crucial to stall GPU only in cases when the data is held in the CPU cache</a:t>
-            </a:r>
-          </a:p>
-          <a:p>
-            <a:r>
-              <a:rPr lang="en-US" dirty="0"/>
-              <a:t>On a GPU read hit (</a:t>
-            </a:r>
-            <a:r>
-              <a:rPr lang="en-US" dirty="0" err="1"/>
-              <a:t>RdBlkS</a:t>
-            </a:r>
-            <a:r>
-              <a:rPr lang="en-US" dirty="0"/>
-              <a:t>), cache line in M/E/S will transition to S state. </a:t>
-            </a:r>
-          </a:p>
-          <a:p>
-            <a:r>
-              <a:rPr lang="en-US" dirty="0"/>
-              <a:t>On a GPU write hit, a cache line in any of the M/E/S states will be invalidated. If the CPU state is invalidated, the state of the system at the end of the transaction is that nobody has the line. PF simply doesn’t track GPU ownership.</a:t>
+              <a:t>Streaming caches</a:t>
+            </a:r>
+          </a:p>
+          <a:p>
+            <a:pPr lvl="1"/>
+            <a:r>
+              <a:rPr lang="en-US" dirty="0"/>
+              <a:t>TCP - Texture Cache per processor (L1) -&gt; Replicated with each CU to ensure full scalability of the shader system</a:t>
+            </a:r>
+          </a:p>
+          <a:p>
+            <a:pPr lvl="1"/>
+            <a:r>
+              <a:rPr lang="en-US" dirty="0"/>
+              <a:t>SQC/SL1 - Sequencer instruction/data cache(s)-&gt; Shared by all the CUs in a shader array</a:t>
+            </a:r>
+          </a:p>
+          <a:p>
+            <a:pPr lvl="1"/>
+            <a:r>
+              <a:rPr lang="en-US" dirty="0"/>
+              <a:t>Sequencer Cache (SQ1) -&gt; Shared by all the CUs in a shader array</a:t>
+            </a:r>
+          </a:p>
+          <a:p>
+            <a:pPr lvl="1"/>
+            <a:r>
+              <a:rPr lang="en-US" dirty="0"/>
+              <a:t>TCC - Texture Cache per Channel (L2) -&gt; Cache on the memory side; attached to the controllers on each channel. The TCCs see all the TCPs in the CUs; operations in TCC are atomic</a:t>
+            </a:r>
+          </a:p>
+          <a:p>
+            <a:r>
+              <a:rPr lang="en-US" dirty="0"/>
+              <a:t>CP: Command Processor</a:t>
+            </a:r>
+          </a:p>
+          <a:p>
+            <a:r>
+              <a:rPr lang="en-US" dirty="0"/>
+              <a:t>Compute Unit (CU) run multiple warps.</a:t>
+            </a:r>
+          </a:p>
+          <a:p>
+            <a:r>
+              <a:rPr lang="en-US" dirty="0"/>
+              <a:t>Local Data Share (LDS): Very close to the registers (user managed cache)</a:t>
+            </a:r>
+          </a:p>
+          <a:p>
+            <a:r>
+              <a:rPr lang="en-US" dirty="0"/>
+              <a:t>Global Data Share (GDS): Similar to the shared memory (LDS) in functionality but way smaller.</a:t>
             </a:r>
           </a:p>
           <a:p>
@@ -5707,7 +5744,7 @@
     </p:spTree>
     <p:extLst>
       <p:ext uri="{BB962C8B-B14F-4D97-AF65-F5344CB8AC3E}">
-        <p14:creationId xmlns:p14="http://schemas.microsoft.com/office/powerpoint/2010/main" val="2454318046"/>
+        <p14:creationId xmlns:p14="http://schemas.microsoft.com/office/powerpoint/2010/main" val="593118695"/>
       </p:ext>
     </p:extLst>
   </p:cSld>
@@ -5787,13 +5824,53 @@
           <a:p>
             <a:r>
               <a:rPr lang="en-US" dirty="0"/>
-              <a:t>In classic kernel-boundary (coarse-grained) guarantees for system scope, the CP runs WBINVL on this local cache a system-scope acquire and does write-back on release. NC is what we've traditionally run in our GPUs.</a:t>
-            </a:r>
-          </a:p>
-          <a:p>
-            <a:r>
-              <a:rPr lang="en-US" dirty="0"/>
-              <a:t>In fine-grained models for system scope, the shader kernel must do WB (on release) or INVL (on acquire) on its local cache.</a:t>
+              <a:t>In classic kernel-boundary (coarse-grained) guarantees for system scope, the </a:t>
+            </a:r>
+            <a:r>
+              <a:rPr lang="en-US" b="1" dirty="0"/>
+              <a:t>CP runs WBINVL on this local cache a system-scope acquire </a:t>
+            </a:r>
+            <a:r>
+              <a:rPr lang="en-US" dirty="0"/>
+              <a:t>and does </a:t>
+            </a:r>
+            <a:r>
+              <a:rPr lang="en-US" b="1" dirty="0"/>
+              <a:t>write-back on release</a:t>
+            </a:r>
+            <a:r>
+              <a:rPr lang="en-US" dirty="0"/>
+              <a:t>. </a:t>
+            </a:r>
+            <a:r>
+              <a:rPr lang="en-US" b="1" dirty="0"/>
+              <a:t>NC is what we've traditionally run in our GPUs</a:t>
+            </a:r>
+            <a:r>
+              <a:rPr lang="en-US" dirty="0"/>
+              <a:t>.</a:t>
+            </a:r>
+          </a:p>
+          <a:p>
+            <a:r>
+              <a:rPr lang="en-US" dirty="0"/>
+              <a:t>In </a:t>
+            </a:r>
+            <a:r>
+              <a:rPr lang="en-US" b="1" dirty="0"/>
+              <a:t>fine-grained models</a:t>
+            </a:r>
+            <a:r>
+              <a:rPr lang="en-US" dirty="0"/>
+              <a:t> for system scope, the shader kernel must do </a:t>
+            </a:r>
+            <a:r>
+              <a:rPr lang="en-US" b="1" dirty="0"/>
+              <a:t>WB (on release) or INVL (on acquire) on its local cache</a:t>
+            </a:r>
+            <a:r>
+              <a:rPr lang="en-US" dirty="0"/>
+              <a:t>.</a:t>
             </a:r>
           </a:p>
           <a:p>
@@ -5856,7 +5933,7 @@
           <p:cNvPr id="2" name="Title 1">
             <a:extLst>
               <a:ext uri="{FF2B5EF4-FFF2-40B4-BE49-F238E27FC236}">
-                <a16:creationId xmlns:a16="http://schemas.microsoft.com/office/drawing/2014/main" id="{D09D144C-53F6-5E83-3912-7F2CD08B7273}"/>
+                <a16:creationId xmlns:a16="http://schemas.microsoft.com/office/drawing/2014/main" id="{DA6BF895-5EDE-9E10-B105-657E8960FC15}"/>
               </a:ext>
             </a:extLst>
           </p:cNvPr>
@@ -5873,8 +5950,8 @@
           <a:lstStyle/>
           <a:p>
             <a:r>
-              <a:rPr lang="en-US" dirty="0"/>
-              <a:t>HDP</a:t>
+              <a:rPr lang="en-US" b="1" dirty="0"/>
+              <a:t>Directory Based MESI cache coherence</a:t>
             </a:r>
           </a:p>
         </p:txBody>
@@ -5884,7 +5961,7 @@
           <p:cNvPr id="3" name="Content Placeholder 2">
             <a:extLst>
               <a:ext uri="{FF2B5EF4-FFF2-40B4-BE49-F238E27FC236}">
-                <a16:creationId xmlns:a16="http://schemas.microsoft.com/office/drawing/2014/main" id="{395EDF85-4E3B-A2D1-BFE8-366EE60188C7}"/>
+                <a16:creationId xmlns:a16="http://schemas.microsoft.com/office/drawing/2014/main" id="{DA8CFF72-DFBE-07DF-B4C0-E0228B74F3B9}"/>
               </a:ext>
             </a:extLst>
           </p:cNvPr>
@@ -5898,57 +5975,58 @@
         <p:spPr/>
         <p:txBody>
           <a:bodyPr>
-            <a:normAutofit fontScale="92500" lnSpcReduction="10000"/>
+            <a:normAutofit fontScale="92500" lnSpcReduction="20000"/>
           </a:bodyPr>
           <a:lstStyle/>
           <a:p>
             <a:r>
               <a:rPr lang="en-US" dirty="0"/>
-              <a:t>"Host Data Path" is a widget that sits in our GPUs between the PCIe(not </a:t>
+              <a:t>To reduce coherence traffic over XGMI, GPU will add </a:t>
+            </a:r>
+            <a:r>
+              <a:rPr lang="en-US" b="1" dirty="0"/>
+              <a:t>probe filter (PF) </a:t>
+            </a:r>
+            <a:r>
+              <a:rPr lang="en-US" dirty="0"/>
+              <a:t>as part of the CS to keep track of frame buffer memory cache lines consumed accessed by the CPU</a:t>
+            </a:r>
+          </a:p>
+          <a:p>
+            <a:r>
+              <a:rPr lang="en-US" dirty="0"/>
+              <a:t>Without a probe filter, the CS has no knowledge of where a cache line might be held and must send a multicast probe to all the CPUs in the system.  GPU memory bandwidth will be limited to available link bandwidth and hence a directory is crucial to stall GPU only in cases when the data is held in the CPU cache</a:t>
+            </a:r>
+          </a:p>
+          <a:p>
+            <a:r>
+              <a:rPr lang="en-US" dirty="0"/>
+              <a:t>On a GPU read hit (</a:t>
             </a:r>
             <a:r>
               <a:rPr lang="en-US" dirty="0" err="1"/>
-              <a:t>xGMI</a:t>
-            </a:r>
-            <a:r>
-              <a:rPr lang="en-US" dirty="0"/>
-              <a:t>) connection and the DRAM. </a:t>
-            </a:r>
-          </a:p>
-          <a:p>
-            <a:r>
-              <a:rPr lang="en-US" dirty="0"/>
-              <a:t>An important thing about HDP, as far as our memory models are concerned, is that it will temporarily buffer reads coming from PCIe-connected peer GPUs, and it will temporarily write-combine writes coming from PCIe-connected peer GPUs.</a:t>
-            </a:r>
-          </a:p>
-          <a:p>
-            <a:r>
-              <a:rPr lang="en-US" dirty="0"/>
-              <a:t>This is harmful to our memory models, because (until MI200) this can't be turned off. As such, when </a:t>
-            </a:r>
-            <a:r>
-              <a:rPr lang="en-US" dirty="0" err="1"/>
-              <a:t>GPU_a</a:t>
-            </a:r>
-            <a:r>
-              <a:rPr lang="en-US" dirty="0"/>
-              <a:t> writes or reads directly to </a:t>
-            </a:r>
-            <a:r>
-              <a:rPr lang="en-US" dirty="0" err="1"/>
-              <a:t>GPU_b</a:t>
-            </a:r>
-            <a:r>
-              <a:rPr lang="en-US" dirty="0"/>
-              <a:t>, it does not necessarily know writes will actually go to DRAM, and whether reads are seeing updated data from DRAM or previously buffered data sitting in the HDP. In addition, HDP can cause reads and writes to be silently re-ordered.</a:t>
-            </a:r>
+              <a:t>RdBlkS</a:t>
+            </a:r>
+            <a:r>
+              <a:rPr lang="en-US" dirty="0"/>
+              <a:t>), cache line in M/E/S will transition to S state. </a:t>
+            </a:r>
+          </a:p>
+          <a:p>
+            <a:r>
+              <a:rPr lang="en-US" dirty="0"/>
+              <a:t>On a GPU write hit, a cache line in any of the M/E/S states will be invalidated. If the CPU state is invalidated, the state of the system at the end of the transaction is that nobody has the line. PF simply doesn’t track GPU ownership.</a:t>
+            </a:r>
+          </a:p>
+          <a:p>
+            <a:endParaRPr lang="en-US" dirty="0"/>
           </a:p>
         </p:txBody>
       </p:sp>
     </p:spTree>
     <p:extLst>
       <p:ext uri="{BB962C8B-B14F-4D97-AF65-F5344CB8AC3E}">
-        <p14:creationId xmlns:p14="http://schemas.microsoft.com/office/powerpoint/2010/main" val="3198879697"/>
+        <p14:creationId xmlns:p14="http://schemas.microsoft.com/office/powerpoint/2010/main" val="2454318046"/>
       </p:ext>
     </p:extLst>
   </p:cSld>
@@ -6091,6 +6169,175 @@
     <p:extLst>
       <p:ext uri="{BB962C8B-B14F-4D97-AF65-F5344CB8AC3E}">
         <p14:creationId xmlns:p14="http://schemas.microsoft.com/office/powerpoint/2010/main" val="1637076482"/>
+      </p:ext>
+    </p:extLst>
+  </p:cSld>
+  <p:clrMapOvr>
+    <a:masterClrMapping/>
+  </p:clrMapOvr>
+</p:sld>
+</file>
+
+<file path=ppt/slides/slide20.xml><?xml version="1.0" encoding="utf-8"?>
+<p:sld xmlns:a="http://schemas.openxmlformats.org/drawingml/2006/main" xmlns:r="http://schemas.openxmlformats.org/officeDocument/2006/relationships" xmlns:p="http://schemas.openxmlformats.org/presentationml/2006/main">
+  <p:cSld>
+    <p:bg>
+      <p:bgPr>
+        <a:solidFill>
+          <a:schemeClr val="bg1"/>
+        </a:solidFill>
+        <a:effectLst/>
+      </p:bgPr>
+    </p:bg>
+    <p:spTree>
+      <p:nvGrpSpPr>
+        <p:cNvPr id="1" name=""/>
+        <p:cNvGrpSpPr/>
+        <p:nvPr/>
+      </p:nvGrpSpPr>
+      <p:grpSpPr>
+        <a:xfrm>
+          <a:off x="0" y="0"/>
+          <a:ext cx="0" cy="0"/>
+          <a:chOff x="0" y="0"/>
+          <a:chExt cx="0" cy="0"/>
+        </a:xfrm>
+      </p:grpSpPr>
+      <p:sp useBgFill="1">
+        <p:nvSpPr>
+          <p:cNvPr id="10" name="Rectangle 9">
+            <a:extLst>
+              <a:ext uri="{FF2B5EF4-FFF2-40B4-BE49-F238E27FC236}">
+                <a16:creationId xmlns:a16="http://schemas.microsoft.com/office/drawing/2014/main" id="{53F29798-D584-4792-9B62-3F5F5C36D619}"/>
+              </a:ext>
+              <a:ext uri="{C183D7F6-B498-43B3-948B-1728B52AA6E4}">
+                <adec:decorative xmlns:adec="http://schemas.microsoft.com/office/drawing/2017/decorative" val="1"/>
+              </a:ext>
+            </a:extLst>
+          </p:cNvPr>
+          <p:cNvSpPr>
+            <a:spLocks noGrp="1" noRot="1" noChangeAspect="1" noMove="1" noResize="1" noEditPoints="1" noAdjustHandles="1" noChangeArrowheads="1" noChangeShapeType="1" noTextEdit="1"/>
+          </p:cNvSpPr>
+          <p:nvPr>
+            <p:extLst>
+              <p:ext uri="{386F3935-93C4-4BCD-93E2-E3B085C9AB24}">
+                <p16:designElem xmlns:p16="http://schemas.microsoft.com/office/powerpoint/2015/main" val="1"/>
+              </p:ext>
+            </p:extLst>
+          </p:nvPr>
+        </p:nvSpPr>
+        <p:spPr>
+          <a:xfrm>
+            <a:off x="0" y="0"/>
+            <a:ext cx="12188952" cy="6858000"/>
+          </a:xfrm>
+          <a:prstGeom prst="rect">
+            <a:avLst/>
+          </a:prstGeom>
+          <a:ln>
+            <a:noFill/>
+          </a:ln>
+        </p:spPr>
+        <p:style>
+          <a:lnRef idx="2">
+            <a:schemeClr val="accent1">
+              <a:shade val="50000"/>
+            </a:schemeClr>
+          </a:lnRef>
+          <a:fillRef idx="1">
+            <a:schemeClr val="accent1"/>
+          </a:fillRef>
+          <a:effectRef idx="0">
+            <a:schemeClr val="accent1"/>
+          </a:effectRef>
+          <a:fontRef idx="minor">
+            <a:schemeClr val="lt1"/>
+          </a:fontRef>
+        </p:style>
+        <p:txBody>
+          <a:bodyPr rtlCol="0" anchor="ctr"/>
+          <a:lstStyle/>
+          <a:p>
+            <a:pPr algn="ctr"/>
+            <a:endParaRPr lang="en-US"/>
+          </a:p>
+        </p:txBody>
+      </p:sp>
+      <p:sp>
+        <p:nvSpPr>
+          <p:cNvPr id="6" name="TextBox 5">
+            <a:extLst>
+              <a:ext uri="{FF2B5EF4-FFF2-40B4-BE49-F238E27FC236}">
+                <a16:creationId xmlns:a16="http://schemas.microsoft.com/office/drawing/2014/main" id="{AEE41E31-93E3-EEDD-1973-C1FE8423C2A6}"/>
+              </a:ext>
+            </a:extLst>
+          </p:cNvPr>
+          <p:cNvSpPr txBox="1"/>
+          <p:nvPr/>
+        </p:nvSpPr>
+        <p:spPr>
+          <a:xfrm>
+            <a:off x="8339328" y="6327794"/>
+            <a:ext cx="3228320" cy="369332"/>
+          </a:xfrm>
+          <a:prstGeom prst="rect">
+            <a:avLst/>
+          </a:prstGeom>
+          <a:noFill/>
+        </p:spPr>
+        <p:txBody>
+          <a:bodyPr wrap="none" rtlCol="0">
+            <a:spAutoFit/>
+          </a:bodyPr>
+          <a:lstStyle/>
+          <a:p>
+            <a:r>
+              <a:rPr lang="en-US" dirty="0"/>
+              <a:t>Reference: AMD DF Silicon Team</a:t>
+            </a:r>
+          </a:p>
+        </p:txBody>
+      </p:sp>
+      <p:pic>
+        <p:nvPicPr>
+          <p:cNvPr id="11" name="Picture 10" descr="A diagram of a computer network&#10;&#10;Description automatically generated">
+            <a:extLst>
+              <a:ext uri="{FF2B5EF4-FFF2-40B4-BE49-F238E27FC236}">
+                <a16:creationId xmlns:a16="http://schemas.microsoft.com/office/drawing/2014/main" id="{30315F9B-ECD1-03CD-6F61-5F187BDF44D7}"/>
+              </a:ext>
+            </a:extLst>
+          </p:cNvPr>
+          <p:cNvPicPr>
+            <a:picLocks noChangeAspect="1"/>
+          </p:cNvPicPr>
+          <p:nvPr/>
+        </p:nvPicPr>
+        <p:blipFill>
+          <a:blip r:embed="rId2">
+            <a:extLst>
+              <a:ext uri="{28A0092B-C50C-407E-A947-70E740481C1C}">
+                <a14:useLocalDpi xmlns:a14="http://schemas.microsoft.com/office/drawing/2010/main" val="0"/>
+              </a:ext>
+            </a:extLst>
+          </a:blip>
+          <a:stretch>
+            <a:fillRect/>
+          </a:stretch>
+        </p:blipFill>
+        <p:spPr>
+          <a:xfrm>
+            <a:off x="393192" y="332843"/>
+            <a:ext cx="11402568" cy="5868077"/>
+          </a:xfrm>
+          <a:prstGeom prst="rect">
+            <a:avLst/>
+          </a:prstGeom>
+        </p:spPr>
+      </p:pic>
+    </p:spTree>
+    <p:extLst>
+      <p:ext uri="{BB962C8B-B14F-4D97-AF65-F5344CB8AC3E}">
+        <p14:creationId xmlns:p14="http://schemas.microsoft.com/office/powerpoint/2010/main" val="2240055538"/>
       </p:ext>
     </p:extLst>
   </p:cSld>
@@ -6938,9 +7185,23 @@
 <file path=ppt/slides/slide7.xml><?xml version="1.0" encoding="utf-8"?>
 <p:sld xmlns:a="http://schemas.openxmlformats.org/drawingml/2006/main" xmlns:r="http://schemas.openxmlformats.org/officeDocument/2006/relationships" xmlns:p="http://schemas.openxmlformats.org/presentationml/2006/main">
   <p:cSld>
+    <p:bg>
+      <p:bgPr>
+        <a:solidFill>
+          <a:schemeClr val="bg1"/>
+        </a:solidFill>
+        <a:effectLst/>
+      </p:bgPr>
+    </p:bg>
     <p:spTree>
       <p:nvGrpSpPr>
-        <p:cNvPr id="1" name=""/>
+        <p:cNvPr id="1" name="">
+          <a:extLst>
+            <a:ext uri="{FF2B5EF4-FFF2-40B4-BE49-F238E27FC236}">
+              <a16:creationId xmlns:a16="http://schemas.microsoft.com/office/drawing/2014/main" id="{B9D4D4CD-89AC-FBC9-316A-A7E8B4C42790}"/>
+            </a:ext>
+          </a:extLst>
+        </p:cNvPr>
         <p:cNvGrpSpPr/>
         <p:nvPr/>
       </p:nvGrpSpPr>
@@ -6952,12 +7213,171 @@
           <a:chExt cx="0" cy="0"/>
         </a:xfrm>
       </p:grpSpPr>
+      <p:sp useBgFill="1">
+        <p:nvSpPr>
+          <p:cNvPr id="11" name="Rectangle 10">
+            <a:extLst>
+              <a:ext uri="{FF2B5EF4-FFF2-40B4-BE49-F238E27FC236}">
+                <a16:creationId xmlns:a16="http://schemas.microsoft.com/office/drawing/2014/main" id="{2550BE34-C2B8-49B8-8519-67A8CAD51AE9}"/>
+              </a:ext>
+              <a:ext uri="{C183D7F6-B498-43B3-948B-1728B52AA6E4}">
+                <adec:decorative xmlns:adec="http://schemas.microsoft.com/office/drawing/2017/decorative" val="1"/>
+              </a:ext>
+            </a:extLst>
+          </p:cNvPr>
+          <p:cNvSpPr>
+            <a:spLocks noGrp="1" noRot="1" noChangeAspect="1" noMove="1" noResize="1" noEditPoints="1" noAdjustHandles="1" noChangeArrowheads="1" noChangeShapeType="1" noTextEdit="1"/>
+          </p:cNvSpPr>
+          <p:nvPr>
+            <p:extLst>
+              <p:ext uri="{386F3935-93C4-4BCD-93E2-E3B085C9AB24}">
+                <p16:designElem xmlns:p16="http://schemas.microsoft.com/office/powerpoint/2015/main" val="1"/>
+              </p:ext>
+            </p:extLst>
+          </p:nvPr>
+        </p:nvSpPr>
+        <p:spPr>
+          <a:xfrm>
+            <a:off x="0" y="0"/>
+            <a:ext cx="12192000" cy="6858000"/>
+          </a:xfrm>
+          <a:prstGeom prst="rect">
+            <a:avLst/>
+          </a:prstGeom>
+          <a:ln>
+            <a:noFill/>
+          </a:ln>
+        </p:spPr>
+        <p:style>
+          <a:lnRef idx="2">
+            <a:schemeClr val="accent1">
+              <a:shade val="50000"/>
+            </a:schemeClr>
+          </a:lnRef>
+          <a:fillRef idx="1">
+            <a:schemeClr val="accent1"/>
+          </a:fillRef>
+          <a:effectRef idx="0">
+            <a:schemeClr val="accent1"/>
+          </a:effectRef>
+          <a:fontRef idx="minor">
+            <a:schemeClr val="lt1"/>
+          </a:fontRef>
+        </p:style>
+        <p:txBody>
+          <a:bodyPr rtlCol="0" anchor="ctr"/>
+          <a:lstStyle/>
+          <a:p>
+            <a:pPr algn="ctr"/>
+            <a:endParaRPr lang="en-US"/>
+          </a:p>
+        </p:txBody>
+      </p:sp>
+      <p:sp useBgFill="1">
+        <p:nvSpPr>
+          <p:cNvPr id="13" name="Rectangle 12">
+            <a:extLst>
+              <a:ext uri="{FF2B5EF4-FFF2-40B4-BE49-F238E27FC236}">
+                <a16:creationId xmlns:a16="http://schemas.microsoft.com/office/drawing/2014/main" id="{A7457DD9-5A45-400A-AB4B-4B4EDECA25F1}"/>
+              </a:ext>
+              <a:ext uri="{C183D7F6-B498-43B3-948B-1728B52AA6E4}">
+                <adec:decorative xmlns:adec="http://schemas.microsoft.com/office/drawing/2017/decorative" val="1"/>
+              </a:ext>
+            </a:extLst>
+          </p:cNvPr>
+          <p:cNvSpPr>
+            <a:spLocks noGrp="1" noRot="1" noChangeAspect="1" noMove="1" noResize="1" noEditPoints="1" noAdjustHandles="1" noChangeArrowheads="1" noChangeShapeType="1" noTextEdit="1"/>
+          </p:cNvSpPr>
+          <p:nvPr>
+            <p:extLst>
+              <p:ext uri="{386F3935-93C4-4BCD-93E2-E3B085C9AB24}">
+                <p16:designElem xmlns:p16="http://schemas.microsoft.com/office/powerpoint/2015/main" val="1"/>
+              </p:ext>
+            </p:extLst>
+          </p:nvPr>
+        </p:nvSpPr>
+        <p:spPr>
+          <a:xfrm>
+            <a:off x="554416" y="365125"/>
+            <a:ext cx="11167447" cy="2089317"/>
+          </a:xfrm>
+          <a:prstGeom prst="rect">
+            <a:avLst/>
+          </a:prstGeom>
+          <a:ln w="12700">
+            <a:solidFill>
+              <a:srgbClr val="DEDEDE"/>
+            </a:solidFill>
+          </a:ln>
+          <a:effectLst>
+            <a:outerShdw blurRad="50800" dist="38100" dir="2700000" algn="tl" rotWithShape="0">
+              <a:schemeClr val="bg2">
+                <a:lumMod val="85000"/>
+                <a:alpha val="50000"/>
+              </a:schemeClr>
+            </a:outerShdw>
+          </a:effectLst>
+        </p:spPr>
+        <p:style>
+          <a:lnRef idx="2">
+            <a:schemeClr val="accent1">
+              <a:shade val="50000"/>
+            </a:schemeClr>
+          </a:lnRef>
+          <a:fillRef idx="1">
+            <a:schemeClr val="accent1"/>
+          </a:fillRef>
+          <a:effectRef idx="0">
+            <a:schemeClr val="accent1"/>
+          </a:effectRef>
+          <a:fontRef idx="minor">
+            <a:schemeClr val="lt1"/>
+          </a:fontRef>
+        </p:style>
+        <p:txBody>
+          <a:bodyPr rtlCol="0" anchor="ctr"/>
+          <a:lstStyle/>
+          <a:p>
+            <a:pPr marL="0" marR="0" lvl="0" indent="0" algn="ctr" defTabSz="914400" rtl="0" eaLnBrk="1" fontAlgn="auto" latinLnBrk="0" hangingPunct="1">
+              <a:lnSpc>
+                <a:spcPct val="100000"/>
+              </a:lnSpc>
+              <a:spcBef>
+                <a:spcPts val="0"/>
+              </a:spcBef>
+              <a:spcAft>
+                <a:spcPts val="0"/>
+              </a:spcAft>
+              <a:buClrTx/>
+              <a:buSzTx/>
+              <a:buFontTx/>
+              <a:buNone/>
+              <a:tabLst/>
+              <a:defRPr/>
+            </a:pPr>
+            <a:endParaRPr kumimoji="0" lang="en-US" sz="1800" b="0" i="0" u="none" strike="noStrike" kern="1200" cap="none" spc="0" normalizeH="0" baseline="0" noProof="0">
+              <a:ln>
+                <a:noFill/>
+              </a:ln>
+              <a:solidFill>
+                <a:prstClr val="white"/>
+              </a:solidFill>
+              <a:effectLst/>
+              <a:uLnTx/>
+              <a:uFillTx/>
+              <a:latin typeface="Calibri" panose="020F0502020204030204"/>
+              <a:ea typeface="+mn-ea"/>
+              <a:cs typeface="+mn-cs"/>
+            </a:endParaRPr>
+          </a:p>
+        </p:txBody>
+      </p:sp>
       <p:sp>
         <p:nvSpPr>
           <p:cNvPr id="2" name="Title 1">
             <a:extLst>
               <a:ext uri="{FF2B5EF4-FFF2-40B4-BE49-F238E27FC236}">
-                <a16:creationId xmlns:a16="http://schemas.microsoft.com/office/drawing/2014/main" id="{682178EF-3940-3689-89AD-B396A0E9AA7A}"/>
+                <a16:creationId xmlns:a16="http://schemas.microsoft.com/office/drawing/2014/main" id="{1AA72738-0F00-ABB0-B91D-C0CEE882DB8A}"/>
               </a:ext>
             </a:extLst>
           </p:cNvPr>
@@ -6970,8 +7390,8 @@
         </p:nvSpPr>
         <p:spPr>
           <a:xfrm>
-            <a:off x="838200" y="365125"/>
-            <a:ext cx="10515600" cy="973481"/>
+            <a:off x="1046746" y="586822"/>
+            <a:ext cx="3560252" cy="1645920"/>
           </a:xfrm>
         </p:spPr>
         <p:txBody>
@@ -6981,7 +7401,7 @@
           <a:lstStyle/>
           <a:p>
             <a:r>
-              <a:rPr lang="en-US" sz="2800" dirty="0"/>
+              <a:rPr lang="en-US" sz="3000"/>
               <a:t>Difference in memory type for course grain and fine grain</a:t>
             </a:r>
           </a:p>
@@ -6989,10 +7409,147 @@
       </p:sp>
       <p:sp>
         <p:nvSpPr>
+          <p:cNvPr id="15" name="Rectangle 14">
+            <a:extLst>
+              <a:ext uri="{FF2B5EF4-FFF2-40B4-BE49-F238E27FC236}">
+                <a16:creationId xmlns:a16="http://schemas.microsoft.com/office/drawing/2014/main" id="{441CF7D6-A660-431A-B0BB-140A0D5556B6}"/>
+              </a:ext>
+              <a:ext uri="{C183D7F6-B498-43B3-948B-1728B52AA6E4}">
+                <adec:decorative xmlns:adec="http://schemas.microsoft.com/office/drawing/2017/decorative" val="1"/>
+              </a:ext>
+            </a:extLst>
+          </p:cNvPr>
+          <p:cNvSpPr>
+            <a:spLocks noGrp="1" noRot="1" noChangeAspect="1" noMove="1" noResize="1" noEditPoints="1" noAdjustHandles="1" noChangeArrowheads="1" noChangeShapeType="1" noTextEdit="1"/>
+          </p:cNvSpPr>
+          <p:nvPr>
+            <p:extLst>
+              <p:ext uri="{386F3935-93C4-4BCD-93E2-E3B085C9AB24}">
+                <p16:designElem xmlns:p16="http://schemas.microsoft.com/office/powerpoint/2015/main" val="1"/>
+              </p:ext>
+            </p:extLst>
+          </p:nvPr>
+        </p:nvSpPr>
+        <p:spPr>
+          <a:xfrm>
+            <a:off x="490408" y="1057739"/>
+            <a:ext cx="128016" cy="704088"/>
+          </a:xfrm>
+          <a:prstGeom prst="rect">
+            <a:avLst/>
+          </a:prstGeom>
+          <a:solidFill>
+            <a:schemeClr val="accent2"/>
+          </a:solidFill>
+          <a:ln>
+            <a:noFill/>
+          </a:ln>
+        </p:spPr>
+        <p:style>
+          <a:lnRef idx="2">
+            <a:schemeClr val="accent1">
+              <a:shade val="50000"/>
+            </a:schemeClr>
+          </a:lnRef>
+          <a:fillRef idx="1">
+            <a:schemeClr val="accent1"/>
+          </a:fillRef>
+          <a:effectRef idx="0">
+            <a:schemeClr val="accent1"/>
+          </a:effectRef>
+          <a:fontRef idx="minor">
+            <a:schemeClr val="lt1"/>
+          </a:fontRef>
+        </p:style>
+        <p:txBody>
+          <a:bodyPr rtlCol="0" anchor="ctr"/>
+          <a:lstStyle/>
+          <a:p>
+            <a:pPr algn="ctr"/>
+            <a:endParaRPr lang="en-US" dirty="0">
+              <a:solidFill>
+                <a:prstClr val="white"/>
+              </a:solidFill>
+              <a:latin typeface="Calibri" panose="020F0502020204030204"/>
+            </a:endParaRPr>
+          </a:p>
+        </p:txBody>
+      </p:sp>
+      <p:sp>
+        <p:nvSpPr>
+          <p:cNvPr id="17" name="Rectangle 16">
+            <a:extLst>
+              <a:ext uri="{FF2B5EF4-FFF2-40B4-BE49-F238E27FC236}">
+                <a16:creationId xmlns:a16="http://schemas.microsoft.com/office/drawing/2014/main" id="{0570A85B-3810-4F95-97B0-CBF4CCDB381C}"/>
+              </a:ext>
+              <a:ext uri="{C183D7F6-B498-43B3-948B-1728B52AA6E4}">
+                <adec:decorative xmlns:adec="http://schemas.microsoft.com/office/drawing/2017/decorative" val="1"/>
+              </a:ext>
+            </a:extLst>
+          </p:cNvPr>
+          <p:cNvSpPr>
+            <a:spLocks noGrp="1" noRot="1" noChangeAspect="1" noMove="1" noResize="1" noEditPoints="1" noAdjustHandles="1" noChangeArrowheads="1" noChangeShapeType="1" noTextEdit="1"/>
+          </p:cNvSpPr>
+          <p:nvPr>
+            <p:extLst>
+              <p:ext uri="{386F3935-93C4-4BCD-93E2-E3B085C9AB24}">
+                <p16:designElem xmlns:p16="http://schemas.microsoft.com/office/powerpoint/2015/main" val="1"/>
+              </p:ext>
+            </p:extLst>
+          </p:nvPr>
+        </p:nvSpPr>
+        <p:spPr>
+          <a:xfrm rot="5400000">
+            <a:off x="4243541" y="1400638"/>
+            <a:ext cx="1463040" cy="18288"/>
+          </a:xfrm>
+          <a:prstGeom prst="rect">
+            <a:avLst/>
+          </a:prstGeom>
+          <a:solidFill>
+            <a:srgbClr val="D5D5D5"/>
+          </a:solidFill>
+          <a:ln w="3175">
+            <a:noFill/>
+          </a:ln>
+          <a:effectLst/>
+        </p:spPr>
+        <p:style>
+          <a:lnRef idx="2">
+            <a:schemeClr val="accent1">
+              <a:shade val="50000"/>
+            </a:schemeClr>
+          </a:lnRef>
+          <a:fillRef idx="1">
+            <a:schemeClr val="accent1"/>
+          </a:fillRef>
+          <a:effectRef idx="0">
+            <a:schemeClr val="accent1"/>
+          </a:effectRef>
+          <a:fontRef idx="minor">
+            <a:schemeClr val="lt1"/>
+          </a:fontRef>
+        </p:style>
+        <p:txBody>
+          <a:bodyPr rtlCol="0" anchor="ctr"/>
+          <a:lstStyle/>
+          <a:p>
+            <a:pPr algn="ctr"/>
+            <a:endParaRPr lang="en-US">
+              <a:solidFill>
+                <a:prstClr val="white"/>
+              </a:solidFill>
+              <a:latin typeface="Calibri" panose="020F0502020204030204"/>
+            </a:endParaRPr>
+          </a:p>
+        </p:txBody>
+      </p:sp>
+      <p:sp>
+        <p:nvSpPr>
           <p:cNvPr id="3" name="Content Placeholder 2">
             <a:extLst>
               <a:ext uri="{FF2B5EF4-FFF2-40B4-BE49-F238E27FC236}">
-                <a16:creationId xmlns:a16="http://schemas.microsoft.com/office/drawing/2014/main" id="{A0F84963-A316-0773-A073-A3F6A2F4472C}"/>
+                <a16:creationId xmlns:a16="http://schemas.microsoft.com/office/drawing/2014/main" id="{CA675FAB-7AF8-BB4B-C9D7-648E2F8BC02D}"/>
               </a:ext>
             </a:extLst>
           </p:cNvPr>
@@ -7005,12 +7562,14 @@
         </p:nvSpPr>
         <p:spPr>
           <a:xfrm>
-            <a:off x="838200" y="1253331"/>
-            <a:ext cx="10515600" cy="4351338"/>
+            <a:off x="5351164" y="586822"/>
+            <a:ext cx="6002636" cy="1645920"/>
           </a:xfrm>
         </p:spPr>
         <p:txBody>
-          <a:bodyPr/>
+          <a:bodyPr anchor="ctr">
+            <a:normAutofit/>
+          </a:bodyPr>
           <a:lstStyle/>
           <a:p>
             <a:pPr marL="342900" marR="0" lvl="0" indent="-342900">
@@ -7025,53 +7584,22 @@
             </a:pPr>
             <a:r>
               <a:rPr lang="en-US" sz="1800" dirty="0">
-                <a:solidFill>
-                  <a:srgbClr val="000000"/>
-                </a:solidFill>
                 <a:effectLst/>
                 <a:latin typeface="Segoe UI" panose="020B0502040204020203" pitchFamily="34" charset="0"/>
                 <a:ea typeface="Times New Roman" panose="02020603050405020304" pitchFamily="18" charset="0"/>
               </a:rPr>
-              <a:t>CPU map of FB through PCIe</a:t>
-            </a:r>
-            <a:r>
-              <a:rPr lang="en-US" sz="1800" dirty="0">
-                <a:solidFill>
-                  <a:srgbClr val="172B4D"/>
-                </a:solidFill>
+              <a:t>CPU map of FB through PCIe (</a:t>
+            </a:r>
+            <a:r>
+              <a:rPr lang="en-US" sz="1800" dirty="0" err="1">
                 <a:effectLst/>
                 <a:latin typeface="Segoe UI" panose="020B0502040204020203" pitchFamily="34" charset="0"/>
                 <a:ea typeface="Times New Roman" panose="02020603050405020304" pitchFamily="18" charset="0"/>
               </a:rPr>
-              <a:t> </a:t>
+              <a:t>dGPU</a:t>
             </a:r>
             <a:r>
               <a:rPr lang="en-US" sz="1800" dirty="0">
-                <a:solidFill>
-                  <a:srgbClr val="000000"/>
-                </a:solidFill>
-                <a:effectLst/>
-                <a:latin typeface="Segoe UI" panose="020B0502040204020203" pitchFamily="34" charset="0"/>
-                <a:ea typeface="Times New Roman" panose="02020603050405020304" pitchFamily="18" charset="0"/>
-              </a:rPr>
-              <a:t>(</a:t>
-            </a:r>
-            <a:r>
-              <a:rPr lang="en-US" sz="1800" dirty="0" err="1">
-                <a:solidFill>
-                  <a:srgbClr val="000000"/>
-                </a:solidFill>
-                <a:effectLst/>
-                <a:latin typeface="Segoe UI" panose="020B0502040204020203" pitchFamily="34" charset="0"/>
-                <a:ea typeface="Times New Roman" panose="02020603050405020304" pitchFamily="18" charset="0"/>
-              </a:rPr>
-              <a:t>dGPU</a:t>
-            </a:r>
-            <a:r>
-              <a:rPr lang="en-US" sz="1800" dirty="0">
-                <a:solidFill>
-                  <a:srgbClr val="000000"/>
-                </a:solidFill>
                 <a:effectLst/>
                 <a:latin typeface="Segoe UI" panose="020B0502040204020203" pitchFamily="34" charset="0"/>
                 <a:ea typeface="Times New Roman" panose="02020603050405020304" pitchFamily="18" charset="0"/>
@@ -7091,9 +7619,6 @@
             </a:pPr>
             <a:r>
               <a:rPr lang="en-US" sz="1800" dirty="0">
-                <a:solidFill>
-                  <a:srgbClr val="000000"/>
-                </a:solidFill>
                 <a:effectLst/>
                 <a:latin typeface="Segoe UI" panose="020B0502040204020203" pitchFamily="34" charset="0"/>
                 <a:ea typeface="Times New Roman" panose="02020603050405020304" pitchFamily="18" charset="0"/>
@@ -7102,9 +7627,6 @@
             </a:r>
             <a:r>
               <a:rPr lang="en-US" sz="1800" dirty="0" err="1">
-                <a:solidFill>
-                  <a:srgbClr val="000000"/>
-                </a:solidFill>
                 <a:effectLst/>
                 <a:latin typeface="Segoe UI" panose="020B0502040204020203" pitchFamily="34" charset="0"/>
                 <a:ea typeface="Times New Roman" panose="02020603050405020304" pitchFamily="18" charset="0"/>
@@ -7113,9 +7635,6 @@
             </a:r>
             <a:r>
               <a:rPr lang="en-US" sz="1800" dirty="0">
-                <a:solidFill>
-                  <a:srgbClr val="000000"/>
-                </a:solidFill>
                 <a:effectLst/>
                 <a:latin typeface="Segoe UI" panose="020B0502040204020203" pitchFamily="34" charset="0"/>
                 <a:ea typeface="Times New Roman" panose="02020603050405020304" pitchFamily="18" charset="0"/>
@@ -7124,9 +7643,6 @@
             </a:r>
             <a:r>
               <a:rPr lang="en-US" sz="1800" dirty="0" err="1">
-                <a:solidFill>
-                  <a:srgbClr val="000000"/>
-                </a:solidFill>
                 <a:effectLst/>
                 <a:latin typeface="Segoe UI" panose="020B0502040204020203" pitchFamily="34" charset="0"/>
                 <a:ea typeface="Times New Roman" panose="02020603050405020304" pitchFamily="18" charset="0"/>
@@ -7135,9 +7651,6 @@
             </a:r>
             <a:r>
               <a:rPr lang="en-US" sz="1800" dirty="0">
-                <a:solidFill>
-                  <a:srgbClr val="000000"/>
-                </a:solidFill>
                 <a:effectLst/>
                 <a:latin typeface="Segoe UI" panose="020B0502040204020203" pitchFamily="34" charset="0"/>
                 <a:ea typeface="Times New Roman" panose="02020603050405020304" pitchFamily="18" charset="0"/>
@@ -7146,9 +7659,6 @@
             </a:r>
             <a:r>
               <a:rPr lang="en-US" sz="1800" dirty="0" err="1">
-                <a:solidFill>
-                  <a:srgbClr val="000000"/>
-                </a:solidFill>
                 <a:effectLst/>
                 <a:latin typeface="Segoe UI" panose="020B0502040204020203" pitchFamily="34" charset="0"/>
                 <a:ea typeface="Times New Roman" panose="02020603050405020304" pitchFamily="18" charset="0"/>
@@ -7157,9 +7667,6 @@
             </a:r>
             <a:r>
               <a:rPr lang="en-US" sz="1800" dirty="0">
-                <a:solidFill>
-                  <a:srgbClr val="000000"/>
-                </a:solidFill>
                 <a:effectLst/>
                 <a:latin typeface="Segoe UI" panose="020B0502040204020203" pitchFamily="34" charset="0"/>
                 <a:ea typeface="Times New Roman" panose="02020603050405020304" pitchFamily="18" charset="0"/>
@@ -7179,9 +7686,6 @@
             </a:pPr>
             <a:r>
               <a:rPr lang="en-US" sz="1800" dirty="0">
-                <a:solidFill>
-                  <a:srgbClr val="000000"/>
-                </a:solidFill>
                 <a:effectLst/>
                 <a:latin typeface="Segoe UI" panose="020B0502040204020203" pitchFamily="34" charset="0"/>
                 <a:ea typeface="Times New Roman" panose="02020603050405020304" pitchFamily="18" charset="0"/>
@@ -7190,9 +7694,6 @@
             </a:r>
             <a:r>
               <a:rPr lang="en-US" sz="1800" dirty="0" err="1">
-                <a:solidFill>
-                  <a:srgbClr val="000000"/>
-                </a:solidFill>
                 <a:effectLst/>
                 <a:latin typeface="Segoe UI" panose="020B0502040204020203" pitchFamily="34" charset="0"/>
                 <a:ea typeface="Times New Roman" panose="02020603050405020304" pitchFamily="18" charset="0"/>
@@ -7201,9 +7702,6 @@
             </a:r>
             <a:r>
               <a:rPr lang="en-US" sz="1800" dirty="0">
-                <a:solidFill>
-                  <a:srgbClr val="000000"/>
-                </a:solidFill>
                 <a:effectLst/>
                 <a:latin typeface="Segoe UI" panose="020B0502040204020203" pitchFamily="34" charset="0"/>
                 <a:ea typeface="Times New Roman" panose="02020603050405020304" pitchFamily="18" charset="0"/>
@@ -7212,9 +7710,6 @@
             </a:r>
             <a:r>
               <a:rPr lang="en-US" sz="1800" dirty="0" err="1">
-                <a:solidFill>
-                  <a:srgbClr val="000000"/>
-                </a:solidFill>
                 <a:effectLst/>
                 <a:latin typeface="Segoe UI" panose="020B0502040204020203" pitchFamily="34" charset="0"/>
                 <a:ea typeface="Times New Roman" panose="02020603050405020304" pitchFamily="18" charset="0"/>
@@ -7223,9 +7718,6 @@
             </a:r>
             <a:r>
               <a:rPr lang="en-US" sz="1800" dirty="0">
-                <a:solidFill>
-                  <a:srgbClr val="000000"/>
-                </a:solidFill>
                 <a:effectLst/>
                 <a:latin typeface="Segoe UI" panose="020B0502040204020203" pitchFamily="34" charset="0"/>
                 <a:ea typeface="Times New Roman" panose="02020603050405020304" pitchFamily="18" charset="0"/>
@@ -7239,16 +7731,16 @@
             </a:endParaRPr>
           </a:p>
           <a:p>
-            <a:endParaRPr lang="en-US" dirty="0"/>
+            <a:endParaRPr lang="en-US" sz="1800" dirty="0"/>
           </a:p>
         </p:txBody>
       </p:sp>
       <p:graphicFrame>
         <p:nvGraphicFramePr>
-          <p:cNvPr id="4" name="Table 3">
-            <a:extLst>
-              <a:ext uri="{FF2B5EF4-FFF2-40B4-BE49-F238E27FC236}">
-                <a16:creationId xmlns:a16="http://schemas.microsoft.com/office/drawing/2014/main" id="{FA6BF832-68A6-8759-CEE7-D8383743E56C}"/>
+          <p:cNvPr id="6" name="Table 5">
+            <a:extLst>
+              <a:ext uri="{FF2B5EF4-FFF2-40B4-BE49-F238E27FC236}">
+                <a16:creationId xmlns:a16="http://schemas.microsoft.com/office/drawing/2014/main" id="{4C684932-0052-6255-5815-F2DFD6AD2B14}"/>
               </a:ext>
             </a:extLst>
           </p:cNvPr>
@@ -7258,154 +7750,113 @@
           <p:nvPr>
             <p:extLst>
               <p:ext uri="{D42A27DB-BD31-4B8C-83A1-F6EECF244321}">
-                <p14:modId xmlns:p14="http://schemas.microsoft.com/office/powerpoint/2010/main" val="450402605"/>
+                <p14:modId xmlns:p14="http://schemas.microsoft.com/office/powerpoint/2010/main" val="1010615486"/>
               </p:ext>
             </p:extLst>
           </p:nvPr>
         </p:nvGraphicFramePr>
         <p:xfrm>
-          <a:off x="179105" y="2831057"/>
-          <a:ext cx="11854403" cy="3760278"/>
+          <a:off x="554416" y="3583666"/>
+          <a:ext cx="11164828" cy="2751167"/>
         </p:xfrm>
         <a:graphic>
           <a:graphicData uri="http://schemas.openxmlformats.org/drawingml/2006/table">
             <a:tbl>
-              <a:tblPr/>
+              <a:tblPr>
+                <a:tableStyleId>{8799B23B-EC83-4686-B30A-512413B5E67A}</a:tableStyleId>
+              </a:tblPr>
               <a:tblGrid>
-                <a:gridCol w="1077673">
+                <a:gridCol w="778718">
                   <a:extLst>
                     <a:ext uri="{9D8B030D-6E8A-4147-A177-3AD203B41FA5}">
-                      <a16:colId xmlns:a16="http://schemas.microsoft.com/office/drawing/2014/main" val="291451547"/>
+                      <a16:colId xmlns:a16="http://schemas.microsoft.com/office/drawing/2014/main" val="4285190338"/>
                     </a:ext>
                   </a:extLst>
                 </a:gridCol>
-                <a:gridCol w="1077673">
+                <a:gridCol w="789897">
                   <a:extLst>
                     <a:ext uri="{9D8B030D-6E8A-4147-A177-3AD203B41FA5}">
-                      <a16:colId xmlns:a16="http://schemas.microsoft.com/office/drawing/2014/main" val="3569805978"/>
+                      <a16:colId xmlns:a16="http://schemas.microsoft.com/office/drawing/2014/main" val="43184586"/>
                     </a:ext>
                   </a:extLst>
                 </a:gridCol>
-                <a:gridCol w="1077673">
+                <a:gridCol w="1130831">
                   <a:extLst>
                     <a:ext uri="{9D8B030D-6E8A-4147-A177-3AD203B41FA5}">
-                      <a16:colId xmlns:a16="http://schemas.microsoft.com/office/drawing/2014/main" val="3543249466"/>
+                      <a16:colId xmlns:a16="http://schemas.microsoft.com/office/drawing/2014/main" val="3123054097"/>
                     </a:ext>
                   </a:extLst>
                 </a:gridCol>
-                <a:gridCol w="1077673">
+                <a:gridCol w="1017652">
                   <a:extLst>
                     <a:ext uri="{9D8B030D-6E8A-4147-A177-3AD203B41FA5}">
-                      <a16:colId xmlns:a16="http://schemas.microsoft.com/office/drawing/2014/main" val="2692809076"/>
+                      <a16:colId xmlns:a16="http://schemas.microsoft.com/office/drawing/2014/main" val="3403897955"/>
                     </a:ext>
                   </a:extLst>
                 </a:gridCol>
-                <a:gridCol w="1077673">
+                <a:gridCol w="1210476">
                   <a:extLst>
                     <a:ext uri="{9D8B030D-6E8A-4147-A177-3AD203B41FA5}">
-                      <a16:colId xmlns:a16="http://schemas.microsoft.com/office/drawing/2014/main" val="2294727071"/>
+                      <a16:colId xmlns:a16="http://schemas.microsoft.com/office/drawing/2014/main" val="3282486239"/>
                     </a:ext>
                   </a:extLst>
                 </a:gridCol>
-                <a:gridCol w="1077673">
+                <a:gridCol w="1554204">
                   <a:extLst>
                     <a:ext uri="{9D8B030D-6E8A-4147-A177-3AD203B41FA5}">
-                      <a16:colId xmlns:a16="http://schemas.microsoft.com/office/drawing/2014/main" val="2732720892"/>
+                      <a16:colId xmlns:a16="http://schemas.microsoft.com/office/drawing/2014/main" val="3258134865"/>
                     </a:ext>
                   </a:extLst>
                 </a:gridCol>
-                <a:gridCol w="1077673">
+                <a:gridCol w="1118256">
                   <a:extLst>
                     <a:ext uri="{9D8B030D-6E8A-4147-A177-3AD203B41FA5}">
-                      <a16:colId xmlns:a16="http://schemas.microsoft.com/office/drawing/2014/main" val="3723987474"/>
+                      <a16:colId xmlns:a16="http://schemas.microsoft.com/office/drawing/2014/main" val="3487083423"/>
                     </a:ext>
                   </a:extLst>
                 </a:gridCol>
-                <a:gridCol w="1077673">
+                <a:gridCol w="1200694">
                   <a:extLst>
                     <a:ext uri="{9D8B030D-6E8A-4147-A177-3AD203B41FA5}">
-                      <a16:colId xmlns:a16="http://schemas.microsoft.com/office/drawing/2014/main" val="2688797011"/>
+                      <a16:colId xmlns:a16="http://schemas.microsoft.com/office/drawing/2014/main" val="2348167175"/>
                     </a:ext>
                   </a:extLst>
                 </a:gridCol>
-                <a:gridCol w="1077673">
+                <a:gridCol w="1069351">
                   <a:extLst>
                     <a:ext uri="{9D8B030D-6E8A-4147-A177-3AD203B41FA5}">
-                      <a16:colId xmlns:a16="http://schemas.microsoft.com/office/drawing/2014/main" val="1864146917"/>
+                      <a16:colId xmlns:a16="http://schemas.microsoft.com/office/drawing/2014/main" val="3893512333"/>
                     </a:ext>
                   </a:extLst>
                 </a:gridCol>
-                <a:gridCol w="1077673">
+                <a:gridCol w="680909">
                   <a:extLst>
                     <a:ext uri="{9D8B030D-6E8A-4147-A177-3AD203B41FA5}">
-                      <a16:colId xmlns:a16="http://schemas.microsoft.com/office/drawing/2014/main" val="3215204347"/>
+                      <a16:colId xmlns:a16="http://schemas.microsoft.com/office/drawing/2014/main" val="3358882209"/>
                     </a:ext>
                   </a:extLst>
                 </a:gridCol>
-                <a:gridCol w="1077673">
+                <a:gridCol w="613840">
                   <a:extLst>
                     <a:ext uri="{9D8B030D-6E8A-4147-A177-3AD203B41FA5}">
-                      <a16:colId xmlns:a16="http://schemas.microsoft.com/office/drawing/2014/main" val="3187372640"/>
+                      <a16:colId xmlns:a16="http://schemas.microsoft.com/office/drawing/2014/main" val="3513891930"/>
                     </a:ext>
                   </a:extLst>
                 </a:gridCol>
               </a:tblGrid>
-              <a:tr h="1051655">
+              <a:tr h="1006481">
                 <a:tc>
                   <a:txBody>
                     <a:bodyPr/>
                     <a:lstStyle/>
                     <a:p>
                       <a:pPr algn="l" fontAlgn="t"/>
-                      <a:br>
-                        <a:rPr lang="en-US" sz="1100">
-                          <a:effectLst/>
-                        </a:rPr>
-                      </a:br>
-                      <a:endParaRPr lang="en-US" sz="1100">
+                      <a:endParaRPr lang="en-US" sz="900" dirty="0">
                         <a:effectLst/>
                       </a:endParaRPr>
                     </a:p>
                   </a:txBody>
-                  <a:tcPr marL="57104" marR="57104" marT="39973" marB="39973">
-                    <a:lnL w="9525" cap="flat" cmpd="sng" algn="ctr">
-                      <a:solidFill>
-                        <a:srgbClr val="C1C7D0"/>
-                      </a:solidFill>
-                      <a:prstDash val="solid"/>
-                      <a:round/>
-                      <a:headEnd type="none" w="med" len="med"/>
-                      <a:tailEnd type="none" w="med" len="med"/>
-                    </a:lnL>
-                    <a:lnR w="9525" cap="flat" cmpd="sng" algn="ctr">
-                      <a:solidFill>
-                        <a:srgbClr val="C1C7D0"/>
-                      </a:solidFill>
-                      <a:prstDash val="solid"/>
-                      <a:round/>
-                      <a:headEnd type="none" w="med" len="med"/>
-                      <a:tailEnd type="none" w="med" len="med"/>
-                    </a:lnR>
-                    <a:lnT w="9525" cap="flat" cmpd="sng" algn="ctr">
-                      <a:solidFill>
-                        <a:srgbClr val="C1C7D0"/>
-                      </a:solidFill>
-                      <a:prstDash val="solid"/>
-                      <a:round/>
-                      <a:headEnd type="none" w="med" len="med"/>
-                      <a:tailEnd type="none" w="med" len="med"/>
-                    </a:lnT>
-                    <a:lnB w="9525" cap="flat" cmpd="sng" algn="ctr">
-                      <a:solidFill>
-                        <a:srgbClr val="C1C7D0"/>
-                      </a:solidFill>
-                      <a:prstDash val="solid"/>
-                      <a:round/>
-                      <a:headEnd type="none" w="med" len="med"/>
-                      <a:tailEnd type="none" w="med" len="med"/>
-                    </a:lnB>
-                    <a:noFill/>
-                  </a:tcPr>
+                  <a:tcPr marL="25230" marR="25230" marT="17661" marB="17661"/>
                 </a:tc>
                 <a:tc>
                   <a:txBody>
@@ -7414,7 +7865,7 @@
                     <a:p>
                       <a:pPr algn="l" fontAlgn="t"/>
                       <a:r>
-                        <a:rPr lang="en-US" sz="1100">
+                        <a:rPr lang="en-US" sz="900" dirty="0">
                           <a:effectLst/>
                         </a:rPr>
                         <a:t>GPU map of local FB</a:t>
@@ -7423,7 +7874,7 @@
                     <a:p>
                       <a:pPr algn="l" fontAlgn="t"/>
                       <a:r>
-                        <a:rPr lang="en-US" sz="1100">
+                        <a:rPr lang="en-US" sz="900" dirty="0">
                           <a:solidFill>
                             <a:srgbClr val="000000"/>
                           </a:solidFill>
@@ -7431,14 +7882,14 @@
                         </a:rPr>
                         <a:t>(A+A)</a:t>
                       </a:r>
-                      <a:endParaRPr lang="en-US" sz="1100">
+                      <a:endParaRPr lang="en-US" sz="900" dirty="0">
                         <a:effectLst/>
                       </a:endParaRPr>
                     </a:p>
                     <a:p>
                       <a:pPr algn="l" fontAlgn="t"/>
                       <a:r>
-                        <a:rPr lang="en-US" sz="1100">
+                        <a:rPr lang="en-US" sz="900" dirty="0">
                           <a:solidFill>
                             <a:srgbClr val="000000"/>
                           </a:solidFill>
@@ -7446,50 +7897,12 @@
                         </a:rPr>
                         <a:t>VMID0 is FB aperture (==NC)</a:t>
                       </a:r>
-                      <a:endParaRPr lang="en-US" sz="1100">
+                      <a:endParaRPr lang="en-US" sz="900" dirty="0">
                         <a:effectLst/>
                       </a:endParaRPr>
                     </a:p>
                   </a:txBody>
-                  <a:tcPr marL="57104" marR="57104" marT="39973" marB="39973">
-                    <a:lnL w="9525" cap="flat" cmpd="sng" algn="ctr">
-                      <a:solidFill>
-                        <a:srgbClr val="C1C7D0"/>
-                      </a:solidFill>
-                      <a:prstDash val="solid"/>
-                      <a:round/>
-                      <a:headEnd type="none" w="med" len="med"/>
-                      <a:tailEnd type="none" w="med" len="med"/>
-                    </a:lnL>
-                    <a:lnR w="9525" cap="flat" cmpd="sng" algn="ctr">
-                      <a:solidFill>
-                        <a:srgbClr val="C1C7D0"/>
-                      </a:solidFill>
-                      <a:prstDash val="solid"/>
-                      <a:round/>
-                      <a:headEnd type="none" w="med" len="med"/>
-                      <a:tailEnd type="none" w="med" len="med"/>
-                    </a:lnR>
-                    <a:lnT w="9525" cap="flat" cmpd="sng" algn="ctr">
-                      <a:solidFill>
-                        <a:srgbClr val="C1C7D0"/>
-                      </a:solidFill>
-                      <a:prstDash val="solid"/>
-                      <a:round/>
-                      <a:headEnd type="none" w="med" len="med"/>
-                      <a:tailEnd type="none" w="med" len="med"/>
-                    </a:lnT>
-                    <a:lnB w="9525" cap="flat" cmpd="sng" algn="ctr">
-                      <a:solidFill>
-                        <a:srgbClr val="C1C7D0"/>
-                      </a:solidFill>
-                      <a:prstDash val="solid"/>
-                      <a:round/>
-                      <a:headEnd type="none" w="med" len="med"/>
-                      <a:tailEnd type="none" w="med" len="med"/>
-                    </a:lnB>
-                    <a:noFill/>
-                  </a:tcPr>
+                  <a:tcPr marL="25230" marR="25230" marT="17661" marB="17661"/>
                 </a:tc>
                 <a:tc>
                   <a:txBody>
@@ -7498,7 +7911,7 @@
                     <a:p>
                       <a:pPr algn="l" fontAlgn="t"/>
                       <a:r>
-                        <a:rPr lang="en-US" sz="1100">
+                        <a:rPr lang="en-US" sz="900" dirty="0">
                           <a:solidFill>
                             <a:srgbClr val="000000"/>
                           </a:solidFill>
@@ -7506,29 +7919,126 @@
                         </a:rPr>
                         <a:t>GPU map of local FB</a:t>
                       </a:r>
-                      <a:endParaRPr lang="en-US" sz="1100">
+                      <a:endParaRPr lang="en-US" sz="900" dirty="0">
                         <a:effectLst/>
                       </a:endParaRPr>
                     </a:p>
                     <a:p>
                       <a:pPr algn="l" fontAlgn="t"/>
                       <a:r>
-                        <a:rPr lang="en-US" sz="1100">
+                        <a:rPr lang="en-US" sz="900" dirty="0">
                           <a:solidFill>
                             <a:srgbClr val="000000"/>
                           </a:solidFill>
                           <a:effectLst/>
                         </a:rPr>
-                        <a:t>(dGPU)</a:t>
+                        <a:t>(</a:t>
                       </a:r>
-                      <a:endParaRPr lang="en-US" sz="1100">
+                      <a:r>
+                        <a:rPr lang="en-US" sz="900" dirty="0" err="1">
+                          <a:solidFill>
+                            <a:srgbClr val="000000"/>
+                          </a:solidFill>
+                          <a:effectLst/>
+                        </a:rPr>
+                        <a:t>dGPU</a:t>
+                      </a:r>
+                      <a:r>
+                        <a:rPr lang="en-US" sz="900" dirty="0">
+                          <a:solidFill>
+                            <a:srgbClr val="000000"/>
+                          </a:solidFill>
+                          <a:effectLst/>
+                        </a:rPr>
+                        <a:t>)</a:t>
+                      </a:r>
+                      <a:endParaRPr lang="en-US" sz="900" dirty="0">
                         <a:effectLst/>
                       </a:endParaRPr>
                     </a:p>
                     <a:p>
                       <a:pPr algn="l" fontAlgn="t"/>
                       <a:r>
-                        <a:rPr lang="en-US" sz="1100">
+                        <a:rPr lang="en-US" sz="900" dirty="0">
+                          <a:solidFill>
+                            <a:srgbClr val="000000"/>
+                          </a:solidFill>
+                          <a:effectLst/>
+                        </a:rPr>
+                        <a:t>VMID0 is FB aperture (==NC)</a:t>
+                      </a:r>
+                      <a:endParaRPr lang="en-US" sz="900" dirty="0">
+                        <a:effectLst/>
+                      </a:endParaRPr>
+                    </a:p>
+                  </a:txBody>
+                  <a:tcPr marL="25230" marR="25230" marT="17661" marB="17661"/>
+                </a:tc>
+                <a:tc>
+                  <a:txBody>
+                    <a:bodyPr/>
+                    <a:lstStyle/>
+                    <a:p>
+                      <a:pPr algn="l" fontAlgn="t"/>
+                      <a:r>
+                        <a:rPr lang="en-US" sz="900" dirty="0">
+                          <a:solidFill>
+                            <a:srgbClr val="000000"/>
+                          </a:solidFill>
+                          <a:effectLst/>
+                        </a:rPr>
+                        <a:t>GPU map of remote FB through </a:t>
+                      </a:r>
+                      <a:r>
+                        <a:rPr lang="en-US" sz="900" dirty="0" err="1">
+                          <a:solidFill>
+                            <a:srgbClr val="000000"/>
+                          </a:solidFill>
+                          <a:effectLst/>
+                        </a:rPr>
+                        <a:t>xGMI</a:t>
+                      </a:r>
+                      <a:endParaRPr lang="en-US" sz="900" dirty="0">
+                        <a:effectLst/>
+                      </a:endParaRPr>
+                    </a:p>
+                    <a:p>
+                      <a:pPr algn="l" fontAlgn="t"/>
+                      <a:r>
+                        <a:rPr lang="en-US" sz="900" dirty="0">
+                          <a:solidFill>
+                            <a:srgbClr val="000000"/>
+                          </a:solidFill>
+                          <a:effectLst/>
+                        </a:rPr>
+                        <a:t>(A+A and </a:t>
+                      </a:r>
+                      <a:r>
+                        <a:rPr lang="en-US" sz="900" dirty="0" err="1">
+                          <a:solidFill>
+                            <a:srgbClr val="000000"/>
+                          </a:solidFill>
+                          <a:effectLst/>
+                        </a:rPr>
+                        <a:t>dGPU</a:t>
+                      </a:r>
+                      <a:r>
+                        <a:rPr lang="en-US" sz="900" dirty="0">
+                          <a:solidFill>
+                            <a:srgbClr val="000000"/>
+                          </a:solidFill>
+                          <a:effectLst/>
+                        </a:rPr>
+                        <a:t>)</a:t>
+                      </a:r>
+                      <a:endParaRPr lang="en-US" sz="900" dirty="0">
+                        <a:effectLst/>
+                      </a:endParaRPr>
+                    </a:p>
+                    <a:p>
+                      <a:pPr algn="l" fontAlgn="t"/>
+                      <a:r>
+                        <a:rPr lang="en-US" sz="900" dirty="0">
                           <a:solidFill>
                             <a:srgbClr val="000000"/>
                           </a:solidFill>
@@ -7537,57 +8047,25 @@
                         <a:t>VMID0 is FB aperture (==NC)</a:t>
                       </a:r>
                       <a:br>
-                        <a:rPr lang="en-US" sz="1100">
+                        <a:rPr lang="en-US" sz="900" dirty="0">
                           <a:solidFill>
                             <a:srgbClr val="000000"/>
                           </a:solidFill>
                           <a:effectLst/>
                         </a:rPr>
                       </a:br>
-                      <a:endParaRPr lang="en-US" sz="1100">
+                      <a:endParaRPr lang="en-US" sz="900" dirty="0">
+                        <a:effectLst/>
+                      </a:endParaRPr>
+                    </a:p>
+                    <a:p>
+                      <a:pPr algn="l" fontAlgn="t"/>
+                      <a:endParaRPr lang="en-US" sz="900" dirty="0">
                         <a:effectLst/>
                       </a:endParaRPr>
                     </a:p>
                   </a:txBody>
-                  <a:tcPr marL="57104" marR="57104" marT="39973" marB="39973">
-                    <a:lnL w="9525" cap="flat" cmpd="sng" algn="ctr">
-                      <a:solidFill>
-                        <a:srgbClr val="C1C7D0"/>
-                      </a:solidFill>
-                      <a:prstDash val="solid"/>
-                      <a:round/>
-                      <a:headEnd type="none" w="med" len="med"/>
-                      <a:tailEnd type="none" w="med" len="med"/>
-                    </a:lnL>
-                    <a:lnR w="9525" cap="flat" cmpd="sng" algn="ctr">
-                      <a:solidFill>
-                        <a:srgbClr val="C1C7D0"/>
-                      </a:solidFill>
-                      <a:prstDash val="solid"/>
-                      <a:round/>
-                      <a:headEnd type="none" w="med" len="med"/>
-                      <a:tailEnd type="none" w="med" len="med"/>
-                    </a:lnR>
-                    <a:lnT w="9525" cap="flat" cmpd="sng" algn="ctr">
-                      <a:solidFill>
-                        <a:srgbClr val="C1C7D0"/>
-                      </a:solidFill>
-                      <a:prstDash val="solid"/>
-                      <a:round/>
-                      <a:headEnd type="none" w="med" len="med"/>
-                      <a:tailEnd type="none" w="med" len="med"/>
-                    </a:lnT>
-                    <a:lnB w="9525" cap="flat" cmpd="sng" algn="ctr">
-                      <a:solidFill>
-                        <a:srgbClr val="C1C7D0"/>
-                      </a:solidFill>
-                      <a:prstDash val="solid"/>
-                      <a:round/>
-                      <a:headEnd type="none" w="med" len="med"/>
-                      <a:tailEnd type="none" w="med" len="med"/>
-                    </a:lnB>
-                    <a:noFill/>
-                  </a:tcPr>
+                  <a:tcPr marL="25230" marR="25230" marT="17661" marB="17661"/>
                 </a:tc>
                 <a:tc>
                   <a:txBody>
@@ -7596,96 +8074,41 @@
                     <a:p>
                       <a:pPr algn="l" fontAlgn="t"/>
                       <a:r>
-                        <a:rPr lang="en-US" sz="1100">
-                          <a:solidFill>
-                            <a:srgbClr val="000000"/>
-                          </a:solidFill>
+                        <a:rPr lang="en-US" sz="900" dirty="0">
                           <a:effectLst/>
                         </a:rPr>
-                        <a:t>GPU map of remote FB through xGMI</a:t>
+                        <a:t>GPU map of remote FB through PCIe</a:t>
                       </a:r>
-                      <a:endParaRPr lang="en-US" sz="1100">
-                        <a:effectLst/>
-                      </a:endParaRPr>
                     </a:p>
                     <a:p>
                       <a:pPr algn="l" fontAlgn="t"/>
                       <a:r>
-                        <a:rPr lang="en-US" sz="1100">
-                          <a:solidFill>
-                            <a:srgbClr val="000000"/>
-                          </a:solidFill>
+                        <a:rPr lang="en-US" sz="900" dirty="0">
                           <a:effectLst/>
                         </a:rPr>
-                        <a:t>(A+A and dGPU)</a:t>
+                        <a:t>(</a:t>
                       </a:r>
-                      <a:endParaRPr lang="en-US" sz="1100">
-                        <a:effectLst/>
-                      </a:endParaRPr>
+                      <a:r>
+                        <a:rPr lang="en-US" sz="900" dirty="0" err="1">
+                          <a:effectLst/>
+                        </a:rPr>
+                        <a:t>dGPU</a:t>
+                      </a:r>
+                      <a:r>
+                        <a:rPr lang="en-US" sz="900" dirty="0">
+                          <a:effectLst/>
+                        </a:rPr>
+                        <a:t>, HDP path)</a:t>
+                      </a:r>
                     </a:p>
                     <a:p>
                       <a:pPr algn="l" fontAlgn="t"/>
-                      <a:r>
-                        <a:rPr lang="en-US" sz="1100">
-                          <a:solidFill>
-                            <a:srgbClr val="000000"/>
-                          </a:solidFill>
-                          <a:effectLst/>
-                        </a:rPr>
-                        <a:t>VMID0 is FB aperture (==NC)</a:t>
-                      </a:r>
-                      <a:br>
-                        <a:rPr lang="en-US" sz="1100">
-                          <a:solidFill>
-                            <a:srgbClr val="000000"/>
-                          </a:solidFill>
-                          <a:effectLst/>
-                        </a:rPr>
-                      </a:br>
-                      <a:endParaRPr lang="en-US" sz="1100">
+                      <a:endParaRPr lang="en-US" sz="900" dirty="0">
                         <a:effectLst/>
                       </a:endParaRPr>
                     </a:p>
                   </a:txBody>
-                  <a:tcPr marL="57104" marR="57104" marT="39973" marB="39973">
-                    <a:lnL w="9525" cap="flat" cmpd="sng" algn="ctr">
-                      <a:solidFill>
-                        <a:srgbClr val="C1C7D0"/>
-                      </a:solidFill>
-                      <a:prstDash val="solid"/>
-                      <a:round/>
-                      <a:headEnd type="none" w="med" len="med"/>
-                      <a:tailEnd type="none" w="med" len="med"/>
-                    </a:lnL>
-                    <a:lnR w="9525" cap="flat" cmpd="sng" algn="ctr">
-                      <a:solidFill>
-                        <a:srgbClr val="C1C7D0"/>
-                      </a:solidFill>
-                      <a:prstDash val="solid"/>
-                      <a:round/>
-                      <a:headEnd type="none" w="med" len="med"/>
-                      <a:tailEnd type="none" w="med" len="med"/>
-                    </a:lnR>
-                    <a:lnT w="9525" cap="flat" cmpd="sng" algn="ctr">
-                      <a:solidFill>
-                        <a:srgbClr val="C1C7D0"/>
-                      </a:solidFill>
-                      <a:prstDash val="solid"/>
-                      <a:round/>
-                      <a:headEnd type="none" w="med" len="med"/>
-                      <a:tailEnd type="none" w="med" len="med"/>
-                    </a:lnT>
-                    <a:lnB w="9525" cap="flat" cmpd="sng" algn="ctr">
-                      <a:solidFill>
-                        <a:srgbClr val="C1C7D0"/>
-                      </a:solidFill>
-                      <a:prstDash val="solid"/>
-                      <a:round/>
-                      <a:headEnd type="none" w="med" len="med"/>
-                      <a:tailEnd type="none" w="med" len="med"/>
-                    </a:lnB>
-                    <a:noFill/>
-                  </a:tcPr>
+                  <a:tcPr marL="25230" marR="25230" marT="17661" marB="17661"/>
                 </a:tc>
                 <a:tc>
                   <a:txBody>
@@ -7694,61 +8117,53 @@
                     <a:p>
                       <a:pPr algn="l" fontAlgn="t"/>
                       <a:r>
-                        <a:rPr lang="en-US" sz="1100">
+                        <a:rPr lang="en-US" sz="900" dirty="0">
                           <a:effectLst/>
                         </a:rPr>
-                        <a:t>GPU map of remote FB through PCIe</a:t>
+                        <a:t>SDMA access FB</a:t>
                       </a:r>
                     </a:p>
                     <a:p>
                       <a:pPr algn="l" fontAlgn="t"/>
                       <a:r>
-                        <a:rPr lang="en-US" sz="1100">
+                        <a:rPr lang="en-US" sz="900" dirty="0">
+                          <a:solidFill>
+                            <a:srgbClr val="000000"/>
+                          </a:solidFill>
                           <a:effectLst/>
                         </a:rPr>
-                        <a:t>(dGPU, HDP path)</a:t>
+                        <a:t>(A+A and </a:t>
                       </a:r>
+                      <a:r>
+                        <a:rPr lang="en-US" sz="900" dirty="0" err="1">
+                          <a:solidFill>
+                            <a:srgbClr val="000000"/>
+                          </a:solidFill>
+                          <a:effectLst/>
+                        </a:rPr>
+                        <a:t>dGPU</a:t>
+                      </a:r>
+                      <a:r>
+                        <a:rPr lang="en-US" sz="900" dirty="0">
+                          <a:solidFill>
+                            <a:srgbClr val="000000"/>
+                          </a:solidFill>
+                          <a:effectLst/>
+                        </a:rPr>
+                        <a:t>)</a:t>
+                      </a:r>
+                      <a:endParaRPr lang="en-US" sz="900" dirty="0">
+                        <a:effectLst/>
+                      </a:endParaRPr>
+                    </a:p>
+                    <a:p>
+                      <a:pPr algn="l" fontAlgn="t"/>
+                      <a:endParaRPr lang="en-US" sz="900" dirty="0">
+                        <a:effectLst/>
+                      </a:endParaRPr>
                     </a:p>
                   </a:txBody>
-                  <a:tcPr marL="57104" marR="57104" marT="39973" marB="39973">
-                    <a:lnL w="9525" cap="flat" cmpd="sng" algn="ctr">
-                      <a:solidFill>
-                        <a:srgbClr val="C1C7D0"/>
-                      </a:solidFill>
-                      <a:prstDash val="solid"/>
-                      <a:round/>
-                      <a:headEnd type="none" w="med" len="med"/>
-                      <a:tailEnd type="none" w="med" len="med"/>
-                    </a:lnL>
-                    <a:lnR w="9525" cap="flat" cmpd="sng" algn="ctr">
-                      <a:solidFill>
-                        <a:srgbClr val="C1C7D0"/>
-                      </a:solidFill>
-                      <a:prstDash val="solid"/>
-                      <a:round/>
-                      <a:headEnd type="none" w="med" len="med"/>
-                      <a:tailEnd type="none" w="med" len="med"/>
-                    </a:lnR>
-                    <a:lnT w="9525" cap="flat" cmpd="sng" algn="ctr">
-                      <a:solidFill>
-                        <a:srgbClr val="C1C7D0"/>
-                      </a:solidFill>
-                      <a:prstDash val="solid"/>
-                      <a:round/>
-                      <a:headEnd type="none" w="med" len="med"/>
-                      <a:tailEnd type="none" w="med" len="med"/>
-                    </a:lnT>
-                    <a:lnB w="9525" cap="flat" cmpd="sng" algn="ctr">
-                      <a:solidFill>
-                        <a:srgbClr val="C1C7D0"/>
-                      </a:solidFill>
-                      <a:prstDash val="solid"/>
-                      <a:round/>
-                      <a:headEnd type="none" w="med" len="med"/>
-                      <a:tailEnd type="none" w="med" len="med"/>
-                    </a:lnB>
-                    <a:noFill/>
-                  </a:tcPr>
+                  <a:tcPr marL="25230" marR="25230" marT="17661" marB="17661"/>
                 </a:tc>
                 <a:tc>
                   <a:txBody>
@@ -7757,25 +8172,104 @@
                     <a:p>
                       <a:pPr algn="l" fontAlgn="t"/>
                       <a:r>
-                        <a:rPr lang="en-US" sz="1100" dirty="0">
-                          <a:effectLst/>
-                        </a:rPr>
-                        <a:t>SDMA access FB</a:t>
-                      </a:r>
-                    </a:p>
-                    <a:p>
-                      <a:pPr algn="l" fontAlgn="t"/>
-                      <a:r>
-                        <a:rPr lang="en-US" sz="1100" dirty="0">
+                        <a:rPr lang="en-US" sz="900" dirty="0">
                           <a:solidFill>
                             <a:srgbClr val="000000"/>
                           </a:solidFill>
                           <a:effectLst/>
                         </a:rPr>
-                        <a:t>(A+A and </a:t>
+                        <a:t>CPU map of FB through </a:t>
                       </a:r>
                       <a:r>
-                        <a:rPr lang="en-US" sz="1100" dirty="0" err="1">
+                        <a:rPr lang="en-US" sz="900" dirty="0" err="1">
+                          <a:solidFill>
+                            <a:srgbClr val="000000"/>
+                          </a:solidFill>
+                          <a:effectLst/>
+                        </a:rPr>
+                        <a:t>xGMI</a:t>
+                      </a:r>
+                      <a:r>
+                        <a:rPr lang="en-US" sz="900" dirty="0">
+                          <a:solidFill>
+                            <a:srgbClr val="000000"/>
+                          </a:solidFill>
+                          <a:effectLst/>
+                        </a:rPr>
+                        <a:t> (A+A mode)</a:t>
+                      </a:r>
+                      <a:endParaRPr lang="en-US" sz="900" dirty="0">
+                        <a:effectLst/>
+                      </a:endParaRPr>
+                    </a:p>
+                    <a:p>
+                      <a:pPr algn="l" fontAlgn="t"/>
+                      <a:r>
+                        <a:rPr lang="en-US" sz="900" dirty="0">
+                          <a:solidFill>
+                            <a:srgbClr val="000000"/>
+                          </a:solidFill>
+                          <a:effectLst/>
+                        </a:rPr>
+                        <a:t>(HW managed </a:t>
+                      </a:r>
+                      <a:r>
+                        <a:rPr lang="en-US" sz="900" dirty="0" err="1">
+                          <a:solidFill>
+                            <a:srgbClr val="000000"/>
+                          </a:solidFill>
+                          <a:effectLst/>
+                        </a:rPr>
+                        <a:t>coherece</a:t>
+                      </a:r>
+                      <a:r>
+                        <a:rPr lang="en-US" sz="900" dirty="0">
+                          <a:solidFill>
+                            <a:srgbClr val="000000"/>
+                          </a:solidFill>
+                          <a:effectLst/>
+                        </a:rPr>
+                        <a:t>)</a:t>
+                      </a:r>
+                      <a:endParaRPr lang="en-US" sz="900" dirty="0">
+                        <a:effectLst/>
+                      </a:endParaRPr>
+                    </a:p>
+                  </a:txBody>
+                  <a:tcPr marL="25230" marR="25230" marT="17661" marB="17661"/>
+                </a:tc>
+                <a:tc>
+                  <a:txBody>
+                    <a:bodyPr/>
+                    <a:lstStyle/>
+                    <a:p>
+                      <a:pPr algn="l" fontAlgn="t"/>
+                      <a:r>
+                        <a:rPr lang="en-US" sz="900" b="1" dirty="0">
+                          <a:solidFill>
+                            <a:srgbClr val="000000"/>
+                          </a:solidFill>
+                          <a:effectLst/>
+                        </a:rPr>
+                        <a:t>CPU map of FB through PCIe</a:t>
+                      </a:r>
+                      <a:endParaRPr lang="en-US" sz="900" b="1" dirty="0">
+                        <a:effectLst/>
+                      </a:endParaRPr>
+                    </a:p>
+                    <a:p>
+                      <a:pPr algn="l" fontAlgn="t"/>
+                      <a:r>
+                        <a:rPr lang="en-US" sz="900" b="1" dirty="0">
+                          <a:solidFill>
+                            <a:srgbClr val="000000"/>
+                          </a:solidFill>
+                          <a:effectLst/>
+                        </a:rPr>
+                        <a:t>(</a:t>
+                      </a:r>
+                      <a:r>
+                        <a:rPr lang="en-US" sz="900" b="1" dirty="0" err="1">
                           <a:solidFill>
                             <a:srgbClr val="000000"/>
                           </a:solidFill>
@@ -7784,58 +8278,26 @@
                         <a:t>dGPU</a:t>
                       </a:r>
                       <a:r>
-                        <a:rPr lang="en-US" sz="1100" dirty="0">
+                        <a:rPr lang="en-US" sz="900" b="1" dirty="0">
                           <a:solidFill>
                             <a:srgbClr val="000000"/>
                           </a:solidFill>
                           <a:effectLst/>
                         </a:rPr>
-                        <a:t>)</a:t>
+                        <a:t>, no caching)</a:t>
                       </a:r>
-                      <a:endParaRPr lang="en-US" sz="1100" dirty="0">
+                      <a:endParaRPr lang="en-US" sz="900" b="1" dirty="0">
+                        <a:effectLst/>
+                      </a:endParaRPr>
+                    </a:p>
+                    <a:p>
+                      <a:pPr algn="l" fontAlgn="t"/>
+                      <a:endParaRPr lang="en-US" sz="900" dirty="0">
                         <a:effectLst/>
                       </a:endParaRPr>
                     </a:p>
                   </a:txBody>
-                  <a:tcPr marL="57104" marR="57104" marT="39973" marB="39973">
-                    <a:lnL w="9525" cap="flat" cmpd="sng" algn="ctr">
-                      <a:solidFill>
-                        <a:srgbClr val="C1C7D0"/>
-                      </a:solidFill>
-                      <a:prstDash val="solid"/>
-                      <a:round/>
-                      <a:headEnd type="none" w="med" len="med"/>
-                      <a:tailEnd type="none" w="med" len="med"/>
-                    </a:lnL>
-                    <a:lnR w="9525" cap="flat" cmpd="sng" algn="ctr">
-                      <a:solidFill>
-                        <a:srgbClr val="C1C7D0"/>
-                      </a:solidFill>
-                      <a:prstDash val="solid"/>
-                      <a:round/>
-                      <a:headEnd type="none" w="med" len="med"/>
-                      <a:tailEnd type="none" w="med" len="med"/>
-                    </a:lnR>
-                    <a:lnT w="9525" cap="flat" cmpd="sng" algn="ctr">
-                      <a:solidFill>
-                        <a:srgbClr val="C1C7D0"/>
-                      </a:solidFill>
-                      <a:prstDash val="solid"/>
-                      <a:round/>
-                      <a:headEnd type="none" w="med" len="med"/>
-                      <a:tailEnd type="none" w="med" len="med"/>
-                    </a:lnT>
-                    <a:lnB w="9525" cap="flat" cmpd="sng" algn="ctr">
-                      <a:solidFill>
-                        <a:srgbClr val="C1C7D0"/>
-                      </a:solidFill>
-                      <a:prstDash val="solid"/>
-                      <a:round/>
-                      <a:headEnd type="none" w="med" len="med"/>
-                      <a:tailEnd type="none" w="med" len="med"/>
-                    </a:lnB>
-                    <a:noFill/>
-                  </a:tcPr>
+                  <a:tcPr marL="25230" marR="25230" marT="17661" marB="17661"/>
                 </a:tc>
                 <a:tc>
                   <a:txBody>
@@ -7844,73 +8306,71 @@
                     <a:p>
                       <a:pPr algn="l" fontAlgn="t"/>
                       <a:r>
-                        <a:rPr lang="en-US" sz="1100">
-                          <a:solidFill>
-                            <a:srgbClr val="000000"/>
-                          </a:solidFill>
+                        <a:rPr lang="en-US" sz="900" b="1" dirty="0">
                           <a:effectLst/>
                         </a:rPr>
-                        <a:t>CPU map of FB through xGMI (A+A mode)</a:t>
+                        <a:t>GPU map of </a:t>
                       </a:r>
-                      <a:endParaRPr lang="en-US" sz="1100">
+                      <a:r>
+                        <a:rPr lang="en-US" sz="900" b="1" dirty="0" err="1">
+                          <a:effectLst/>
+                        </a:rPr>
+                        <a:t>sysmem</a:t>
+                      </a:r>
+                      <a:r>
+                        <a:rPr lang="en-US" sz="900" b="1" dirty="0">
+                          <a:effectLst/>
+                        </a:rPr>
+                        <a:t> </a:t>
+                      </a:r>
+                      <a:r>
+                        <a:rPr lang="en-US" sz="900" b="1" dirty="0" err="1">
+                          <a:effectLst/>
+                        </a:rPr>
+                        <a:t>throug</a:t>
+                      </a:r>
+                      <a:r>
+                        <a:rPr lang="en-US" sz="900" b="1" dirty="0">
+                          <a:effectLst/>
+                        </a:rPr>
+                        <a:t> </a:t>
+                      </a:r>
+                      <a:r>
+                        <a:rPr lang="en-US" sz="900" b="1" dirty="0" err="1">
+                          <a:effectLst/>
+                        </a:rPr>
+                        <a:t>xGMI</a:t>
+                      </a:r>
+                      <a:endParaRPr lang="en-US" sz="900" b="1" dirty="0">
                         <a:effectLst/>
                       </a:endParaRPr>
                     </a:p>
                     <a:p>
                       <a:pPr algn="l" fontAlgn="t"/>
                       <a:r>
-                        <a:rPr lang="en-US" sz="1100">
-                          <a:solidFill>
-                            <a:srgbClr val="000000"/>
-                          </a:solidFill>
+                        <a:rPr lang="en-US" sz="900" b="1" dirty="0">
                           <a:effectLst/>
                         </a:rPr>
-                        <a:t>(HW managed coherece)</a:t>
+                        <a:t>(A+A)</a:t>
                       </a:r>
-                      <a:endParaRPr lang="en-US" sz="1100">
+                    </a:p>
+                    <a:p>
+                      <a:pPr algn="l" fontAlgn="t"/>
+                      <a:r>
+                        <a:rPr lang="en-US" sz="900" b="1" dirty="0">
+                          <a:effectLst/>
+                        </a:rPr>
+                        <a:t>vmid0 is UC(explore NC)</a:t>
+                      </a:r>
+                    </a:p>
+                    <a:p>
+                      <a:pPr algn="l" fontAlgn="t"/>
+                      <a:endParaRPr lang="en-US" sz="900" dirty="0">
                         <a:effectLst/>
                       </a:endParaRPr>
                     </a:p>
                   </a:txBody>
-                  <a:tcPr marL="57104" marR="57104" marT="39973" marB="39973">
-                    <a:lnL w="9525" cap="flat" cmpd="sng" algn="ctr">
-                      <a:solidFill>
-                        <a:srgbClr val="C1C7D0"/>
-                      </a:solidFill>
-                      <a:prstDash val="solid"/>
-                      <a:round/>
-                      <a:headEnd type="none" w="med" len="med"/>
-                      <a:tailEnd type="none" w="med" len="med"/>
-                    </a:lnL>
-                    <a:lnR w="9525" cap="flat" cmpd="sng" algn="ctr">
-                      <a:solidFill>
-                        <a:srgbClr val="C1C7D0"/>
-                      </a:solidFill>
-                      <a:prstDash val="solid"/>
-                      <a:round/>
-                      <a:headEnd type="none" w="med" len="med"/>
-                      <a:tailEnd type="none" w="med" len="med"/>
-                    </a:lnR>
-                    <a:lnT w="9525" cap="flat" cmpd="sng" algn="ctr">
-                      <a:solidFill>
-                        <a:srgbClr val="C1C7D0"/>
-                      </a:solidFill>
-                      <a:prstDash val="solid"/>
-                      <a:round/>
-                      <a:headEnd type="none" w="med" len="med"/>
-                      <a:tailEnd type="none" w="med" len="med"/>
-                    </a:lnT>
-                    <a:lnB w="9525" cap="flat" cmpd="sng" algn="ctr">
-                      <a:solidFill>
-                        <a:srgbClr val="C1C7D0"/>
-                      </a:solidFill>
-                      <a:prstDash val="solid"/>
-                      <a:round/>
-                      <a:headEnd type="none" w="med" len="med"/>
-                      <a:tailEnd type="none" w="med" len="med"/>
-                    </a:lnB>
-                    <a:noFill/>
-                  </a:tcPr>
+                  <a:tcPr marL="25230" marR="25230" marT="17661" marB="17661"/>
                 </a:tc>
                 <a:tc>
                   <a:txBody>
@@ -7919,73 +8379,47 @@
                     <a:p>
                       <a:pPr algn="l" fontAlgn="t"/>
                       <a:r>
-                        <a:rPr lang="en-US" sz="1100">
-                          <a:solidFill>
-                            <a:srgbClr val="000000"/>
-                          </a:solidFill>
+                        <a:rPr lang="en-US" sz="900" b="1" dirty="0">
                           <a:effectLst/>
                         </a:rPr>
-                        <a:t>CPU map of FB through PCIe</a:t>
+                        <a:t>GPU map of </a:t>
                       </a:r>
-                      <a:endParaRPr lang="en-US" sz="1100">
-                        <a:effectLst/>
-                      </a:endParaRPr>
+                      <a:r>
+                        <a:rPr lang="en-US" sz="900" b="1" dirty="0" err="1">
+                          <a:effectLst/>
+                        </a:rPr>
+                        <a:t>sysmem</a:t>
+                      </a:r>
+                      <a:r>
+                        <a:rPr lang="en-US" sz="900" b="1" dirty="0">
+                          <a:effectLst/>
+                        </a:rPr>
+                        <a:t> through PCIe (</a:t>
+                      </a:r>
+                      <a:r>
+                        <a:rPr lang="en-US" sz="900" b="1" dirty="0" err="1">
+                          <a:effectLst/>
+                        </a:rPr>
+                        <a:t>dGPU</a:t>
+                      </a:r>
+                      <a:r>
+                        <a:rPr lang="en-US" sz="900" b="1" dirty="0">
+                          <a:effectLst/>
+                        </a:rPr>
+                        <a:t>)</a:t>
+                      </a:r>
                     </a:p>
                     <a:p>
                       <a:pPr algn="l" fontAlgn="t"/>
                       <a:r>
-                        <a:rPr lang="en-US" sz="1100">
-                          <a:solidFill>
-                            <a:srgbClr val="000000"/>
-                          </a:solidFill>
+                        <a:rPr lang="en-US" sz="900" b="1" dirty="0">
                           <a:effectLst/>
                         </a:rPr>
-                        <a:t>(dGPU, no caching)</a:t>
+                        <a:t>vmid0 is UC</a:t>
                       </a:r>
-                      <a:endParaRPr lang="en-US" sz="1100">
-                        <a:effectLst/>
-                      </a:endParaRPr>
                     </a:p>
                   </a:txBody>
-                  <a:tcPr marL="57104" marR="57104" marT="39973" marB="39973">
-                    <a:lnL w="9525" cap="flat" cmpd="sng" algn="ctr">
-                      <a:solidFill>
-                        <a:srgbClr val="C1C7D0"/>
-                      </a:solidFill>
-                      <a:prstDash val="solid"/>
-                      <a:round/>
-                      <a:headEnd type="none" w="med" len="med"/>
-                      <a:tailEnd type="none" w="med" len="med"/>
-                    </a:lnL>
-                    <a:lnR w="9525" cap="flat" cmpd="sng" algn="ctr">
-                      <a:solidFill>
-                        <a:srgbClr val="C1C7D0"/>
-                      </a:solidFill>
-                      <a:prstDash val="solid"/>
-                      <a:round/>
-                      <a:headEnd type="none" w="med" len="med"/>
-                      <a:tailEnd type="none" w="med" len="med"/>
-                    </a:lnR>
-                    <a:lnT w="9525" cap="flat" cmpd="sng" algn="ctr">
-                      <a:solidFill>
-                        <a:srgbClr val="C1C7D0"/>
-                      </a:solidFill>
-                      <a:prstDash val="solid"/>
-                      <a:round/>
-                      <a:headEnd type="none" w="med" len="med"/>
-                      <a:tailEnd type="none" w="med" len="med"/>
-                    </a:lnT>
-                    <a:lnB w="9525" cap="flat" cmpd="sng" algn="ctr">
-                      <a:solidFill>
-                        <a:srgbClr val="C1C7D0"/>
-                      </a:solidFill>
-                      <a:prstDash val="solid"/>
-                      <a:round/>
-                      <a:headEnd type="none" w="med" len="med"/>
-                      <a:tailEnd type="none" w="med" len="med"/>
-                    </a:lnB>
-                    <a:noFill/>
-                  </a:tcPr>
+                  <a:tcPr marL="25230" marR="25230" marT="17661" marB="17661"/>
                 </a:tc>
                 <a:tc>
                   <a:txBody>
@@ -7994,70 +8428,70 @@
                     <a:p>
                       <a:pPr algn="l" fontAlgn="t"/>
                       <a:r>
-                        <a:rPr lang="en-US" sz="1100">
+                        <a:rPr lang="en-US" sz="900" dirty="0">
                           <a:effectLst/>
                         </a:rPr>
-                        <a:t>GPU map of sysmem throug xGMI</a:t>
+                        <a:t>CPU map of </a:t>
                       </a:r>
+                      <a:r>
+                        <a:rPr lang="en-US" sz="900" dirty="0" err="1">
+                          <a:effectLst/>
+                        </a:rPr>
+                        <a:t>sysmem</a:t>
+                      </a:r>
+                      <a:endParaRPr lang="en-US" sz="900" dirty="0">
+                        <a:effectLst/>
+                      </a:endParaRPr>
                     </a:p>
                     <a:p>
                       <a:pPr algn="l" fontAlgn="t"/>
                       <a:r>
-                        <a:rPr lang="en-US" sz="1100">
+                        <a:rPr lang="en-US" sz="900" dirty="0">
                           <a:effectLst/>
                         </a:rPr>
-                        <a:t>(A+A)</a:t>
+                        <a:t>(</a:t>
+                      </a:r>
+                      <a:r>
+                        <a:rPr lang="en-US" sz="900" dirty="0" err="1">
+                          <a:effectLst/>
+                        </a:rPr>
+                        <a:t>dGPU</a:t>
+                      </a:r>
+                      <a:r>
+                        <a:rPr lang="en-US" sz="900" dirty="0">
+                          <a:effectLst/>
+                        </a:rPr>
+                        <a:t> and A+A)</a:t>
                       </a:r>
                     </a:p>
                     <a:p>
+                      <a:endParaRPr lang="en-US" sz="900" dirty="0"/>
+                    </a:p>
+                  </a:txBody>
+                  <a:tcPr marL="30276" marR="30276" marT="15138" marB="15138"/>
+                </a:tc>
+                <a:extLst>
+                  <a:ext uri="{0D108BD9-81ED-4DB2-BD59-A6C34878D82A}">
+                    <a16:rowId xmlns:a16="http://schemas.microsoft.com/office/drawing/2014/main" val="1165641820"/>
+                  </a:ext>
+                </a:extLst>
+              </a:tr>
+              <a:tr h="872343">
+                <a:tc>
+                  <a:txBody>
+                    <a:bodyPr/>
+                    <a:lstStyle/>
+                    <a:p>
                       <a:pPr algn="l" fontAlgn="t"/>
                       <a:r>
-                        <a:rPr lang="en-US" sz="1100">
+                        <a:rPr lang="en-US" sz="900" dirty="0">
                           <a:effectLst/>
                         </a:rPr>
-                        <a:t>vmid0 is UC(explore NC)</a:t>
+                        <a:t>Coarse grain</a:t>
                       </a:r>
                     </a:p>
                   </a:txBody>
-                  <a:tcPr marL="57104" marR="57104" marT="39973" marB="39973">
-                    <a:lnL w="9525" cap="flat" cmpd="sng" algn="ctr">
-                      <a:solidFill>
-                        <a:srgbClr val="C1C7D0"/>
-                      </a:solidFill>
-                      <a:prstDash val="solid"/>
-                      <a:round/>
-                      <a:headEnd type="none" w="med" len="med"/>
-                      <a:tailEnd type="none" w="med" len="med"/>
-                    </a:lnL>
-                    <a:lnR w="9525" cap="flat" cmpd="sng" algn="ctr">
-                      <a:solidFill>
-                        <a:srgbClr val="C1C7D0"/>
-                      </a:solidFill>
-                      <a:prstDash val="solid"/>
-                      <a:round/>
-                      <a:headEnd type="none" w="med" len="med"/>
-                      <a:tailEnd type="none" w="med" len="med"/>
-                    </a:lnR>
-                    <a:lnT w="9525" cap="flat" cmpd="sng" algn="ctr">
-                      <a:solidFill>
-                        <a:srgbClr val="C1C7D0"/>
-                      </a:solidFill>
-                      <a:prstDash val="solid"/>
-                      <a:round/>
-                      <a:headEnd type="none" w="med" len="med"/>
-                      <a:tailEnd type="none" w="med" len="med"/>
-                    </a:lnT>
-                    <a:lnB w="9525" cap="flat" cmpd="sng" algn="ctr">
-                      <a:solidFill>
-                        <a:srgbClr val="C1C7D0"/>
-                      </a:solidFill>
-                      <a:prstDash val="solid"/>
-                      <a:round/>
-                      <a:headEnd type="none" w="med" len="med"/>
-                      <a:tailEnd type="none" w="med" len="med"/>
-                    </a:lnB>
-                    <a:noFill/>
-                  </a:tcPr>
+                  <a:tcPr marL="25230" marR="25230" marT="17661" marB="17661"/>
                 </a:tc>
                 <a:tc>
                   <a:txBody>
@@ -8066,69 +8500,37 @@
                     <a:p>
                       <a:pPr algn="l" fontAlgn="t"/>
                       <a:r>
-                        <a:rPr lang="en-US" sz="1100">
+                        <a:rPr lang="en-US" sz="900" strike="sngStrike">
                           <a:effectLst/>
                         </a:rPr>
-                        <a:t>GPU map of sysmem through PCIe (dGPU)</a:t>
+                        <a:t>option 1: NC</a:t>
+                      </a:r>
+                      <a:endParaRPr lang="en-US" sz="900">
+                        <a:effectLst/>
+                      </a:endParaRPr>
+                    </a:p>
+                    <a:p>
+                      <a:pPr algn="l" fontAlgn="t"/>
+                      <a:r>
+                        <a:rPr lang="en-US" sz="900">
+                          <a:effectLst/>
+                        </a:rPr>
+                        <a:t>option 2: RW (+C to probe CPU)</a:t>
                       </a:r>
                     </a:p>
                     <a:p>
                       <a:pPr algn="l" fontAlgn="t"/>
-                      <a:r>
-                        <a:rPr lang="en-US" sz="1100">
-                          <a:effectLst/>
-                        </a:rPr>
-                        <a:t>vmid0 is UC</a:t>
-                      </a:r>
                       <a:br>
-                        <a:rPr lang="en-US" sz="1100">
+                        <a:rPr lang="en-US" sz="900">
                           <a:effectLst/>
                         </a:rPr>
                       </a:br>
-                      <a:endParaRPr lang="en-US" sz="1100">
+                      <a:endParaRPr lang="en-US" sz="900">
                         <a:effectLst/>
                       </a:endParaRPr>
                     </a:p>
                   </a:txBody>
-                  <a:tcPr marL="57104" marR="57104" marT="39973" marB="39973">
-                    <a:lnL w="9525" cap="flat" cmpd="sng" algn="ctr">
-                      <a:solidFill>
-                        <a:srgbClr val="C1C7D0"/>
-                      </a:solidFill>
-                      <a:prstDash val="solid"/>
-                      <a:round/>
-                      <a:headEnd type="none" w="med" len="med"/>
-                      <a:tailEnd type="none" w="med" len="med"/>
-                    </a:lnL>
-                    <a:lnR w="9525" cap="flat" cmpd="sng" algn="ctr">
-                      <a:solidFill>
-                        <a:srgbClr val="C1C7D0"/>
-                      </a:solidFill>
-                      <a:prstDash val="solid"/>
-                      <a:round/>
-                      <a:headEnd type="none" w="med" len="med"/>
-                      <a:tailEnd type="none" w="med" len="med"/>
-                    </a:lnR>
-                    <a:lnT w="9525" cap="flat" cmpd="sng" algn="ctr">
-                      <a:solidFill>
-                        <a:srgbClr val="C1C7D0"/>
-                      </a:solidFill>
-                      <a:prstDash val="solid"/>
-                      <a:round/>
-                      <a:headEnd type="none" w="med" len="med"/>
-                      <a:tailEnd type="none" w="med" len="med"/>
-                    </a:lnT>
-                    <a:lnB w="9525" cap="flat" cmpd="sng" algn="ctr">
-                      <a:solidFill>
-                        <a:srgbClr val="C1C7D0"/>
-                      </a:solidFill>
-                      <a:prstDash val="solid"/>
-                      <a:round/>
-                      <a:headEnd type="none" w="med" len="med"/>
-                      <a:tailEnd type="none" w="med" len="med"/>
-                    </a:lnB>
-                    <a:noFill/>
-                  </a:tcPr>
+                  <a:tcPr marL="25230" marR="25230" marT="17661" marB="17661"/>
                 </a:tc>
                 <a:tc>
                   <a:txBody>
@@ -8137,122 +8539,35 @@
                     <a:p>
                       <a:pPr algn="l" fontAlgn="t"/>
                       <a:r>
-                        <a:rPr lang="en-US" sz="1100">
+                        <a:rPr lang="fr-FR" sz="900" strike="sngStrike">
+                          <a:solidFill>
+                            <a:srgbClr val="000000"/>
+                          </a:solidFill>
                           <a:effectLst/>
                         </a:rPr>
-                        <a:t>CPU map of sysmem</a:t>
+                        <a:t>option 1: NC</a:t>
                       </a:r>
+                      <a:endParaRPr lang="fr-FR" sz="900">
+                        <a:effectLst/>
+                      </a:endParaRPr>
                     </a:p>
                     <a:p>
                       <a:pPr algn="l" fontAlgn="t"/>
                       <a:r>
-                        <a:rPr lang="en-US" sz="1100">
+                        <a:rPr lang="fr-FR" sz="900">
+                          <a:solidFill>
+                            <a:srgbClr val="000000"/>
+                          </a:solidFill>
                           <a:effectLst/>
                         </a:rPr>
-                        <a:t>(dGPU and A+A)</a:t>
+                        <a:t>option 2: RW</a:t>
                       </a:r>
+                      <a:endParaRPr lang="fr-FR" sz="900">
+                        <a:effectLst/>
+                      </a:endParaRPr>
                     </a:p>
                   </a:txBody>
-                  <a:tcPr marL="57104" marR="57104" marT="39973" marB="39973">
-                    <a:lnL w="9525" cap="flat" cmpd="sng" algn="ctr">
-                      <a:solidFill>
-                        <a:srgbClr val="C1C7D0"/>
-                      </a:solidFill>
-                      <a:prstDash val="solid"/>
-                      <a:round/>
-                      <a:headEnd type="none" w="med" len="med"/>
-                      <a:tailEnd type="none" w="med" len="med"/>
-                    </a:lnL>
-                    <a:lnR w="9525" cap="flat" cmpd="sng" algn="ctr">
-                      <a:solidFill>
-                        <a:srgbClr val="C1C7D0"/>
-                      </a:solidFill>
-                      <a:prstDash val="solid"/>
-                      <a:round/>
-                      <a:headEnd type="none" w="med" len="med"/>
-                      <a:tailEnd type="none" w="med" len="med"/>
-                    </a:lnR>
-                    <a:lnT w="9525" cap="flat" cmpd="sng" algn="ctr">
-                      <a:solidFill>
-                        <a:srgbClr val="C1C7D0"/>
-                      </a:solidFill>
-                      <a:prstDash val="solid"/>
-                      <a:round/>
-                      <a:headEnd type="none" w="med" len="med"/>
-                      <a:tailEnd type="none" w="med" len="med"/>
-                    </a:lnT>
-                    <a:lnB w="9525" cap="flat" cmpd="sng" algn="ctr">
-                      <a:solidFill>
-                        <a:srgbClr val="C1C7D0"/>
-                      </a:solidFill>
-                      <a:prstDash val="solid"/>
-                      <a:round/>
-                      <a:headEnd type="none" w="med" len="med"/>
-                      <a:tailEnd type="none" w="med" len="med"/>
-                    </a:lnB>
-                    <a:noFill/>
-                  </a:tcPr>
-                </a:tc>
-                <a:extLst>
-                  <a:ext uri="{0D108BD9-81ED-4DB2-BD59-A6C34878D82A}">
-                    <a16:rowId xmlns:a16="http://schemas.microsoft.com/office/drawing/2014/main" val="4250248231"/>
-                  </a:ext>
-                </a:extLst>
-              </a:tr>
-              <a:tr h="1051655">
-                <a:tc>
-                  <a:txBody>
-                    <a:bodyPr/>
-                    <a:lstStyle/>
-                    <a:p>
-                      <a:pPr algn="l" fontAlgn="t"/>
-                      <a:r>
-                        <a:rPr lang="en-US" sz="1100">
-                          <a:effectLst/>
-                        </a:rPr>
-                        <a:t>Coarse grain</a:t>
-                      </a:r>
-                    </a:p>
-                  </a:txBody>
-                  <a:tcPr marL="57104" marR="57104" marT="39973" marB="39973">
-                    <a:lnL w="9525" cap="flat" cmpd="sng" algn="ctr">
-                      <a:solidFill>
-                        <a:srgbClr val="C1C7D0"/>
-                      </a:solidFill>
-                      <a:prstDash val="solid"/>
-                      <a:round/>
-                      <a:headEnd type="none" w="med" len="med"/>
-                      <a:tailEnd type="none" w="med" len="med"/>
-                    </a:lnL>
-                    <a:lnR w="9525" cap="flat" cmpd="sng" algn="ctr">
-                      <a:solidFill>
-                        <a:srgbClr val="C1C7D0"/>
-                      </a:solidFill>
-                      <a:prstDash val="solid"/>
-                      <a:round/>
-                      <a:headEnd type="none" w="med" len="med"/>
-                      <a:tailEnd type="none" w="med" len="med"/>
-                    </a:lnR>
-                    <a:lnT w="9525" cap="flat" cmpd="sng" algn="ctr">
-                      <a:solidFill>
-                        <a:srgbClr val="C1C7D0"/>
-                      </a:solidFill>
-                      <a:prstDash val="solid"/>
-                      <a:round/>
-                      <a:headEnd type="none" w="med" len="med"/>
-                      <a:tailEnd type="none" w="med" len="med"/>
-                    </a:lnT>
-                    <a:lnB w="9525" cap="flat" cmpd="sng" algn="ctr">
-                      <a:solidFill>
-                        <a:srgbClr val="C1C7D0"/>
-                      </a:solidFill>
-                      <a:prstDash val="solid"/>
-                      <a:round/>
-                      <a:headEnd type="none" w="med" len="med"/>
-                      <a:tailEnd type="none" w="med" len="med"/>
-                    </a:lnB>
-                    <a:noFill/>
-                  </a:tcPr>
+                  <a:tcPr marL="25230" marR="25230" marT="17661" marB="17661"/>
                 </a:tc>
                 <a:tc>
                   <a:txBody>
@@ -8261,75 +8576,53 @@
                     <a:p>
                       <a:pPr algn="l" fontAlgn="t"/>
                       <a:r>
-                        <a:rPr lang="en-US" sz="1100" strike="sngStrike">
+                        <a:rPr lang="en-US" sz="900" strike="sngStrike">
+                          <a:solidFill>
+                            <a:srgbClr val="000000"/>
+                          </a:solidFill>
                           <a:effectLst/>
                         </a:rPr>
-                        <a:t>option 1: NC</a:t>
+                        <a:t>option1: NC</a:t>
                       </a:r>
-                      <a:endParaRPr lang="en-US" sz="1100">
+                      <a:endParaRPr lang="en-US" sz="900">
                         <a:effectLst/>
                       </a:endParaRPr>
                     </a:p>
                     <a:p>
                       <a:pPr algn="l" fontAlgn="t"/>
                       <a:r>
-                        <a:rPr lang="en-US" sz="1100">
+                        <a:rPr lang="en-US" sz="900">
+                          <a:solidFill>
+                            <a:srgbClr val="000000"/>
+                          </a:solidFill>
                           <a:effectLst/>
                         </a:rPr>
-                        <a:t>option 2: RW (+C to probe CPU)</a:t>
+                        <a:t>option2: NC</a:t>
                       </a:r>
-                    </a:p>
-                    <a:p>
-                      <a:pPr algn="l" fontAlgn="t"/>
-                      <a:br>
-                        <a:rPr lang="en-US" sz="1100">
+                      <a:r>
+                        <a:rPr lang="en-US" sz="900">
+                          <a:solidFill>
+                            <a:srgbClr val="003366"/>
+                          </a:solidFill>
                           <a:effectLst/>
                         </a:rPr>
-                      </a:br>
-                      <a:endParaRPr lang="en-US" sz="1100">
+                        <a:t>+C</a:t>
+                      </a:r>
+                      <a:r>
+                        <a:rPr lang="en-US" sz="900">
+                          <a:solidFill>
+                            <a:srgbClr val="000000"/>
+                          </a:solidFill>
+                          <a:effectLst/>
+                        </a:rPr>
+                        <a:t>(to probe remote gL2 or CPU $)</a:t>
+                      </a:r>
+                      <a:endParaRPr lang="en-US" sz="900">
                         <a:effectLst/>
                       </a:endParaRPr>
                     </a:p>
                   </a:txBody>
-                  <a:tcPr marL="57104" marR="57104" marT="39973" marB="39973">
-                    <a:lnL w="9525" cap="flat" cmpd="sng" algn="ctr">
-                      <a:solidFill>
-                        <a:srgbClr val="C1C7D0"/>
-                      </a:solidFill>
-                      <a:prstDash val="solid"/>
-                      <a:round/>
-                      <a:headEnd type="none" w="med" len="med"/>
-                      <a:tailEnd type="none" w="med" len="med"/>
-                    </a:lnL>
-                    <a:lnR w="9525" cap="flat" cmpd="sng" algn="ctr">
-                      <a:solidFill>
-                        <a:srgbClr val="C1C7D0"/>
-                      </a:solidFill>
-                      <a:prstDash val="solid"/>
-                      <a:round/>
-                      <a:headEnd type="none" w="med" len="med"/>
-                      <a:tailEnd type="none" w="med" len="med"/>
-                    </a:lnR>
-                    <a:lnT w="9525" cap="flat" cmpd="sng" algn="ctr">
-                      <a:solidFill>
-                        <a:srgbClr val="C1C7D0"/>
-                      </a:solidFill>
-                      <a:prstDash val="solid"/>
-                      <a:round/>
-                      <a:headEnd type="none" w="med" len="med"/>
-                      <a:tailEnd type="none" w="med" len="med"/>
-                    </a:lnT>
-                    <a:lnB w="9525" cap="flat" cmpd="sng" algn="ctr">
-                      <a:solidFill>
-                        <a:srgbClr val="C1C7D0"/>
-                      </a:solidFill>
-                      <a:prstDash val="solid"/>
-                      <a:round/>
-                      <a:headEnd type="none" w="med" len="med"/>
-                      <a:tailEnd type="none" w="med" len="med"/>
-                    </a:lnB>
-                    <a:noFill/>
-                  </a:tcPr>
+                  <a:tcPr marL="25230" marR="25230" marT="17661" marB="17661"/>
                 </a:tc>
                 <a:tc>
                   <a:txBody>
@@ -8338,73 +8631,14 @@
                     <a:p>
                       <a:pPr algn="l" fontAlgn="t"/>
                       <a:r>
-                        <a:rPr lang="fr-FR" sz="1100" strike="sngStrike">
-                          <a:solidFill>
-                            <a:srgbClr val="000000"/>
-                          </a:solidFill>
+                        <a:rPr lang="en-US" sz="900">
                           <a:effectLst/>
                         </a:rPr>
-                        <a:t>option 1: NC</a:t>
+                        <a:t>NC (+ register HDP_MMHUB_GCC)</a:t>
                       </a:r>
-                      <a:endParaRPr lang="fr-FR" sz="1100">
-                        <a:effectLst/>
-                      </a:endParaRPr>
-                    </a:p>
-                    <a:p>
-                      <a:pPr algn="l" fontAlgn="t"/>
-                      <a:r>
-                        <a:rPr lang="fr-FR" sz="1100">
-                          <a:solidFill>
-                            <a:srgbClr val="000000"/>
-                          </a:solidFill>
-                          <a:effectLst/>
-                        </a:rPr>
-                        <a:t>option 2: RW</a:t>
-                      </a:r>
-                      <a:endParaRPr lang="fr-FR" sz="1100">
-                        <a:effectLst/>
-                      </a:endParaRPr>
                     </a:p>
                   </a:txBody>
-                  <a:tcPr marL="57104" marR="57104" marT="39973" marB="39973">
-                    <a:lnL w="9525" cap="flat" cmpd="sng" algn="ctr">
-                      <a:solidFill>
-                        <a:srgbClr val="C1C7D0"/>
-                      </a:solidFill>
-                      <a:prstDash val="solid"/>
-                      <a:round/>
-                      <a:headEnd type="none" w="med" len="med"/>
-                      <a:tailEnd type="none" w="med" len="med"/>
-                    </a:lnL>
-                    <a:lnR w="9525" cap="flat" cmpd="sng" algn="ctr">
-                      <a:solidFill>
-                        <a:srgbClr val="C1C7D0"/>
-                      </a:solidFill>
-                      <a:prstDash val="solid"/>
-                      <a:round/>
-                      <a:headEnd type="none" w="med" len="med"/>
-                      <a:tailEnd type="none" w="med" len="med"/>
-                    </a:lnR>
-                    <a:lnT w="9525" cap="flat" cmpd="sng" algn="ctr">
-                      <a:solidFill>
-                        <a:srgbClr val="C1C7D0"/>
-                      </a:solidFill>
-                      <a:prstDash val="solid"/>
-                      <a:round/>
-                      <a:headEnd type="none" w="med" len="med"/>
-                      <a:tailEnd type="none" w="med" len="med"/>
-                    </a:lnT>
-                    <a:lnB w="9525" cap="flat" cmpd="sng" algn="ctr">
-                      <a:solidFill>
-                        <a:srgbClr val="C1C7D0"/>
-                      </a:solidFill>
-                      <a:prstDash val="solid"/>
-                      <a:round/>
-                      <a:headEnd type="none" w="med" len="med"/>
-                      <a:tailEnd type="none" w="med" len="med"/>
-                    </a:lnB>
-                    <a:noFill/>
-                  </a:tcPr>
+                  <a:tcPr marL="25230" marR="25230" marT="17661" marB="17661"/>
                 </a:tc>
                 <a:tc>
                   <a:txBody>
@@ -8413,91 +8647,14 @@
                     <a:p>
                       <a:pPr algn="l" fontAlgn="t"/>
                       <a:r>
-                        <a:rPr lang="en-US" sz="1100" strike="sngStrike">
-                          <a:solidFill>
-                            <a:srgbClr val="000000"/>
-                          </a:solidFill>
+                        <a:rPr lang="en-US" sz="900">
                           <a:effectLst/>
                         </a:rPr>
-                        <a:t>option1: NC</a:t>
+                        <a:t>SDMA is not client of gL2 so regardless the mapping in PTE, SDMA access memory like UC</a:t>
                       </a:r>
-                      <a:endParaRPr lang="en-US" sz="1100">
-                        <a:effectLst/>
-                      </a:endParaRPr>
-                    </a:p>
-                    <a:p>
-                      <a:pPr algn="l" fontAlgn="t"/>
-                      <a:r>
-                        <a:rPr lang="en-US" sz="1100">
-                          <a:solidFill>
-                            <a:srgbClr val="000000"/>
-                          </a:solidFill>
-                          <a:effectLst/>
-                        </a:rPr>
-                        <a:t>option2: NC</a:t>
-                      </a:r>
-                      <a:r>
-                        <a:rPr lang="en-US" sz="1100">
-                          <a:solidFill>
-                            <a:srgbClr val="003366"/>
-                          </a:solidFill>
-                          <a:effectLst/>
-                        </a:rPr>
-                        <a:t>+C</a:t>
-                      </a:r>
-                      <a:r>
-                        <a:rPr lang="en-US" sz="1100">
-                          <a:solidFill>
-                            <a:srgbClr val="000000"/>
-                          </a:solidFill>
-                          <a:effectLst/>
-                        </a:rPr>
-                        <a:t>(to probe remote gL2 or CPU $)</a:t>
-                      </a:r>
-                      <a:endParaRPr lang="en-US" sz="1100">
-                        <a:effectLst/>
-                      </a:endParaRPr>
                     </a:p>
                   </a:txBody>
-                  <a:tcPr marL="57104" marR="57104" marT="39973" marB="39973">
-                    <a:lnL w="9525" cap="flat" cmpd="sng" algn="ctr">
-                      <a:solidFill>
-                        <a:srgbClr val="C1C7D0"/>
-                      </a:solidFill>
-                      <a:prstDash val="solid"/>
-                      <a:round/>
-                      <a:headEnd type="none" w="med" len="med"/>
-                      <a:tailEnd type="none" w="med" len="med"/>
-                    </a:lnL>
-                    <a:lnR w="9525" cap="flat" cmpd="sng" algn="ctr">
-                      <a:solidFill>
-                        <a:srgbClr val="C1C7D0"/>
-                      </a:solidFill>
-                      <a:prstDash val="solid"/>
-                      <a:round/>
-                      <a:headEnd type="none" w="med" len="med"/>
-                      <a:tailEnd type="none" w="med" len="med"/>
-                    </a:lnR>
-                    <a:lnT w="9525" cap="flat" cmpd="sng" algn="ctr">
-                      <a:solidFill>
-                        <a:srgbClr val="C1C7D0"/>
-                      </a:solidFill>
-                      <a:prstDash val="solid"/>
-                      <a:round/>
-                      <a:headEnd type="none" w="med" len="med"/>
-                      <a:tailEnd type="none" w="med" len="med"/>
-                    </a:lnT>
-                    <a:lnB w="9525" cap="flat" cmpd="sng" algn="ctr">
-                      <a:solidFill>
-                        <a:srgbClr val="C1C7D0"/>
-                      </a:solidFill>
-                      <a:prstDash val="solid"/>
-                      <a:round/>
-                      <a:headEnd type="none" w="med" len="med"/>
-                      <a:tailEnd type="none" w="med" len="med"/>
-                    </a:lnB>
-                    <a:noFill/>
-                  </a:tcPr>
+                  <a:tcPr marL="25230" marR="25230" marT="17661" marB="17661"/>
                 </a:tc>
                 <a:tc>
                   <a:txBody>
@@ -8506,52 +8663,50 @@
                     <a:p>
                       <a:pPr algn="l" fontAlgn="t"/>
                       <a:r>
-                        <a:rPr lang="en-US" sz="1100">
+                        <a:rPr lang="en-US" sz="900">
+                          <a:solidFill>
+                            <a:srgbClr val="000000"/>
+                          </a:solidFill>
                           <a:effectLst/>
                         </a:rPr>
-                        <a:t>NC (+ register HDP_MMHUB_GCC)</a:t>
+                        <a:t>cached/probable (WB, like RW)</a:t>
                       </a:r>
+                      <a:endParaRPr lang="en-US" sz="900">
+                        <a:effectLst/>
+                      </a:endParaRPr>
+                    </a:p>
+                    <a:p>
+                      <a:pPr algn="l" fontAlgn="t"/>
+                      <a:r>
+                        <a:rPr lang="en-US" sz="900">
+                          <a:solidFill>
+                            <a:srgbClr val="000000"/>
+                          </a:solidFill>
+                          <a:effectLst/>
+                        </a:rPr>
+                        <a:t>CPU probe gL2 on write (like +C)</a:t>
+                      </a:r>
+                      <a:endParaRPr lang="en-US" sz="900">
+                        <a:effectLst/>
+                      </a:endParaRPr>
+                    </a:p>
+                    <a:p>
+                      <a:pPr algn="l" fontAlgn="t"/>
+                      <a:r>
+                        <a:rPr lang="en-US" sz="900">
+                          <a:solidFill>
+                            <a:srgbClr val="000000"/>
+                          </a:solidFill>
+                          <a:effectLst/>
+                        </a:rPr>
+                        <a:t>Driver change see 2.3</a:t>
+                      </a:r>
+                      <a:endParaRPr lang="en-US" sz="900">
+                        <a:effectLst/>
+                      </a:endParaRPr>
                     </a:p>
                   </a:txBody>
-                  <a:tcPr marL="57104" marR="57104" marT="39973" marB="39973">
-                    <a:lnL w="9525" cap="flat" cmpd="sng" algn="ctr">
-                      <a:solidFill>
-                        <a:srgbClr val="C1C7D0"/>
-                      </a:solidFill>
-                      <a:prstDash val="solid"/>
-                      <a:round/>
-                      <a:headEnd type="none" w="med" len="med"/>
-                      <a:tailEnd type="none" w="med" len="med"/>
-                    </a:lnL>
-                    <a:lnR w="9525" cap="flat" cmpd="sng" algn="ctr">
-                      <a:solidFill>
-                        <a:srgbClr val="C1C7D0"/>
-                      </a:solidFill>
-                      <a:prstDash val="solid"/>
-                      <a:round/>
-                      <a:headEnd type="none" w="med" len="med"/>
-                      <a:tailEnd type="none" w="med" len="med"/>
-                    </a:lnR>
-                    <a:lnT w="9525" cap="flat" cmpd="sng" algn="ctr">
-                      <a:solidFill>
-                        <a:srgbClr val="C1C7D0"/>
-                      </a:solidFill>
-                      <a:prstDash val="solid"/>
-                      <a:round/>
-                      <a:headEnd type="none" w="med" len="med"/>
-                      <a:tailEnd type="none" w="med" len="med"/>
-                    </a:lnT>
-                    <a:lnB w="9525" cap="flat" cmpd="sng" algn="ctr">
-                      <a:solidFill>
-                        <a:srgbClr val="C1C7D0"/>
-                      </a:solidFill>
-                      <a:prstDash val="solid"/>
-                      <a:round/>
-                      <a:headEnd type="none" w="med" len="med"/>
-                      <a:tailEnd type="none" w="med" len="med"/>
-                    </a:lnB>
-                    <a:noFill/>
-                  </a:tcPr>
+                  <a:tcPr marL="25230" marR="25230" marT="17661" marB="17661"/>
                 </a:tc>
                 <a:tc>
                   <a:txBody>
@@ -8560,52 +8715,14 @@
                     <a:p>
                       <a:pPr algn="l" fontAlgn="t"/>
                       <a:r>
-                        <a:rPr lang="en-US" sz="1100">
+                        <a:rPr lang="en-US" sz="900">
                           <a:effectLst/>
                         </a:rPr>
-                        <a:t>SDMA is not client of gL2 so regardless the mapping in PTE, SDMA access memory like UC</a:t>
+                        <a:t>WC &amp;&amp; UNCACHED</a:t>
                       </a:r>
                     </a:p>
                   </a:txBody>
-                  <a:tcPr marL="57104" marR="57104" marT="39973" marB="39973">
-                    <a:lnL w="9525" cap="flat" cmpd="sng" algn="ctr">
-                      <a:solidFill>
-                        <a:srgbClr val="C1C7D0"/>
-                      </a:solidFill>
-                      <a:prstDash val="solid"/>
-                      <a:round/>
-                      <a:headEnd type="none" w="med" len="med"/>
-                      <a:tailEnd type="none" w="med" len="med"/>
-                    </a:lnL>
-                    <a:lnR w="9525" cap="flat" cmpd="sng" algn="ctr">
-                      <a:solidFill>
-                        <a:srgbClr val="C1C7D0"/>
-                      </a:solidFill>
-                      <a:prstDash val="solid"/>
-                      <a:round/>
-                      <a:headEnd type="none" w="med" len="med"/>
-                      <a:tailEnd type="none" w="med" len="med"/>
-                    </a:lnR>
-                    <a:lnT w="9525" cap="flat" cmpd="sng" algn="ctr">
-                      <a:solidFill>
-                        <a:srgbClr val="C1C7D0"/>
-                      </a:solidFill>
-                      <a:prstDash val="solid"/>
-                      <a:round/>
-                      <a:headEnd type="none" w="med" len="med"/>
-                      <a:tailEnd type="none" w="med" len="med"/>
-                    </a:lnT>
-                    <a:lnB w="9525" cap="flat" cmpd="sng" algn="ctr">
-                      <a:solidFill>
-                        <a:srgbClr val="C1C7D0"/>
-                      </a:solidFill>
-                      <a:prstDash val="solid"/>
-                      <a:round/>
-                      <a:headEnd type="none" w="med" len="med"/>
-                      <a:tailEnd type="none" w="med" len="med"/>
-                    </a:lnB>
-                    <a:noFill/>
-                  </a:tcPr>
+                  <a:tcPr marL="25230" marR="25230" marT="17661" marB="17661"/>
                 </a:tc>
                 <a:tc>
                   <a:txBody>
@@ -8614,88 +8731,14 @@
                     <a:p>
                       <a:pPr algn="l" fontAlgn="t"/>
                       <a:r>
-                        <a:rPr lang="en-US" sz="1100">
-                          <a:solidFill>
-                            <a:srgbClr val="000000"/>
-                          </a:solidFill>
+                        <a:rPr lang="en-US" sz="900">
                           <a:effectLst/>
                         </a:rPr>
-                        <a:t>cached/probable (WB, like RW)</a:t>
+                        <a:t>NC+C (probe CPU $)</a:t>
                       </a:r>
-                      <a:endParaRPr lang="en-US" sz="1100">
-                        <a:effectLst/>
-                      </a:endParaRPr>
-                    </a:p>
-                    <a:p>
-                      <a:pPr algn="l" fontAlgn="t"/>
-                      <a:r>
-                        <a:rPr lang="en-US" sz="1100">
-                          <a:solidFill>
-                            <a:srgbClr val="000000"/>
-                          </a:solidFill>
-                          <a:effectLst/>
-                        </a:rPr>
-                        <a:t>CPU probe gL2 on write (like +C)</a:t>
-                      </a:r>
-                      <a:endParaRPr lang="en-US" sz="1100">
-                        <a:effectLst/>
-                      </a:endParaRPr>
-                    </a:p>
-                    <a:p>
-                      <a:pPr algn="l" fontAlgn="t"/>
-                      <a:r>
-                        <a:rPr lang="en-US" sz="1100">
-                          <a:solidFill>
-                            <a:srgbClr val="000000"/>
-                          </a:solidFill>
-                          <a:effectLst/>
-                        </a:rPr>
-                        <a:t>Driver change see 2.3</a:t>
-                      </a:r>
-                      <a:endParaRPr lang="en-US" sz="1100">
-                        <a:effectLst/>
-                      </a:endParaRPr>
                     </a:p>
                   </a:txBody>
-                  <a:tcPr marL="57104" marR="57104" marT="39973" marB="39973">
-                    <a:lnL w="9525" cap="flat" cmpd="sng" algn="ctr">
-                      <a:solidFill>
-                        <a:srgbClr val="C1C7D0"/>
-                      </a:solidFill>
-                      <a:prstDash val="solid"/>
-                      <a:round/>
-                      <a:headEnd type="none" w="med" len="med"/>
-                      <a:tailEnd type="none" w="med" len="med"/>
-                    </a:lnL>
-                    <a:lnR w="9525" cap="flat" cmpd="sng" algn="ctr">
-                      <a:solidFill>
-                        <a:srgbClr val="C1C7D0"/>
-                      </a:solidFill>
-                      <a:prstDash val="solid"/>
-                      <a:round/>
-                      <a:headEnd type="none" w="med" len="med"/>
-                      <a:tailEnd type="none" w="med" len="med"/>
-                    </a:lnR>
-                    <a:lnT w="9525" cap="flat" cmpd="sng" algn="ctr">
-                      <a:solidFill>
-                        <a:srgbClr val="C1C7D0"/>
-                      </a:solidFill>
-                      <a:prstDash val="solid"/>
-                      <a:round/>
-                      <a:headEnd type="none" w="med" len="med"/>
-                      <a:tailEnd type="none" w="med" len="med"/>
-                    </a:lnT>
-                    <a:lnB w="9525" cap="flat" cmpd="sng" algn="ctr">
-                      <a:solidFill>
-                        <a:srgbClr val="C1C7D0"/>
-                      </a:solidFill>
-                      <a:prstDash val="solid"/>
-                      <a:round/>
-                      <a:headEnd type="none" w="med" len="med"/>
-                      <a:tailEnd type="none" w="med" len="med"/>
-                    </a:lnB>
-                    <a:noFill/>
-                  </a:tcPr>
+                  <a:tcPr marL="25230" marR="25230" marT="17661" marB="17661"/>
                 </a:tc>
                 <a:tc>
                   <a:txBody>
@@ -8704,52 +8747,14 @@
                     <a:p>
                       <a:pPr algn="l" fontAlgn="t"/>
                       <a:r>
-                        <a:rPr lang="en-US" sz="1100">
+                        <a:rPr lang="en-US" sz="900">
                           <a:effectLst/>
                         </a:rPr>
-                        <a:t>WC &amp;&amp; UNCACHED</a:t>
+                        <a:t>NC+C</a:t>
                       </a:r>
                     </a:p>
                   </a:txBody>
-                  <a:tcPr marL="57104" marR="57104" marT="39973" marB="39973">
-                    <a:lnL w="9525" cap="flat" cmpd="sng" algn="ctr">
-                      <a:solidFill>
-                        <a:srgbClr val="C1C7D0"/>
-                      </a:solidFill>
-                      <a:prstDash val="solid"/>
-                      <a:round/>
-                      <a:headEnd type="none" w="med" len="med"/>
-                      <a:tailEnd type="none" w="med" len="med"/>
-                    </a:lnL>
-                    <a:lnR w="9525" cap="flat" cmpd="sng" algn="ctr">
-                      <a:solidFill>
-                        <a:srgbClr val="C1C7D0"/>
-                      </a:solidFill>
-                      <a:prstDash val="solid"/>
-                      <a:round/>
-                      <a:headEnd type="none" w="med" len="med"/>
-                      <a:tailEnd type="none" w="med" len="med"/>
-                    </a:lnR>
-                    <a:lnT w="9525" cap="flat" cmpd="sng" algn="ctr">
-                      <a:solidFill>
-                        <a:srgbClr val="C1C7D0"/>
-                      </a:solidFill>
-                      <a:prstDash val="solid"/>
-                      <a:round/>
-                      <a:headEnd type="none" w="med" len="med"/>
-                      <a:tailEnd type="none" w="med" len="med"/>
-                    </a:lnT>
-                    <a:lnB w="9525" cap="flat" cmpd="sng" algn="ctr">
-                      <a:solidFill>
-                        <a:srgbClr val="C1C7D0"/>
-                      </a:solidFill>
-                      <a:prstDash val="solid"/>
-                      <a:round/>
-                      <a:headEnd type="none" w="med" len="med"/>
-                      <a:tailEnd type="none" w="med" len="med"/>
-                    </a:lnB>
-                    <a:noFill/>
-                  </a:tcPr>
+                  <a:tcPr marL="25230" marR="25230" marT="17661" marB="17661"/>
                 </a:tc>
                 <a:tc>
                   <a:txBody>
@@ -8758,52 +8763,57 @@
                     <a:p>
                       <a:pPr algn="l" fontAlgn="t"/>
                       <a:r>
-                        <a:rPr lang="en-US" sz="1100">
+                        <a:rPr lang="en-US" sz="900">
                           <a:effectLst/>
                         </a:rPr>
-                        <a:t>NC+C (probe CPU $)</a:t>
+                        <a:t>CACHED (WB)</a:t>
+                      </a:r>
+                    </a:p>
+                    <a:p>
+                      <a:pPr algn="l" fontAlgn="t"/>
+                      <a:r>
+                        <a:rPr lang="en-US" sz="900">
+                          <a:effectLst/>
+                        </a:rPr>
+                        <a:t>(Kernel is WC, see 2.5)</a:t>
                       </a:r>
                     </a:p>
                   </a:txBody>
-                  <a:tcPr marL="57104" marR="57104" marT="39973" marB="39973">
-                    <a:lnL w="9525" cap="flat" cmpd="sng" algn="ctr">
-                      <a:solidFill>
-                        <a:srgbClr val="C1C7D0"/>
-                      </a:solidFill>
-                      <a:prstDash val="solid"/>
-                      <a:round/>
-                      <a:headEnd type="none" w="med" len="med"/>
-                      <a:tailEnd type="none" w="med" len="med"/>
-                    </a:lnL>
-                    <a:lnR w="9525" cap="flat" cmpd="sng" algn="ctr">
-                      <a:solidFill>
-                        <a:srgbClr val="C1C7D0"/>
-                      </a:solidFill>
-                      <a:prstDash val="solid"/>
-                      <a:round/>
-                      <a:headEnd type="none" w="med" len="med"/>
-                      <a:tailEnd type="none" w="med" len="med"/>
-                    </a:lnR>
-                    <a:lnT w="9525" cap="flat" cmpd="sng" algn="ctr">
-                      <a:solidFill>
-                        <a:srgbClr val="C1C7D0"/>
-                      </a:solidFill>
-                      <a:prstDash val="solid"/>
-                      <a:round/>
-                      <a:headEnd type="none" w="med" len="med"/>
-                      <a:tailEnd type="none" w="med" len="med"/>
-                    </a:lnT>
-                    <a:lnB w="9525" cap="flat" cmpd="sng" algn="ctr">
-                      <a:solidFill>
-                        <a:srgbClr val="C1C7D0"/>
-                      </a:solidFill>
-                      <a:prstDash val="solid"/>
-                      <a:round/>
-                      <a:headEnd type="none" w="med" len="med"/>
-                      <a:tailEnd type="none" w="med" len="med"/>
-                    </a:lnB>
-                    <a:noFill/>
-                  </a:tcPr>
+                  <a:tcPr marL="25230" marR="25230" marT="17661" marB="17661"/>
+                </a:tc>
+                <a:extLst>
+                  <a:ext uri="{0D108BD9-81ED-4DB2-BD59-A6C34878D82A}">
+                    <a16:rowId xmlns:a16="http://schemas.microsoft.com/office/drawing/2014/main" val="1217313503"/>
+                  </a:ext>
+                </a:extLst>
+              </a:tr>
+              <a:tr h="872343">
+                <a:tc>
+                  <a:txBody>
+                    <a:bodyPr/>
+                    <a:lstStyle/>
+                    <a:p>
+                      <a:pPr algn="l" fontAlgn="t"/>
+                      <a:r>
+                        <a:rPr lang="en-US" sz="900">
+                          <a:effectLst/>
+                        </a:rPr>
+                        <a:t>Fine grain</a:t>
+                      </a:r>
+                    </a:p>
+                    <a:p>
+                      <a:pPr algn="l" fontAlgn="t"/>
+                      <a:br>
+                        <a:rPr lang="en-US" sz="900">
+                          <a:effectLst/>
+                        </a:rPr>
+                      </a:br>
+                      <a:endParaRPr lang="en-US" sz="900">
+                        <a:effectLst/>
+                      </a:endParaRPr>
+                    </a:p>
+                  </a:txBody>
+                  <a:tcPr marL="25230" marR="25230" marT="17661" marB="17661"/>
                 </a:tc>
                 <a:tc>
                   <a:txBody>
@@ -8812,52 +8822,14 @@
                     <a:p>
                       <a:pPr algn="l" fontAlgn="t"/>
                       <a:r>
-                        <a:rPr lang="en-US" sz="1100">
+                        <a:rPr lang="en-US" sz="900">
                           <a:effectLst/>
                         </a:rPr>
-                        <a:t>NC+C</a:t>
+                        <a:t>RW (+C to probe CPU)</a:t>
                       </a:r>
                     </a:p>
                   </a:txBody>
-                  <a:tcPr marL="57104" marR="57104" marT="39973" marB="39973">
-                    <a:lnL w="9525" cap="flat" cmpd="sng" algn="ctr">
-                      <a:solidFill>
-                        <a:srgbClr val="C1C7D0"/>
-                      </a:solidFill>
-                      <a:prstDash val="solid"/>
-                      <a:round/>
-                      <a:headEnd type="none" w="med" len="med"/>
-                      <a:tailEnd type="none" w="med" len="med"/>
-                    </a:lnL>
-                    <a:lnR w="9525" cap="flat" cmpd="sng" algn="ctr">
-                      <a:solidFill>
-                        <a:srgbClr val="C1C7D0"/>
-                      </a:solidFill>
-                      <a:prstDash val="solid"/>
-                      <a:round/>
-                      <a:headEnd type="none" w="med" len="med"/>
-                      <a:tailEnd type="none" w="med" len="med"/>
-                    </a:lnR>
-                    <a:lnT w="9525" cap="flat" cmpd="sng" algn="ctr">
-                      <a:solidFill>
-                        <a:srgbClr val="C1C7D0"/>
-                      </a:solidFill>
-                      <a:prstDash val="solid"/>
-                      <a:round/>
-                      <a:headEnd type="none" w="med" len="med"/>
-                      <a:tailEnd type="none" w="med" len="med"/>
-                    </a:lnT>
-                    <a:lnB w="9525" cap="flat" cmpd="sng" algn="ctr">
-                      <a:solidFill>
-                        <a:srgbClr val="C1C7D0"/>
-                      </a:solidFill>
-                      <a:prstDash val="solid"/>
-                      <a:round/>
-                      <a:headEnd type="none" w="med" len="med"/>
-                      <a:tailEnd type="none" w="med" len="med"/>
-                    </a:lnB>
-                    <a:noFill/>
-                  </a:tcPr>
+                  <a:tcPr marL="25230" marR="25230" marT="17661" marB="17661"/>
                 </a:tc>
                 <a:tc>
                   <a:txBody>
@@ -8866,7 +8838,218 @@
                     <a:p>
                       <a:pPr algn="l" fontAlgn="t"/>
                       <a:r>
-                        <a:rPr lang="en-US" sz="1100">
+                        <a:rPr lang="en-US" sz="900">
+                          <a:solidFill>
+                            <a:srgbClr val="000000"/>
+                          </a:solidFill>
+                          <a:effectLst/>
+                        </a:rPr>
+                        <a:t>RW</a:t>
+                      </a:r>
+                      <a:endParaRPr lang="en-US" sz="900">
+                        <a:effectLst/>
+                      </a:endParaRPr>
+                    </a:p>
+                  </a:txBody>
+                  <a:tcPr marL="25230" marR="25230" marT="17661" marB="17661"/>
+                </a:tc>
+                <a:tc>
+                  <a:txBody>
+                    <a:bodyPr/>
+                    <a:lstStyle/>
+                    <a:p>
+                      <a:pPr algn="l" fontAlgn="t"/>
+                      <a:r>
+                        <a:rPr lang="en-US" sz="900">
+                          <a:solidFill>
+                            <a:srgbClr val="000000"/>
+                          </a:solidFill>
+                          <a:effectLst/>
+                        </a:rPr>
+                        <a:t>NC+C(to probe remote gL2 or CPU $)</a:t>
+                      </a:r>
+                      <a:endParaRPr lang="en-US" sz="900">
+                        <a:effectLst/>
+                      </a:endParaRPr>
+                    </a:p>
+                  </a:txBody>
+                  <a:tcPr marL="25230" marR="25230" marT="17661" marB="17661"/>
+                </a:tc>
+                <a:tc>
+                  <a:txBody>
+                    <a:bodyPr/>
+                    <a:lstStyle/>
+                    <a:p>
+                      <a:pPr algn="l" fontAlgn="t"/>
+                      <a:r>
+                        <a:rPr lang="en-US" sz="900">
+                          <a:effectLst/>
+                        </a:rPr>
+                        <a:t>NC(+ register HDP_MMHUB_GCC to probe GPU cache)</a:t>
+                      </a:r>
+                    </a:p>
+                  </a:txBody>
+                  <a:tcPr marL="25230" marR="25230" marT="17661" marB="17661"/>
+                </a:tc>
+                <a:tc>
+                  <a:txBody>
+                    <a:bodyPr/>
+                    <a:lstStyle/>
+                    <a:p>
+                      <a:pPr algn="l" fontAlgn="t"/>
+                      <a:r>
+                        <a:rPr lang="en-US" sz="900">
+                          <a:effectLst/>
+                        </a:rPr>
+                        <a:t>Same as above</a:t>
+                      </a:r>
+                    </a:p>
+                  </a:txBody>
+                  <a:tcPr marL="25230" marR="25230" marT="17661" marB="17661"/>
+                </a:tc>
+                <a:tc>
+                  <a:txBody>
+                    <a:bodyPr/>
+                    <a:lstStyle/>
+                    <a:p>
+                      <a:pPr algn="l" fontAlgn="t"/>
+                      <a:r>
+                        <a:rPr lang="en-US" sz="900">
+                          <a:solidFill>
+                            <a:srgbClr val="000000"/>
+                          </a:solidFill>
+                          <a:effectLst/>
+                        </a:rPr>
+                        <a:t>cached/probable (WB, like RW)</a:t>
+                      </a:r>
+                      <a:endParaRPr lang="en-US" sz="900">
+                        <a:effectLst/>
+                      </a:endParaRPr>
+                    </a:p>
+                    <a:p>
+                      <a:pPr algn="l" fontAlgn="t"/>
+                      <a:r>
+                        <a:rPr lang="en-US" sz="900">
+                          <a:solidFill>
+                            <a:srgbClr val="000000"/>
+                          </a:solidFill>
+                          <a:effectLst/>
+                        </a:rPr>
+                        <a:t>CPU probe gL2 on write (like +C)</a:t>
+                      </a:r>
+                      <a:endParaRPr lang="en-US" sz="900">
+                        <a:effectLst/>
+                      </a:endParaRPr>
+                    </a:p>
+                    <a:p>
+                      <a:pPr algn="l" fontAlgn="t"/>
+                      <a:r>
+                        <a:rPr lang="en-US" sz="900">
+                          <a:solidFill>
+                            <a:srgbClr val="000000"/>
+                          </a:solidFill>
+                          <a:effectLst/>
+                        </a:rPr>
+                        <a:t>Driver change see 2.3</a:t>
+                      </a:r>
+                      <a:endParaRPr lang="en-US" sz="900">
+                        <a:effectLst/>
+                      </a:endParaRPr>
+                    </a:p>
+                  </a:txBody>
+                  <a:tcPr marL="25230" marR="25230" marT="17661" marB="17661"/>
+                </a:tc>
+                <a:tc>
+                  <a:txBody>
+                    <a:bodyPr/>
+                    <a:lstStyle/>
+                    <a:p>
+                      <a:pPr algn="l" fontAlgn="t"/>
+                      <a:r>
+                        <a:rPr lang="en-US" sz="900">
+                          <a:effectLst/>
+                        </a:rPr>
+                        <a:t>WC (doesn't support fineGrain, see 2.4)</a:t>
+                      </a:r>
+                    </a:p>
+                    <a:p>
+                      <a:pPr algn="l" fontAlgn="t"/>
+                      <a:r>
+                        <a:rPr lang="en-US" sz="900">
+                          <a:solidFill>
+                            <a:srgbClr val="800000"/>
+                          </a:solidFill>
+                          <a:effectLst/>
+                        </a:rPr>
+                        <a:t>todo: explore cached case.</a:t>
+                      </a:r>
+                      <a:endParaRPr lang="en-US" sz="900">
+                        <a:effectLst/>
+                      </a:endParaRPr>
+                    </a:p>
+                  </a:txBody>
+                  <a:tcPr marL="25230" marR="25230" marT="17661" marB="17661"/>
+                </a:tc>
+                <a:tc>
+                  <a:txBody>
+                    <a:bodyPr/>
+                    <a:lstStyle/>
+                    <a:p>
+                      <a:pPr algn="l" fontAlgn="t"/>
+                      <a:r>
+                        <a:rPr lang="en-US" sz="900">
+                          <a:effectLst/>
+                        </a:rPr>
+                        <a:t>NC+C (probe CPU $)</a:t>
+                      </a:r>
+                    </a:p>
+                    <a:p>
+                      <a:pPr algn="l" fontAlgn="t"/>
+                      <a:r>
+                        <a:rPr lang="en-US" sz="900">
+                          <a:solidFill>
+                            <a:srgbClr val="000000"/>
+                          </a:solidFill>
+                          <a:effectLst/>
+                        </a:rPr>
+                        <a:t>UC+C for some special cases see 2.6</a:t>
+                      </a:r>
+                      <a:br>
+                        <a:rPr lang="en-US" sz="900">
+                          <a:effectLst/>
+                        </a:rPr>
+                      </a:br>
+                      <a:endParaRPr lang="en-US" sz="900">
+                        <a:effectLst/>
+                      </a:endParaRPr>
+                    </a:p>
+                  </a:txBody>
+                  <a:tcPr marL="25230" marR="25230" marT="17661" marB="17661"/>
+                </a:tc>
+                <a:tc>
+                  <a:txBody>
+                    <a:bodyPr/>
+                    <a:lstStyle/>
+                    <a:p>
+                      <a:pPr algn="l" fontAlgn="t"/>
+                      <a:r>
+                        <a:rPr lang="en-US" sz="900">
+                          <a:effectLst/>
+                        </a:rPr>
+                        <a:t>UC+C (to probe CPU$)</a:t>
+                      </a:r>
+                    </a:p>
+                  </a:txBody>
+                  <a:tcPr marL="25230" marR="25230" marT="17661" marB="17661"/>
+                </a:tc>
+                <a:tc>
+                  <a:txBody>
+                    <a:bodyPr/>
+                    <a:lstStyle/>
+                    <a:p>
+                      <a:pPr algn="l" fontAlgn="t"/>
+                      <a:r>
+                        <a:rPr lang="en-US" sz="900" dirty="0">
                           <a:effectLst/>
                         </a:rPr>
                         <a:t>CACHED (WB)</a:t>
@@ -8875,760 +9058,18 @@
                     <a:p>
                       <a:pPr algn="l" fontAlgn="t"/>
                       <a:r>
-                        <a:rPr lang="en-US" sz="1100">
+                        <a:rPr lang="en-US" sz="900" dirty="0">
                           <a:effectLst/>
                         </a:rPr>
                         <a:t>(Kernel is WC, see 2.5)</a:t>
                       </a:r>
                     </a:p>
                   </a:txBody>
-                  <a:tcPr marL="57104" marR="57104" marT="39973" marB="39973">
-                    <a:lnL w="9525" cap="flat" cmpd="sng" algn="ctr">
-                      <a:solidFill>
-                        <a:srgbClr val="C1C7D0"/>
-                      </a:solidFill>
-                      <a:prstDash val="solid"/>
-                      <a:round/>
-                      <a:headEnd type="none" w="med" len="med"/>
-                      <a:tailEnd type="none" w="med" len="med"/>
-                    </a:lnL>
-                    <a:lnR w="9525" cap="flat" cmpd="sng" algn="ctr">
-                      <a:solidFill>
-                        <a:srgbClr val="C1C7D0"/>
-                      </a:solidFill>
-                      <a:prstDash val="solid"/>
-                      <a:round/>
-                      <a:headEnd type="none" w="med" len="med"/>
-                      <a:tailEnd type="none" w="med" len="med"/>
-                    </a:lnR>
-                    <a:lnT w="9525" cap="flat" cmpd="sng" algn="ctr">
-                      <a:solidFill>
-                        <a:srgbClr val="C1C7D0"/>
-                      </a:solidFill>
-                      <a:prstDash val="solid"/>
-                      <a:round/>
-                      <a:headEnd type="none" w="med" len="med"/>
-                      <a:tailEnd type="none" w="med" len="med"/>
-                    </a:lnT>
-                    <a:lnB w="9525" cap="flat" cmpd="sng" algn="ctr">
-                      <a:solidFill>
-                        <a:srgbClr val="C1C7D0"/>
-                      </a:solidFill>
-                      <a:prstDash val="solid"/>
-                      <a:round/>
-                      <a:headEnd type="none" w="med" len="med"/>
-                      <a:tailEnd type="none" w="med" len="med"/>
-                    </a:lnB>
-                    <a:noFill/>
-                  </a:tcPr>
+                  <a:tcPr marL="25230" marR="25230" marT="17661" marB="17661"/>
                 </a:tc>
                 <a:extLst>
                   <a:ext uri="{0D108BD9-81ED-4DB2-BD59-A6C34878D82A}">
-                    <a16:rowId xmlns:a16="http://schemas.microsoft.com/office/drawing/2014/main" val="2137825208"/>
-                  </a:ext>
-                </a:extLst>
-              </a:tr>
-              <a:tr h="1051655">
-                <a:tc>
-                  <a:txBody>
-                    <a:bodyPr/>
-                    <a:lstStyle/>
-                    <a:p>
-                      <a:pPr algn="l" fontAlgn="t"/>
-                      <a:r>
-                        <a:rPr lang="en-US" sz="1100">
-                          <a:effectLst/>
-                        </a:rPr>
-                        <a:t>Fine grain</a:t>
-                      </a:r>
-                    </a:p>
-                    <a:p>
-                      <a:pPr algn="l" fontAlgn="t"/>
-                      <a:br>
-                        <a:rPr lang="en-US" sz="1100">
-                          <a:effectLst/>
-                        </a:rPr>
-                      </a:br>
-                      <a:endParaRPr lang="en-US" sz="1100">
-                        <a:effectLst/>
-                      </a:endParaRPr>
-                    </a:p>
-                  </a:txBody>
-                  <a:tcPr marL="57104" marR="57104" marT="39973" marB="39973">
-                    <a:lnL w="9525" cap="flat" cmpd="sng" algn="ctr">
-                      <a:solidFill>
-                        <a:srgbClr val="C1C7D0"/>
-                      </a:solidFill>
-                      <a:prstDash val="solid"/>
-                      <a:round/>
-                      <a:headEnd type="none" w="med" len="med"/>
-                      <a:tailEnd type="none" w="med" len="med"/>
-                    </a:lnL>
-                    <a:lnR w="9525" cap="flat" cmpd="sng" algn="ctr">
-                      <a:solidFill>
-                        <a:srgbClr val="C1C7D0"/>
-                      </a:solidFill>
-                      <a:prstDash val="solid"/>
-                      <a:round/>
-                      <a:headEnd type="none" w="med" len="med"/>
-                      <a:tailEnd type="none" w="med" len="med"/>
-                    </a:lnR>
-                    <a:lnT w="9525" cap="flat" cmpd="sng" algn="ctr">
-                      <a:solidFill>
-                        <a:srgbClr val="C1C7D0"/>
-                      </a:solidFill>
-                      <a:prstDash val="solid"/>
-                      <a:round/>
-                      <a:headEnd type="none" w="med" len="med"/>
-                      <a:tailEnd type="none" w="med" len="med"/>
-                    </a:lnT>
-                    <a:lnB w="9525" cap="flat" cmpd="sng" algn="ctr">
-                      <a:solidFill>
-                        <a:srgbClr val="C1C7D0"/>
-                      </a:solidFill>
-                      <a:prstDash val="solid"/>
-                      <a:round/>
-                      <a:headEnd type="none" w="med" len="med"/>
-                      <a:tailEnd type="none" w="med" len="med"/>
-                    </a:lnB>
-                    <a:noFill/>
-                  </a:tcPr>
-                </a:tc>
-                <a:tc>
-                  <a:txBody>
-                    <a:bodyPr/>
-                    <a:lstStyle/>
-                    <a:p>
-                      <a:pPr algn="l" fontAlgn="t"/>
-                      <a:r>
-                        <a:rPr lang="en-US" sz="1100">
-                          <a:effectLst/>
-                        </a:rPr>
-                        <a:t>RW (+C to probe CPU)</a:t>
-                      </a:r>
-                    </a:p>
-                  </a:txBody>
-                  <a:tcPr marL="57104" marR="57104" marT="39973" marB="39973">
-                    <a:lnL w="9525" cap="flat" cmpd="sng" algn="ctr">
-                      <a:solidFill>
-                        <a:srgbClr val="C1C7D0"/>
-                      </a:solidFill>
-                      <a:prstDash val="solid"/>
-                      <a:round/>
-                      <a:headEnd type="none" w="med" len="med"/>
-                      <a:tailEnd type="none" w="med" len="med"/>
-                    </a:lnL>
-                    <a:lnR w="9525" cap="flat" cmpd="sng" algn="ctr">
-                      <a:solidFill>
-                        <a:srgbClr val="C1C7D0"/>
-                      </a:solidFill>
-                      <a:prstDash val="solid"/>
-                      <a:round/>
-                      <a:headEnd type="none" w="med" len="med"/>
-                      <a:tailEnd type="none" w="med" len="med"/>
-                    </a:lnR>
-                    <a:lnT w="9525" cap="flat" cmpd="sng" algn="ctr">
-                      <a:solidFill>
-                        <a:srgbClr val="C1C7D0"/>
-                      </a:solidFill>
-                      <a:prstDash val="solid"/>
-                      <a:round/>
-                      <a:headEnd type="none" w="med" len="med"/>
-                      <a:tailEnd type="none" w="med" len="med"/>
-                    </a:lnT>
-                    <a:lnB w="9525" cap="flat" cmpd="sng" algn="ctr">
-                      <a:solidFill>
-                        <a:srgbClr val="C1C7D0"/>
-                      </a:solidFill>
-                      <a:prstDash val="solid"/>
-                      <a:round/>
-                      <a:headEnd type="none" w="med" len="med"/>
-                      <a:tailEnd type="none" w="med" len="med"/>
-                    </a:lnB>
-                    <a:noFill/>
-                  </a:tcPr>
-                </a:tc>
-                <a:tc>
-                  <a:txBody>
-                    <a:bodyPr/>
-                    <a:lstStyle/>
-                    <a:p>
-                      <a:pPr algn="l" fontAlgn="t"/>
-                      <a:r>
-                        <a:rPr lang="en-US" sz="1100">
-                          <a:solidFill>
-                            <a:srgbClr val="000000"/>
-                          </a:solidFill>
-                          <a:effectLst/>
-                        </a:rPr>
-                        <a:t>RW</a:t>
-                      </a:r>
-                      <a:endParaRPr lang="en-US" sz="1100">
-                        <a:effectLst/>
-                      </a:endParaRPr>
-                    </a:p>
-                  </a:txBody>
-                  <a:tcPr marL="57104" marR="57104" marT="39973" marB="39973">
-                    <a:lnL w="9525" cap="flat" cmpd="sng" algn="ctr">
-                      <a:solidFill>
-                        <a:srgbClr val="C1C7D0"/>
-                      </a:solidFill>
-                      <a:prstDash val="solid"/>
-                      <a:round/>
-                      <a:headEnd type="none" w="med" len="med"/>
-                      <a:tailEnd type="none" w="med" len="med"/>
-                    </a:lnL>
-                    <a:lnR w="9525" cap="flat" cmpd="sng" algn="ctr">
-                      <a:solidFill>
-                        <a:srgbClr val="C1C7D0"/>
-                      </a:solidFill>
-                      <a:prstDash val="solid"/>
-                      <a:round/>
-                      <a:headEnd type="none" w="med" len="med"/>
-                      <a:tailEnd type="none" w="med" len="med"/>
-                    </a:lnR>
-                    <a:lnT w="9525" cap="flat" cmpd="sng" algn="ctr">
-                      <a:solidFill>
-                        <a:srgbClr val="C1C7D0"/>
-                      </a:solidFill>
-                      <a:prstDash val="solid"/>
-                      <a:round/>
-                      <a:headEnd type="none" w="med" len="med"/>
-                      <a:tailEnd type="none" w="med" len="med"/>
-                    </a:lnT>
-                    <a:lnB w="9525" cap="flat" cmpd="sng" algn="ctr">
-                      <a:solidFill>
-                        <a:srgbClr val="C1C7D0"/>
-                      </a:solidFill>
-                      <a:prstDash val="solid"/>
-                      <a:round/>
-                      <a:headEnd type="none" w="med" len="med"/>
-                      <a:tailEnd type="none" w="med" len="med"/>
-                    </a:lnB>
-                    <a:noFill/>
-                  </a:tcPr>
-                </a:tc>
-                <a:tc>
-                  <a:txBody>
-                    <a:bodyPr/>
-                    <a:lstStyle/>
-                    <a:p>
-                      <a:pPr algn="l" fontAlgn="t"/>
-                      <a:r>
-                        <a:rPr lang="en-US" sz="1100">
-                          <a:solidFill>
-                            <a:srgbClr val="000000"/>
-                          </a:solidFill>
-                          <a:effectLst/>
-                        </a:rPr>
-                        <a:t>NC+C(to probe remote gL2 or CPU $)</a:t>
-                      </a:r>
-                      <a:endParaRPr lang="en-US" sz="1100">
-                        <a:effectLst/>
-                      </a:endParaRPr>
-                    </a:p>
-                  </a:txBody>
-                  <a:tcPr marL="57104" marR="57104" marT="39973" marB="39973">
-                    <a:lnL w="9525" cap="flat" cmpd="sng" algn="ctr">
-                      <a:solidFill>
-                        <a:srgbClr val="C1C7D0"/>
-                      </a:solidFill>
-                      <a:prstDash val="solid"/>
-                      <a:round/>
-                      <a:headEnd type="none" w="med" len="med"/>
-                      <a:tailEnd type="none" w="med" len="med"/>
-                    </a:lnL>
-                    <a:lnR w="9525" cap="flat" cmpd="sng" algn="ctr">
-                      <a:solidFill>
-                        <a:srgbClr val="C1C7D0"/>
-                      </a:solidFill>
-                      <a:prstDash val="solid"/>
-                      <a:round/>
-                      <a:headEnd type="none" w="med" len="med"/>
-                      <a:tailEnd type="none" w="med" len="med"/>
-                    </a:lnR>
-                    <a:lnT w="9525" cap="flat" cmpd="sng" algn="ctr">
-                      <a:solidFill>
-                        <a:srgbClr val="C1C7D0"/>
-                      </a:solidFill>
-                      <a:prstDash val="solid"/>
-                      <a:round/>
-                      <a:headEnd type="none" w="med" len="med"/>
-                      <a:tailEnd type="none" w="med" len="med"/>
-                    </a:lnT>
-                    <a:lnB w="9525" cap="flat" cmpd="sng" algn="ctr">
-                      <a:solidFill>
-                        <a:srgbClr val="C1C7D0"/>
-                      </a:solidFill>
-                      <a:prstDash val="solid"/>
-                      <a:round/>
-                      <a:headEnd type="none" w="med" len="med"/>
-                      <a:tailEnd type="none" w="med" len="med"/>
-                    </a:lnB>
-                    <a:noFill/>
-                  </a:tcPr>
-                </a:tc>
-                <a:tc>
-                  <a:txBody>
-                    <a:bodyPr/>
-                    <a:lstStyle/>
-                    <a:p>
-                      <a:pPr algn="l" fontAlgn="t"/>
-                      <a:r>
-                        <a:rPr lang="en-US" sz="1100">
-                          <a:effectLst/>
-                        </a:rPr>
-                        <a:t>NC(+ register HDP_MMHUB_GCC to probe GPU cache)</a:t>
-                      </a:r>
-                    </a:p>
-                  </a:txBody>
-                  <a:tcPr marL="57104" marR="57104" marT="39973" marB="39973">
-                    <a:lnL w="9525" cap="flat" cmpd="sng" algn="ctr">
-                      <a:solidFill>
-                        <a:srgbClr val="C1C7D0"/>
-                      </a:solidFill>
-                      <a:prstDash val="solid"/>
-                      <a:round/>
-                      <a:headEnd type="none" w="med" len="med"/>
-                      <a:tailEnd type="none" w="med" len="med"/>
-                    </a:lnL>
-                    <a:lnR w="9525" cap="flat" cmpd="sng" algn="ctr">
-                      <a:solidFill>
-                        <a:srgbClr val="C1C7D0"/>
-                      </a:solidFill>
-                      <a:prstDash val="solid"/>
-                      <a:round/>
-                      <a:headEnd type="none" w="med" len="med"/>
-                      <a:tailEnd type="none" w="med" len="med"/>
-                    </a:lnR>
-                    <a:lnT w="9525" cap="flat" cmpd="sng" algn="ctr">
-                      <a:solidFill>
-                        <a:srgbClr val="C1C7D0"/>
-                      </a:solidFill>
-                      <a:prstDash val="solid"/>
-                      <a:round/>
-                      <a:headEnd type="none" w="med" len="med"/>
-                      <a:tailEnd type="none" w="med" len="med"/>
-                    </a:lnT>
-                    <a:lnB w="9525" cap="flat" cmpd="sng" algn="ctr">
-                      <a:solidFill>
-                        <a:srgbClr val="C1C7D0"/>
-                      </a:solidFill>
-                      <a:prstDash val="solid"/>
-                      <a:round/>
-                      <a:headEnd type="none" w="med" len="med"/>
-                      <a:tailEnd type="none" w="med" len="med"/>
-                    </a:lnB>
-                    <a:noFill/>
-                  </a:tcPr>
-                </a:tc>
-                <a:tc>
-                  <a:txBody>
-                    <a:bodyPr/>
-                    <a:lstStyle/>
-                    <a:p>
-                      <a:pPr algn="l" fontAlgn="t"/>
-                      <a:r>
-                        <a:rPr lang="en-US" sz="1100">
-                          <a:effectLst/>
-                        </a:rPr>
-                        <a:t>Same as above</a:t>
-                      </a:r>
-                    </a:p>
-                  </a:txBody>
-                  <a:tcPr marL="57104" marR="57104" marT="39973" marB="39973">
-                    <a:lnL w="9525" cap="flat" cmpd="sng" algn="ctr">
-                      <a:solidFill>
-                        <a:srgbClr val="C1C7D0"/>
-                      </a:solidFill>
-                      <a:prstDash val="solid"/>
-                      <a:round/>
-                      <a:headEnd type="none" w="med" len="med"/>
-                      <a:tailEnd type="none" w="med" len="med"/>
-                    </a:lnL>
-                    <a:lnR w="9525" cap="flat" cmpd="sng" algn="ctr">
-                      <a:solidFill>
-                        <a:srgbClr val="C1C7D0"/>
-                      </a:solidFill>
-                      <a:prstDash val="solid"/>
-                      <a:round/>
-                      <a:headEnd type="none" w="med" len="med"/>
-                      <a:tailEnd type="none" w="med" len="med"/>
-                    </a:lnR>
-                    <a:lnT w="9525" cap="flat" cmpd="sng" algn="ctr">
-                      <a:solidFill>
-                        <a:srgbClr val="C1C7D0"/>
-                      </a:solidFill>
-                      <a:prstDash val="solid"/>
-                      <a:round/>
-                      <a:headEnd type="none" w="med" len="med"/>
-                      <a:tailEnd type="none" w="med" len="med"/>
-                    </a:lnT>
-                    <a:lnB w="9525" cap="flat" cmpd="sng" algn="ctr">
-                      <a:solidFill>
-                        <a:srgbClr val="C1C7D0"/>
-                      </a:solidFill>
-                      <a:prstDash val="solid"/>
-                      <a:round/>
-                      <a:headEnd type="none" w="med" len="med"/>
-                      <a:tailEnd type="none" w="med" len="med"/>
-                    </a:lnB>
-                    <a:noFill/>
-                  </a:tcPr>
-                </a:tc>
-                <a:tc>
-                  <a:txBody>
-                    <a:bodyPr/>
-                    <a:lstStyle/>
-                    <a:p>
-                      <a:pPr algn="l" fontAlgn="t"/>
-                      <a:r>
-                        <a:rPr lang="en-US" sz="1100">
-                          <a:solidFill>
-                            <a:srgbClr val="000000"/>
-                          </a:solidFill>
-                          <a:effectLst/>
-                        </a:rPr>
-                        <a:t>cached/probable (WB, like RW)</a:t>
-                      </a:r>
-                      <a:endParaRPr lang="en-US" sz="1100">
-                        <a:effectLst/>
-                      </a:endParaRPr>
-                    </a:p>
-                    <a:p>
-                      <a:pPr algn="l" fontAlgn="t"/>
-                      <a:r>
-                        <a:rPr lang="en-US" sz="1100">
-                          <a:solidFill>
-                            <a:srgbClr val="000000"/>
-                          </a:solidFill>
-                          <a:effectLst/>
-                        </a:rPr>
-                        <a:t>CPU probe gL2 on write (like +C)</a:t>
-                      </a:r>
-                      <a:endParaRPr lang="en-US" sz="1100">
-                        <a:effectLst/>
-                      </a:endParaRPr>
-                    </a:p>
-                    <a:p>
-                      <a:pPr algn="l" fontAlgn="t"/>
-                      <a:r>
-                        <a:rPr lang="en-US" sz="1100">
-                          <a:solidFill>
-                            <a:srgbClr val="000000"/>
-                          </a:solidFill>
-                          <a:effectLst/>
-                        </a:rPr>
-                        <a:t>Driver change see 2.3</a:t>
-                      </a:r>
-                      <a:endParaRPr lang="en-US" sz="1100">
-                        <a:effectLst/>
-                      </a:endParaRPr>
-                    </a:p>
-                  </a:txBody>
-                  <a:tcPr marL="57104" marR="57104" marT="39973" marB="39973">
-                    <a:lnL w="9525" cap="flat" cmpd="sng" algn="ctr">
-                      <a:solidFill>
-                        <a:srgbClr val="C1C7D0"/>
-                      </a:solidFill>
-                      <a:prstDash val="solid"/>
-                      <a:round/>
-                      <a:headEnd type="none" w="med" len="med"/>
-                      <a:tailEnd type="none" w="med" len="med"/>
-                    </a:lnL>
-                    <a:lnR w="9525" cap="flat" cmpd="sng" algn="ctr">
-                      <a:solidFill>
-                        <a:srgbClr val="C1C7D0"/>
-                      </a:solidFill>
-                      <a:prstDash val="solid"/>
-                      <a:round/>
-                      <a:headEnd type="none" w="med" len="med"/>
-                      <a:tailEnd type="none" w="med" len="med"/>
-                    </a:lnR>
-                    <a:lnT w="9525" cap="flat" cmpd="sng" algn="ctr">
-                      <a:solidFill>
-                        <a:srgbClr val="C1C7D0"/>
-                      </a:solidFill>
-                      <a:prstDash val="solid"/>
-                      <a:round/>
-                      <a:headEnd type="none" w="med" len="med"/>
-                      <a:tailEnd type="none" w="med" len="med"/>
-                    </a:lnT>
-                    <a:lnB w="9525" cap="flat" cmpd="sng" algn="ctr">
-                      <a:solidFill>
-                        <a:srgbClr val="C1C7D0"/>
-                      </a:solidFill>
-                      <a:prstDash val="solid"/>
-                      <a:round/>
-                      <a:headEnd type="none" w="med" len="med"/>
-                      <a:tailEnd type="none" w="med" len="med"/>
-                    </a:lnB>
-                    <a:noFill/>
-                  </a:tcPr>
-                </a:tc>
-                <a:tc>
-                  <a:txBody>
-                    <a:bodyPr/>
-                    <a:lstStyle/>
-                    <a:p>
-                      <a:pPr algn="l" fontAlgn="t"/>
-                      <a:r>
-                        <a:rPr lang="en-US" sz="1100">
-                          <a:effectLst/>
-                        </a:rPr>
-                        <a:t>WC (doesn't support fineGrain, see 2.4)</a:t>
-                      </a:r>
-                    </a:p>
-                    <a:p>
-                      <a:pPr algn="l" fontAlgn="t"/>
-                      <a:r>
-                        <a:rPr lang="en-US" sz="1100">
-                          <a:solidFill>
-                            <a:srgbClr val="800000"/>
-                          </a:solidFill>
-                          <a:effectLst/>
-                        </a:rPr>
-                        <a:t>todo: explore cached case.</a:t>
-                      </a:r>
-                      <a:endParaRPr lang="en-US" sz="1100">
-                        <a:effectLst/>
-                      </a:endParaRPr>
-                    </a:p>
-                  </a:txBody>
-                  <a:tcPr marL="57104" marR="57104" marT="39973" marB="39973">
-                    <a:lnL w="9525" cap="flat" cmpd="sng" algn="ctr">
-                      <a:solidFill>
-                        <a:srgbClr val="C1C7D0"/>
-                      </a:solidFill>
-                      <a:prstDash val="solid"/>
-                      <a:round/>
-                      <a:headEnd type="none" w="med" len="med"/>
-                      <a:tailEnd type="none" w="med" len="med"/>
-                    </a:lnL>
-                    <a:lnR w="9525" cap="flat" cmpd="sng" algn="ctr">
-                      <a:solidFill>
-                        <a:srgbClr val="C1C7D0"/>
-                      </a:solidFill>
-                      <a:prstDash val="solid"/>
-                      <a:round/>
-                      <a:headEnd type="none" w="med" len="med"/>
-                      <a:tailEnd type="none" w="med" len="med"/>
-                    </a:lnR>
-                    <a:lnT w="9525" cap="flat" cmpd="sng" algn="ctr">
-                      <a:solidFill>
-                        <a:srgbClr val="C1C7D0"/>
-                      </a:solidFill>
-                      <a:prstDash val="solid"/>
-                      <a:round/>
-                      <a:headEnd type="none" w="med" len="med"/>
-                      <a:tailEnd type="none" w="med" len="med"/>
-                    </a:lnT>
-                    <a:lnB w="9525" cap="flat" cmpd="sng" algn="ctr">
-                      <a:solidFill>
-                        <a:srgbClr val="C1C7D0"/>
-                      </a:solidFill>
-                      <a:prstDash val="solid"/>
-                      <a:round/>
-                      <a:headEnd type="none" w="med" len="med"/>
-                      <a:tailEnd type="none" w="med" len="med"/>
-                    </a:lnB>
-                    <a:noFill/>
-                  </a:tcPr>
-                </a:tc>
-                <a:tc>
-                  <a:txBody>
-                    <a:bodyPr/>
-                    <a:lstStyle/>
-                    <a:p>
-                      <a:pPr algn="l" fontAlgn="t"/>
-                      <a:r>
-                        <a:rPr lang="en-US" sz="1100">
-                          <a:effectLst/>
-                        </a:rPr>
-                        <a:t>NC+C (probe CPU $)</a:t>
-                      </a:r>
-                    </a:p>
-                    <a:p>
-                      <a:pPr algn="l" fontAlgn="t"/>
-                      <a:r>
-                        <a:rPr lang="en-US" sz="1100">
-                          <a:solidFill>
-                            <a:srgbClr val="000000"/>
-                          </a:solidFill>
-                          <a:effectLst/>
-                        </a:rPr>
-                        <a:t>UC+C for some special cases see 2.6</a:t>
-                      </a:r>
-                      <a:br>
-                        <a:rPr lang="en-US" sz="1100">
-                          <a:effectLst/>
-                        </a:rPr>
-                      </a:br>
-                      <a:endParaRPr lang="en-US" sz="1100">
-                        <a:effectLst/>
-                      </a:endParaRPr>
-                    </a:p>
-                  </a:txBody>
-                  <a:tcPr marL="57104" marR="57104" marT="39973" marB="39973">
-                    <a:lnL w="9525" cap="flat" cmpd="sng" algn="ctr">
-                      <a:solidFill>
-                        <a:srgbClr val="C1C7D0"/>
-                      </a:solidFill>
-                      <a:prstDash val="solid"/>
-                      <a:round/>
-                      <a:headEnd type="none" w="med" len="med"/>
-                      <a:tailEnd type="none" w="med" len="med"/>
-                    </a:lnL>
-                    <a:lnR w="9525" cap="flat" cmpd="sng" algn="ctr">
-                      <a:solidFill>
-                        <a:srgbClr val="C1C7D0"/>
-                      </a:solidFill>
-                      <a:prstDash val="solid"/>
-                      <a:round/>
-                      <a:headEnd type="none" w="med" len="med"/>
-                      <a:tailEnd type="none" w="med" len="med"/>
-                    </a:lnR>
-                    <a:lnT w="9525" cap="flat" cmpd="sng" algn="ctr">
-                      <a:solidFill>
-                        <a:srgbClr val="C1C7D0"/>
-                      </a:solidFill>
-                      <a:prstDash val="solid"/>
-                      <a:round/>
-                      <a:headEnd type="none" w="med" len="med"/>
-                      <a:tailEnd type="none" w="med" len="med"/>
-                    </a:lnT>
-                    <a:lnB w="9525" cap="flat" cmpd="sng" algn="ctr">
-                      <a:solidFill>
-                        <a:srgbClr val="C1C7D0"/>
-                      </a:solidFill>
-                      <a:prstDash val="solid"/>
-                      <a:round/>
-                      <a:headEnd type="none" w="med" len="med"/>
-                      <a:tailEnd type="none" w="med" len="med"/>
-                    </a:lnB>
-                    <a:noFill/>
-                  </a:tcPr>
-                </a:tc>
-                <a:tc>
-                  <a:txBody>
-                    <a:bodyPr/>
-                    <a:lstStyle/>
-                    <a:p>
-                      <a:pPr algn="l" fontAlgn="t"/>
-                      <a:r>
-                        <a:rPr lang="en-US" sz="1100">
-                          <a:effectLst/>
-                        </a:rPr>
-                        <a:t>UC+C (to probe CPU$)</a:t>
-                      </a:r>
-                    </a:p>
-                  </a:txBody>
-                  <a:tcPr marL="57104" marR="57104" marT="39973" marB="39973">
-                    <a:lnL w="9525" cap="flat" cmpd="sng" algn="ctr">
-                      <a:solidFill>
-                        <a:srgbClr val="C1C7D0"/>
-                      </a:solidFill>
-                      <a:prstDash val="solid"/>
-                      <a:round/>
-                      <a:headEnd type="none" w="med" len="med"/>
-                      <a:tailEnd type="none" w="med" len="med"/>
-                    </a:lnL>
-                    <a:lnR w="9525" cap="flat" cmpd="sng" algn="ctr">
-                      <a:solidFill>
-                        <a:srgbClr val="C1C7D0"/>
-                      </a:solidFill>
-                      <a:prstDash val="solid"/>
-                      <a:round/>
-                      <a:headEnd type="none" w="med" len="med"/>
-                      <a:tailEnd type="none" w="med" len="med"/>
-                    </a:lnR>
-                    <a:lnT w="9525" cap="flat" cmpd="sng" algn="ctr">
-                      <a:solidFill>
-                        <a:srgbClr val="C1C7D0"/>
-                      </a:solidFill>
-                      <a:prstDash val="solid"/>
-                      <a:round/>
-                      <a:headEnd type="none" w="med" len="med"/>
-                      <a:tailEnd type="none" w="med" len="med"/>
-                    </a:lnT>
-                    <a:lnB w="9525" cap="flat" cmpd="sng" algn="ctr">
-                      <a:solidFill>
-                        <a:srgbClr val="C1C7D0"/>
-                      </a:solidFill>
-                      <a:prstDash val="solid"/>
-                      <a:round/>
-                      <a:headEnd type="none" w="med" len="med"/>
-                      <a:tailEnd type="none" w="med" len="med"/>
-                    </a:lnB>
-                    <a:noFill/>
-                  </a:tcPr>
-                </a:tc>
-                <a:tc>
-                  <a:txBody>
-                    <a:bodyPr/>
-                    <a:lstStyle/>
-                    <a:p>
-                      <a:pPr algn="l" fontAlgn="t"/>
-                      <a:r>
-                        <a:rPr lang="en-US" sz="1100" dirty="0">
-                          <a:effectLst/>
-                        </a:rPr>
-                        <a:t>CACHED (WB)</a:t>
-                      </a:r>
-                    </a:p>
-                    <a:p>
-                      <a:pPr algn="l" fontAlgn="t"/>
-                      <a:r>
-                        <a:rPr lang="en-US" sz="1100" dirty="0">
-                          <a:effectLst/>
-                        </a:rPr>
-                        <a:t>(Kernel is WC, see 2.5)</a:t>
-                      </a:r>
-                    </a:p>
-                  </a:txBody>
-                  <a:tcPr marL="57104" marR="57104" marT="39973" marB="39973">
-                    <a:lnL w="9525" cap="flat" cmpd="sng" algn="ctr">
-                      <a:solidFill>
-                        <a:srgbClr val="C1C7D0"/>
-                      </a:solidFill>
-                      <a:prstDash val="solid"/>
-                      <a:round/>
-                      <a:headEnd type="none" w="med" len="med"/>
-                      <a:tailEnd type="none" w="med" len="med"/>
-                    </a:lnL>
-                    <a:lnR w="9525" cap="flat" cmpd="sng" algn="ctr">
-                      <a:solidFill>
-                        <a:srgbClr val="C1C7D0"/>
-                      </a:solidFill>
-                      <a:prstDash val="solid"/>
-                      <a:round/>
-                      <a:headEnd type="none" w="med" len="med"/>
-                      <a:tailEnd type="none" w="med" len="med"/>
-                    </a:lnR>
-                    <a:lnT w="9525" cap="flat" cmpd="sng" algn="ctr">
-                      <a:solidFill>
-                        <a:srgbClr val="C1C7D0"/>
-                      </a:solidFill>
-                      <a:prstDash val="solid"/>
-                      <a:round/>
-                      <a:headEnd type="none" w="med" len="med"/>
-                      <a:tailEnd type="none" w="med" len="med"/>
-                    </a:lnT>
-                    <a:lnB w="9525" cap="flat" cmpd="sng" algn="ctr">
-                      <a:solidFill>
-                        <a:srgbClr val="C1C7D0"/>
-                      </a:solidFill>
-                      <a:prstDash val="solid"/>
-                      <a:round/>
-                      <a:headEnd type="none" w="med" len="med"/>
-                      <a:tailEnd type="none" w="med" len="med"/>
-                    </a:lnB>
-                    <a:noFill/>
-                  </a:tcPr>
-                </a:tc>
-                <a:extLst>
-                  <a:ext uri="{0D108BD9-81ED-4DB2-BD59-A6C34878D82A}">
-                    <a16:rowId xmlns:a16="http://schemas.microsoft.com/office/drawing/2014/main" val="269610218"/>
+                    <a16:rowId xmlns:a16="http://schemas.microsoft.com/office/drawing/2014/main" val="1089691779"/>
                   </a:ext>
                 </a:extLst>
               </a:tr>
@@ -9638,10 +9079,10 @@
       </p:graphicFrame>
       <p:sp>
         <p:nvSpPr>
-          <p:cNvPr id="5" name="Rectangle 1">
-            <a:extLst>
-              <a:ext uri="{FF2B5EF4-FFF2-40B4-BE49-F238E27FC236}">
-                <a16:creationId xmlns:a16="http://schemas.microsoft.com/office/drawing/2014/main" id="{A95152CA-78EA-DD1C-3691-33F62BC5F707}"/>
+          <p:cNvPr id="7" name="Rectangle 1">
+            <a:extLst>
+              <a:ext uri="{FF2B5EF4-FFF2-40B4-BE49-F238E27FC236}">
+                <a16:creationId xmlns:a16="http://schemas.microsoft.com/office/drawing/2014/main" id="{776EDCCA-39E1-B1D8-4A2E-6EB67E9C3A70}"/>
               </a:ext>
             </a:extLst>
           </p:cNvPr>
@@ -9652,8 +9093,8 @@
         </p:nvSpPr>
         <p:spPr bwMode="auto">
           <a:xfrm>
-            <a:off x="179105" y="2404699"/>
-            <a:ext cx="11660961" cy="677108"/>
+            <a:off x="470137" y="2869524"/>
+            <a:ext cx="11660961" cy="307777"/>
           </a:xfrm>
           <a:prstGeom prst="rect">
             <a:avLst/>
@@ -9840,7 +9281,7 @@
               <a:tabLst/>
             </a:pPr>
             <a:r>
-              <a:rPr kumimoji="0" lang="en-US" altLang="en-US" sz="1000" b="0" i="0" u="none" strike="noStrike" cap="none" normalizeH="0" baseline="0">
+              <a:rPr kumimoji="0" lang="en-US" altLang="en-US" sz="1400" b="0" i="0" u="none" strike="noStrike" cap="none" normalizeH="0" baseline="0" dirty="0">
                 <a:ln>
                   <a:noFill/>
                 </a:ln>
@@ -9850,50 +9291,48 @@
                 <a:effectLst/>
                 <a:latin typeface="-apple-system"/>
               </a:rPr>
-              <a:t>Below table defines the cache coherence policy (GPU page table mtype/snoop bit or CPU page table cache type: WC or WB) all the combinations. The driver implementation is tracked thru: </a:t>
-            </a:r>
-            <a:r>
-              <a:rPr kumimoji="0" lang="en-US" altLang="en-US" sz="1000" b="0" i="0" u="none" strike="noStrike" cap="none" normalizeH="0" baseline="0">
+              <a:t>Below table defines the cache coherence policy (GPU page table </a:t>
+            </a:r>
+            <a:r>
+              <a:rPr kumimoji="0" lang="en-US" altLang="en-US" sz="1400" b="0" i="0" u="none" strike="noStrike" cap="none" normalizeH="0" baseline="0" dirty="0" err="1">
                 <a:ln>
                   <a:noFill/>
                 </a:ln>
                 <a:solidFill>
-                  <a:srgbClr val="0052CC"/>
+                  <a:srgbClr val="172B4D"/>
                 </a:solidFill>
                 <a:effectLst/>
                 <a:latin typeface="-apple-system"/>
-                <a:hlinkClick r:id="rId2"/>
-              </a:rPr>
-              <a:t>http://ontrack-internal.amd.com/browse/SWDEV-216146</a:t>
-            </a:r>
-            <a:endParaRPr kumimoji="0" lang="en-US" altLang="en-US" sz="800" b="0" i="0" u="none" strike="noStrike" cap="none" normalizeH="0" baseline="0">
-              <a:ln>
-                <a:noFill/>
-              </a:ln>
-              <a:solidFill>
-                <a:schemeClr val="tx1"/>
-              </a:solidFill>
-              <a:effectLst/>
-            </a:endParaRPr>
-          </a:p>
-          <a:p>
-            <a:pPr marL="0" marR="0" lvl="0" indent="0" algn="l" defTabSz="914400" rtl="0" eaLnBrk="0" fontAlgn="base" latinLnBrk="0" hangingPunct="0">
-              <a:lnSpc>
-                <a:spcPct val="100000"/>
-              </a:lnSpc>
-              <a:spcBef>
-                <a:spcPct val="0"/>
-              </a:spcBef>
-              <a:spcAft>
-                <a:spcPct val="0"/>
-              </a:spcAft>
-              <a:buClrTx/>
-              <a:buSzTx/>
-              <a:buFontTx/>
-              <a:buNone/>
-              <a:tabLst/>
-            </a:pPr>
-            <a:endParaRPr kumimoji="0" lang="en-US" altLang="en-US" sz="1800" b="0" i="0" u="none" strike="noStrike" cap="none" normalizeH="0" baseline="0">
+              </a:rPr>
+              <a:t>mtype</a:t>
+            </a:r>
+            <a:r>
+              <a:rPr kumimoji="0" lang="en-US" altLang="en-US" sz="1400" b="0" i="0" u="none" strike="noStrike" cap="none" normalizeH="0" baseline="0" dirty="0">
+                <a:ln>
+                  <a:noFill/>
+                </a:ln>
+                <a:solidFill>
+                  <a:srgbClr val="172B4D"/>
+                </a:solidFill>
+                <a:effectLst/>
+                <a:latin typeface="-apple-system"/>
+              </a:rPr>
+              <a:t>/snoop bit or CPU page table cache type: WC or WB) all the combinations</a:t>
+            </a:r>
+            <a:r>
+              <a:rPr kumimoji="0" lang="en-US" altLang="en-US" sz="1000" b="0" i="0" u="none" strike="noStrike" cap="none" normalizeH="0" baseline="0" dirty="0">
+                <a:ln>
+                  <a:noFill/>
+                </a:ln>
+                <a:solidFill>
+                  <a:srgbClr val="172B4D"/>
+                </a:solidFill>
+                <a:effectLst/>
+                <a:latin typeface="-apple-system"/>
+              </a:rPr>
+              <a:t>.</a:t>
+            </a:r>
+            <a:endParaRPr kumimoji="0" lang="en-US" altLang="en-US" sz="1800" b="0" i="0" u="none" strike="noStrike" cap="none" normalizeH="0" baseline="0" dirty="0">
               <a:ln>
                 <a:noFill/>
               </a:ln>
@@ -9909,7 +9348,7 @@
     </p:spTree>
     <p:extLst>
       <p:ext uri="{BB962C8B-B14F-4D97-AF65-F5344CB8AC3E}">
-        <p14:creationId xmlns:p14="http://schemas.microsoft.com/office/powerpoint/2010/main" val="4057365035"/>
+        <p14:creationId xmlns:p14="http://schemas.microsoft.com/office/powerpoint/2010/main" val="3471849684"/>
       </p:ext>
     </p:extLst>
   </p:cSld>
@@ -10582,7 +10021,7 @@
           <p:cNvPr id="2" name="Title 1">
             <a:extLst>
               <a:ext uri="{FF2B5EF4-FFF2-40B4-BE49-F238E27FC236}">
-                <a16:creationId xmlns:a16="http://schemas.microsoft.com/office/drawing/2014/main" id="{B467A863-4E87-5C69-11BB-FB222EF95703}"/>
+                <a16:creationId xmlns:a16="http://schemas.microsoft.com/office/drawing/2014/main" id="{DB820913-55A2-6D9E-2512-2573A2A7C79C}"/>
               </a:ext>
             </a:extLst>
           </p:cNvPr>
@@ -10600,7 +10039,7 @@
           <a:p>
             <a:r>
               <a:rPr lang="en-US" dirty="0"/>
-              <a:t>Atomics APIs usage example</a:t>
+              <a:t>Atomic APIs</a:t>
             </a:r>
           </a:p>
         </p:txBody>
@@ -10610,7 +10049,7 @@
           <p:cNvPr id="3" name="Content Placeholder 2">
             <a:extLst>
               <a:ext uri="{FF2B5EF4-FFF2-40B4-BE49-F238E27FC236}">
-                <a16:creationId xmlns:a16="http://schemas.microsoft.com/office/drawing/2014/main" id="{C218F075-FB23-C9A6-D693-749EB4DDB591}"/>
+                <a16:creationId xmlns:a16="http://schemas.microsoft.com/office/drawing/2014/main" id="{5DCA2331-8FF6-8AA9-1270-FEFCEF21BAAC}"/>
               </a:ext>
             </a:extLst>
           </p:cNvPr>
@@ -10623,207 +10062,410 @@
         </p:nvSpPr>
         <p:spPr/>
         <p:txBody>
-          <a:bodyPr/>
+          <a:bodyPr>
+            <a:normAutofit fontScale="55000" lnSpcReduction="20000"/>
+          </a:bodyPr>
           <a:lstStyle/>
           <a:p>
-            <a:pPr marL="228600" marR="0">
-              <a:lnSpc>
-                <a:spcPct val="107000"/>
-              </a:lnSpc>
-              <a:spcBef>
-                <a:spcPts val="0"/>
-              </a:spcBef>
-              <a:spcAft>
-                <a:spcPts val="800"/>
-              </a:spcAft>
+            <a:pPr algn="l"/>
+            <a:r>
+              <a:rPr lang="en-US" b="0" i="0" dirty="0">
+                <a:solidFill>
+                  <a:srgbClr val="172B4D"/>
+                </a:solidFill>
+                <a:effectLst/>
+                <a:latin typeface="-apple-system"/>
+              </a:rPr>
+              <a:t>Since we are compiling with hip, you can’t use the “ordinary” names for the memory orders and memory scopes.  We must instead use:</a:t>
+            </a:r>
+            <a:br>
+              <a:rPr lang="en-US" b="0" i="0" dirty="0">
+                <a:solidFill>
+                  <a:srgbClr val="172B4D"/>
+                </a:solidFill>
+                <a:effectLst/>
+                <a:latin typeface="-apple-system"/>
+              </a:rPr>
+            </a:br>
+            <a:endParaRPr lang="en-US" b="0" i="0" dirty="0">
+              <a:solidFill>
+                <a:srgbClr val="172B4D"/>
+              </a:solidFill>
+              <a:effectLst/>
+              <a:latin typeface="-apple-system"/>
+            </a:endParaRPr>
+          </a:p>
+          <a:p>
+            <a:pPr algn="l"/>
+            <a:r>
+              <a:rPr lang="en-US" b="0" i="0" dirty="0">
+                <a:solidFill>
+                  <a:srgbClr val="172B4D"/>
+                </a:solidFill>
+                <a:effectLst/>
+                <a:latin typeface="-apple-system"/>
+              </a:rPr>
+              <a:t>  </a:t>
+            </a:r>
+            <a:r>
+              <a:rPr lang="en-US" b="0" i="0" dirty="0" err="1">
+                <a:solidFill>
+                  <a:srgbClr val="172B4D"/>
+                </a:solidFill>
+                <a:effectLst/>
+                <a:latin typeface="-apple-system"/>
+              </a:rPr>
+              <a:t>memory_order_relaxed</a:t>
+            </a:r>
+            <a:r>
+              <a:rPr lang="en-US" b="0" i="0" dirty="0">
+                <a:solidFill>
+                  <a:srgbClr val="172B4D"/>
+                </a:solidFill>
+                <a:effectLst/>
+                <a:latin typeface="-apple-system"/>
+              </a:rPr>
+              <a:t> -&gt; __ATOMIC_RELAXED</a:t>
+            </a:r>
+          </a:p>
+          <a:p>
+            <a:pPr algn="l"/>
+            <a:r>
+              <a:rPr lang="en-US" b="0" i="0" dirty="0">
+                <a:solidFill>
+                  <a:srgbClr val="172B4D"/>
+                </a:solidFill>
+                <a:effectLst/>
+                <a:latin typeface="-apple-system"/>
+              </a:rPr>
+              <a:t>  </a:t>
+            </a:r>
+            <a:r>
+              <a:rPr lang="en-US" b="0" i="0" dirty="0" err="1">
+                <a:solidFill>
+                  <a:srgbClr val="172B4D"/>
+                </a:solidFill>
+                <a:effectLst/>
+                <a:latin typeface="-apple-system"/>
+              </a:rPr>
+              <a:t>memory_order_acquire</a:t>
+            </a:r>
+            <a:r>
+              <a:rPr lang="en-US" b="0" i="0" dirty="0">
+                <a:solidFill>
+                  <a:srgbClr val="172B4D"/>
+                </a:solidFill>
+                <a:effectLst/>
+                <a:latin typeface="-apple-system"/>
+              </a:rPr>
+              <a:t> -&gt; __ATOMIC_ACQUIRE</a:t>
+            </a:r>
+          </a:p>
+          <a:p>
+            <a:pPr algn="l"/>
+            <a:r>
+              <a:rPr lang="en-US" b="0" i="0" dirty="0">
+                <a:solidFill>
+                  <a:srgbClr val="172B4D"/>
+                </a:solidFill>
+                <a:effectLst/>
+                <a:latin typeface="-apple-system"/>
+              </a:rPr>
+              <a:t>  </a:t>
+            </a:r>
+            <a:r>
+              <a:rPr lang="en-US" b="0" i="0" dirty="0" err="1">
+                <a:solidFill>
+                  <a:srgbClr val="172B4D"/>
+                </a:solidFill>
+                <a:effectLst/>
+                <a:latin typeface="-apple-system"/>
+              </a:rPr>
+              <a:t>memory_order_release</a:t>
+            </a:r>
+            <a:r>
+              <a:rPr lang="en-US" b="0" i="0" dirty="0">
+                <a:solidFill>
+                  <a:srgbClr val="172B4D"/>
+                </a:solidFill>
+                <a:effectLst/>
+                <a:latin typeface="-apple-system"/>
+              </a:rPr>
+              <a:t> -&gt; __ATOMIC_RELEASE</a:t>
+            </a:r>
+          </a:p>
+          <a:p>
+            <a:pPr algn="l"/>
+            <a:r>
+              <a:rPr lang="en-US" b="0" i="0" dirty="0">
+                <a:solidFill>
+                  <a:srgbClr val="172B4D"/>
+                </a:solidFill>
+                <a:effectLst/>
+                <a:latin typeface="-apple-system"/>
+              </a:rPr>
+              <a:t>  </a:t>
+            </a:r>
+            <a:r>
+              <a:rPr lang="en-US" b="0" i="0" dirty="0" err="1">
+                <a:solidFill>
+                  <a:srgbClr val="172B4D"/>
+                </a:solidFill>
+                <a:effectLst/>
+                <a:latin typeface="-apple-system"/>
+              </a:rPr>
+              <a:t>memory_order_acq_rel</a:t>
+            </a:r>
+            <a:r>
+              <a:rPr lang="en-US" b="0" i="0" dirty="0">
+                <a:solidFill>
+                  <a:srgbClr val="172B4D"/>
+                </a:solidFill>
+                <a:effectLst/>
+                <a:latin typeface="-apple-system"/>
+              </a:rPr>
+              <a:t> -&gt; __ATOMIC_ACQ_REL</a:t>
+            </a:r>
+          </a:p>
+          <a:p>
+            <a:pPr algn="l"/>
+            <a:r>
+              <a:rPr lang="en-US" b="0" i="0" dirty="0">
+                <a:solidFill>
+                  <a:srgbClr val="172B4D"/>
+                </a:solidFill>
+                <a:effectLst/>
+                <a:latin typeface="-apple-system"/>
+              </a:rPr>
+              <a:t>  </a:t>
+            </a:r>
+            <a:r>
+              <a:rPr lang="en-US" b="0" i="0" dirty="0" err="1">
+                <a:solidFill>
+                  <a:srgbClr val="172B4D"/>
+                </a:solidFill>
+                <a:effectLst/>
+                <a:latin typeface="-apple-system"/>
+              </a:rPr>
+              <a:t>memory_order_seq_cst</a:t>
+            </a:r>
+            <a:r>
+              <a:rPr lang="en-US" b="0" i="0" dirty="0">
+                <a:solidFill>
+                  <a:srgbClr val="172B4D"/>
+                </a:solidFill>
+                <a:effectLst/>
+                <a:latin typeface="-apple-system"/>
+              </a:rPr>
+              <a:t> -&gt; __ATOMIC_SEQ_CST</a:t>
+            </a:r>
+          </a:p>
+          <a:p>
+            <a:pPr marL="0" indent="0" algn="l">
+              <a:buNone/>
             </a:pPr>
-            <a:r>
-              <a:rPr lang="en-US" sz="1800" b="1" kern="100" dirty="0">
-                <a:effectLst/>
-                <a:latin typeface="Calibri" panose="020F0502020204030204" pitchFamily="34" charset="0"/>
-                <a:ea typeface="Calibri" panose="020F0502020204030204" pitchFamily="34" charset="0"/>
-                <a:cs typeface="Times New Roman" panose="02020603050405020304" pitchFamily="18" charset="0"/>
-              </a:rPr>
-              <a:t>GPU1</a:t>
-            </a:r>
-            <a:r>
-              <a:rPr lang="en-US" sz="1800" kern="100" dirty="0">
-                <a:effectLst/>
-                <a:latin typeface="Calibri" panose="020F0502020204030204" pitchFamily="34" charset="0"/>
-                <a:ea typeface="Calibri" panose="020F0502020204030204" pitchFamily="34" charset="0"/>
-                <a:cs typeface="Times New Roman" panose="02020603050405020304" pitchFamily="18" charset="0"/>
-              </a:rPr>
-              <a:t>				</a:t>
-            </a:r>
-            <a:r>
-              <a:rPr lang="en-US" sz="1800" b="1" kern="100" dirty="0">
-                <a:effectLst/>
-                <a:latin typeface="Calibri" panose="020F0502020204030204" pitchFamily="34" charset="0"/>
-                <a:ea typeface="Calibri" panose="020F0502020204030204" pitchFamily="34" charset="0"/>
-                <a:cs typeface="Times New Roman" panose="02020603050405020304" pitchFamily="18" charset="0"/>
-              </a:rPr>
-              <a:t>GPU2</a:t>
-            </a:r>
-            <a:endParaRPr lang="en-US" sz="1800" kern="100" dirty="0">
+            <a:endParaRPr lang="en-US" b="0" i="0" dirty="0">
+              <a:solidFill>
+                <a:srgbClr val="172B4D"/>
+              </a:solidFill>
               <a:effectLst/>
-              <a:latin typeface="Calibri" panose="020F0502020204030204" pitchFamily="34" charset="0"/>
-              <a:ea typeface="Calibri" panose="020F0502020204030204" pitchFamily="34" charset="0"/>
-              <a:cs typeface="Times New Roman" panose="02020603050405020304" pitchFamily="18" charset="0"/>
+              <a:latin typeface="-apple-system"/>
             </a:endParaRPr>
           </a:p>
           <a:p>
-            <a:pPr marL="228600" marR="0">
-              <a:lnSpc>
-                <a:spcPct val="107000"/>
-              </a:lnSpc>
-              <a:spcBef>
-                <a:spcPts val="0"/>
-              </a:spcBef>
-              <a:spcAft>
-                <a:spcPts val="800"/>
-              </a:spcAft>
+            <a:pPr marL="0" indent="0" algn="l">
+              <a:buNone/>
             </a:pPr>
             <a:r>
-              <a:rPr lang="en-US" sz="1800" kern="100" dirty="0">
-                <a:effectLst/>
-                <a:latin typeface="Calibri" panose="020F0502020204030204" pitchFamily="34" charset="0"/>
-                <a:ea typeface="Calibri" panose="020F0502020204030204" pitchFamily="34" charset="0"/>
-                <a:cs typeface="Times New Roman" panose="02020603050405020304" pitchFamily="18" charset="0"/>
-              </a:rPr>
-              <a:t>A = 23;				while (</a:t>
-            </a:r>
-            <a:r>
-              <a:rPr lang="en-US" sz="1800" kern="100" dirty="0" err="1">
-                <a:effectLst/>
-                <a:latin typeface="Calibri" panose="020F0502020204030204" pitchFamily="34" charset="0"/>
-                <a:ea typeface="Calibri" panose="020F0502020204030204" pitchFamily="34" charset="0"/>
-                <a:cs typeface="Times New Roman" panose="02020603050405020304" pitchFamily="18" charset="0"/>
-              </a:rPr>
-              <a:t>Atomic_load_</a:t>
-            </a:r>
-            <a:r>
-              <a:rPr lang="en-US" sz="1800" b="1" kern="100" dirty="0" err="1">
-                <a:effectLst/>
-                <a:latin typeface="Calibri" panose="020F0502020204030204" pitchFamily="34" charset="0"/>
-                <a:ea typeface="Calibri" panose="020F0502020204030204" pitchFamily="34" charset="0"/>
-                <a:cs typeface="Times New Roman" panose="02020603050405020304" pitchFamily="18" charset="0"/>
-              </a:rPr>
-              <a:t>acquire</a:t>
-            </a:r>
-            <a:r>
-              <a:rPr lang="en-US" sz="1800" kern="100" dirty="0">
-                <a:effectLst/>
-                <a:latin typeface="Calibri" panose="020F0502020204030204" pitchFamily="34" charset="0"/>
-                <a:ea typeface="Calibri" panose="020F0502020204030204" pitchFamily="34" charset="0"/>
-                <a:cs typeface="Times New Roman" panose="02020603050405020304" pitchFamily="18" charset="0"/>
-              </a:rPr>
-              <a:t> (Flag) != 1)</a:t>
-            </a:r>
-          </a:p>
-          <a:p>
-            <a:pPr marL="228600" marR="0">
-              <a:lnSpc>
-                <a:spcPct val="107000"/>
-              </a:lnSpc>
-              <a:spcBef>
-                <a:spcPts val="0"/>
-              </a:spcBef>
-              <a:spcAft>
-                <a:spcPts val="800"/>
-              </a:spcAft>
-            </a:pPr>
-            <a:r>
-              <a:rPr lang="en-US" sz="1800" kern="100" dirty="0">
-                <a:effectLst/>
-                <a:latin typeface="Calibri" panose="020F0502020204030204" pitchFamily="34" charset="0"/>
-                <a:ea typeface="Calibri" panose="020F0502020204030204" pitchFamily="34" charset="0"/>
-                <a:cs typeface="Times New Roman" panose="02020603050405020304" pitchFamily="18" charset="0"/>
-              </a:rPr>
-              <a:t>B = 37;				… = B;</a:t>
-            </a:r>
-          </a:p>
-          <a:p>
-            <a:pPr marL="228600" marR="0">
-              <a:lnSpc>
-                <a:spcPct val="107000"/>
-              </a:lnSpc>
-              <a:spcBef>
-                <a:spcPts val="0"/>
-              </a:spcBef>
-              <a:spcAft>
-                <a:spcPts val="800"/>
-              </a:spcAft>
-            </a:pPr>
-            <a:r>
-              <a:rPr lang="en-US" sz="1800" kern="100" dirty="0" err="1">
-                <a:effectLst/>
-                <a:latin typeface="Calibri" panose="020F0502020204030204" pitchFamily="34" charset="0"/>
-                <a:ea typeface="Calibri" panose="020F0502020204030204" pitchFamily="34" charset="0"/>
-                <a:cs typeface="Times New Roman" panose="02020603050405020304" pitchFamily="18" charset="0"/>
-              </a:rPr>
-              <a:t>Atomic_store_</a:t>
-            </a:r>
-            <a:r>
-              <a:rPr lang="en-US" sz="1800" b="1" kern="100" dirty="0" err="1">
-                <a:effectLst/>
-                <a:latin typeface="Calibri" panose="020F0502020204030204" pitchFamily="34" charset="0"/>
-                <a:ea typeface="Calibri" panose="020F0502020204030204" pitchFamily="34" charset="0"/>
-                <a:cs typeface="Times New Roman" panose="02020603050405020304" pitchFamily="18" charset="0"/>
-              </a:rPr>
-              <a:t>release</a:t>
-            </a:r>
-            <a:r>
-              <a:rPr lang="en-US" sz="1800" kern="100" dirty="0">
-                <a:effectLst/>
-                <a:latin typeface="Calibri" panose="020F0502020204030204" pitchFamily="34" charset="0"/>
-                <a:ea typeface="Calibri" panose="020F0502020204030204" pitchFamily="34" charset="0"/>
-                <a:cs typeface="Times New Roman" panose="02020603050405020304" pitchFamily="18" charset="0"/>
-              </a:rPr>
-              <a:t> (Flag) = 1;	… = A;</a:t>
-            </a:r>
-          </a:p>
-          <a:p>
-            <a:pPr marL="0" marR="0">
-              <a:lnSpc>
-                <a:spcPct val="107000"/>
-              </a:lnSpc>
-              <a:spcBef>
-                <a:spcPts val="0"/>
-              </a:spcBef>
-              <a:spcAft>
-                <a:spcPts val="800"/>
-              </a:spcAft>
-            </a:pPr>
-            <a:r>
-              <a:rPr lang="en-US" sz="1800" kern="100" dirty="0">
-                <a:effectLst/>
-                <a:latin typeface="Calibri" panose="020F0502020204030204" pitchFamily="34" charset="0"/>
-                <a:ea typeface="Calibri" panose="020F0502020204030204" pitchFamily="34" charset="0"/>
-                <a:cs typeface="Times New Roman" panose="02020603050405020304" pitchFamily="18" charset="0"/>
-              </a:rPr>
-              <a:t>The “release” process in the example above is what must be done at completion of work-load execution to guarantee visibility of what was produced, to other consuming GPU/CPUs.</a:t>
-            </a:r>
-          </a:p>
-          <a:p>
-            <a:pPr marL="0" marR="0">
-              <a:lnSpc>
-                <a:spcPct val="107000"/>
-              </a:lnSpc>
-              <a:spcBef>
-                <a:spcPts val="0"/>
-              </a:spcBef>
-              <a:spcAft>
-                <a:spcPts val="800"/>
-              </a:spcAft>
-            </a:pPr>
-            <a:r>
-              <a:rPr lang="en-US" sz="1800" kern="100" dirty="0">
-                <a:effectLst/>
-                <a:latin typeface="Calibri" panose="020F0502020204030204" pitchFamily="34" charset="0"/>
-                <a:ea typeface="Calibri" panose="020F0502020204030204" pitchFamily="34" charset="0"/>
-                <a:cs typeface="Times New Roman" panose="02020603050405020304" pitchFamily="18" charset="0"/>
-              </a:rPr>
-              <a:t>The “acquire” process in the example above is what must be done prior to work-load start to ensure the work-load reads are getting correct data.</a:t>
+              <a:rPr lang="en-US" b="0" i="0" dirty="0">
+                <a:solidFill>
+                  <a:srgbClr val="172B4D"/>
+                </a:solidFill>
+                <a:effectLst/>
+                <a:latin typeface="-apple-system"/>
+              </a:rPr>
+              <a:t>and similarly</a:t>
+            </a:r>
+            <a:br>
+              <a:rPr lang="en-US" b="0" i="0" dirty="0">
+                <a:solidFill>
+                  <a:srgbClr val="172B4D"/>
+                </a:solidFill>
+                <a:effectLst/>
+                <a:latin typeface="-apple-system"/>
+              </a:rPr>
+            </a:br>
+            <a:endParaRPr lang="en-US" b="0" i="0" dirty="0">
+              <a:solidFill>
+                <a:srgbClr val="172B4D"/>
+              </a:solidFill>
+              <a:effectLst/>
+              <a:latin typeface="-apple-system"/>
+            </a:endParaRPr>
+          </a:p>
+          <a:p>
+            <a:pPr algn="l"/>
+            <a:r>
+              <a:rPr lang="en-US" b="0" i="0" dirty="0">
+                <a:solidFill>
+                  <a:srgbClr val="172B4D"/>
+                </a:solidFill>
+                <a:effectLst/>
+                <a:latin typeface="-apple-system"/>
+              </a:rPr>
+              <a:t>  </a:t>
+            </a:r>
+            <a:r>
+              <a:rPr lang="en-US" b="0" i="0" dirty="0" err="1">
+                <a:solidFill>
+                  <a:srgbClr val="172B4D"/>
+                </a:solidFill>
+                <a:effectLst/>
+                <a:latin typeface="-apple-system"/>
+              </a:rPr>
+              <a:t>memory_scope_work_item</a:t>
+            </a:r>
+            <a:r>
+              <a:rPr lang="en-US" b="0" i="0" dirty="0">
+                <a:solidFill>
+                  <a:srgbClr val="172B4D"/>
+                </a:solidFill>
+                <a:effectLst/>
+                <a:latin typeface="-apple-system"/>
+              </a:rPr>
+              <a:t> -&gt; __OPENCL_MEMORY_SCOPE_WORK_ITEM</a:t>
+            </a:r>
+          </a:p>
+          <a:p>
+            <a:pPr algn="l"/>
+            <a:r>
+              <a:rPr lang="en-US" b="0" i="0" dirty="0">
+                <a:solidFill>
+                  <a:srgbClr val="172B4D"/>
+                </a:solidFill>
+                <a:effectLst/>
+                <a:latin typeface="-apple-system"/>
+              </a:rPr>
+              <a:t>  </a:t>
+            </a:r>
+            <a:r>
+              <a:rPr lang="en-US" b="0" i="0" dirty="0" err="1">
+                <a:solidFill>
+                  <a:srgbClr val="172B4D"/>
+                </a:solidFill>
+                <a:effectLst/>
+                <a:latin typeface="-apple-system"/>
+              </a:rPr>
+              <a:t>memory_scope_work_group</a:t>
+            </a:r>
+            <a:r>
+              <a:rPr lang="en-US" b="0" i="0" dirty="0">
+                <a:solidFill>
+                  <a:srgbClr val="172B4D"/>
+                </a:solidFill>
+                <a:effectLst/>
+                <a:latin typeface="-apple-system"/>
+              </a:rPr>
+              <a:t> -&gt; __OPENCL_MEMORY_SCOPE_WORK_GROUP</a:t>
+            </a:r>
+          </a:p>
+          <a:p>
+            <a:pPr algn="l"/>
+            <a:r>
+              <a:rPr lang="en-US" b="0" i="0" dirty="0">
+                <a:solidFill>
+                  <a:srgbClr val="172B4D"/>
+                </a:solidFill>
+                <a:effectLst/>
+                <a:latin typeface="-apple-system"/>
+              </a:rPr>
+              <a:t>  </a:t>
+            </a:r>
+            <a:r>
+              <a:rPr lang="en-US" b="0" i="0" dirty="0" err="1">
+                <a:solidFill>
+                  <a:srgbClr val="172B4D"/>
+                </a:solidFill>
+                <a:effectLst/>
+                <a:latin typeface="-apple-system"/>
+              </a:rPr>
+              <a:t>memory_scope_device</a:t>
+            </a:r>
+            <a:r>
+              <a:rPr lang="en-US" b="0" i="0" dirty="0">
+                <a:solidFill>
+                  <a:srgbClr val="172B4D"/>
+                </a:solidFill>
+                <a:effectLst/>
+                <a:latin typeface="-apple-system"/>
+              </a:rPr>
+              <a:t> -&gt; __OPENCL_MEMORY_SCOPE_DEVICE</a:t>
+            </a:r>
+          </a:p>
+          <a:p>
+            <a:pPr algn="l"/>
+            <a:r>
+              <a:rPr lang="en-US" b="0" i="0" dirty="0">
+                <a:solidFill>
+                  <a:srgbClr val="172B4D"/>
+                </a:solidFill>
+                <a:effectLst/>
+                <a:latin typeface="-apple-system"/>
+              </a:rPr>
+              <a:t>  </a:t>
+            </a:r>
+            <a:r>
+              <a:rPr lang="en-US" b="0" i="0" dirty="0" err="1">
+                <a:solidFill>
+                  <a:srgbClr val="172B4D"/>
+                </a:solidFill>
+                <a:effectLst/>
+                <a:latin typeface="-apple-system"/>
+              </a:rPr>
+              <a:t>memory_scope_all_svm_devices</a:t>
+            </a:r>
+            <a:r>
+              <a:rPr lang="en-US" b="0" i="0" dirty="0">
+                <a:solidFill>
+                  <a:srgbClr val="172B4D"/>
+                </a:solidFill>
+                <a:effectLst/>
+                <a:latin typeface="-apple-system"/>
+              </a:rPr>
+              <a:t> -&gt; __OPENCL_MEMORY_SCOPE_ALL_SVM_DEVICES</a:t>
+            </a:r>
+          </a:p>
+          <a:p>
+            <a:pPr algn="l"/>
+            <a:r>
+              <a:rPr lang="en-US" b="0" i="0" dirty="0">
+                <a:solidFill>
+                  <a:srgbClr val="172B4D"/>
+                </a:solidFill>
+                <a:effectLst/>
+                <a:latin typeface="-apple-system"/>
+              </a:rPr>
+              <a:t>  </a:t>
+            </a:r>
+            <a:r>
+              <a:rPr lang="en-US" b="0" i="0" dirty="0" err="1">
+                <a:solidFill>
+                  <a:srgbClr val="172B4D"/>
+                </a:solidFill>
+                <a:effectLst/>
+                <a:latin typeface="-apple-system"/>
+              </a:rPr>
+              <a:t>memory_scope_sub_group</a:t>
+            </a:r>
+            <a:r>
+              <a:rPr lang="en-US" b="0" i="0" dirty="0">
+                <a:solidFill>
+                  <a:srgbClr val="172B4D"/>
+                </a:solidFill>
+                <a:effectLst/>
+                <a:latin typeface="-apple-system"/>
+              </a:rPr>
+              <a:t> -&gt; __OPENCL_MEMORY_SCOPE_SUB_GROUP</a:t>
             </a:r>
           </a:p>
           <a:p>
@@ -10834,7 +10476,7 @@
     </p:spTree>
     <p:extLst>
       <p:ext uri="{BB962C8B-B14F-4D97-AF65-F5344CB8AC3E}">
-        <p14:creationId xmlns:p14="http://schemas.microsoft.com/office/powerpoint/2010/main" val="495099538"/>
+        <p14:creationId xmlns:p14="http://schemas.microsoft.com/office/powerpoint/2010/main" val="2931524514"/>
       </p:ext>
     </p:extLst>
   </p:cSld>
